--- a/PAA 2a Oficina.pptx
+++ b/PAA 2a Oficina.pptx
@@ -1,26 +1,140 @@
 
 <file path=ppt/presentation.xml><?xml version="1.0" encoding="utf-8"?>
-<p:presentation xmlns:a="http://schemas.openxmlformats.org/drawingml/2006/main" xmlns:p="http://schemas.openxmlformats.org/presentationml/2006/main" xmlns:r="http://schemas.openxmlformats.org/officeDocument/2006/relationships" xmlns:p14="http://schemas.microsoft.com/office/powerpoint/2010/main" xmlns:p15="http://schemas.microsoft.com/office/powerpoint/2012/main" xmlns:mc="http://schemas.openxmlformats.org/markup-compatibility/2006">
+<p:presentation xmlns:a="http://schemas.openxmlformats.org/drawingml/2006/main" xmlns:r="http://schemas.openxmlformats.org/officeDocument/2006/relationships" xmlns:p="http://schemas.openxmlformats.org/presentationml/2006/main">
   <p:sldMasterIdLst>
-    <p:sldMasterId id="2147483648" r:id="rId2"/>
+    <p:sldMasterId id="2147483648" r:id="rId1"/>
   </p:sldMasterIdLst>
   <p:sldIdLst>
-    <p:sldId id="256" r:id="rId3"/>
+    <p:sldId id="256" r:id="rId2"/>
+    <p:sldId id="267" r:id="rId3"/>
     <p:sldId id="257" r:id="rId4"/>
     <p:sldId id="258" r:id="rId5"/>
     <p:sldId id="259" r:id="rId6"/>
-    <p:sldId id="260" r:id="rId7"/>
-    <p:sldId id="261" r:id="rId8"/>
-    <p:sldId id="262" r:id="rId9"/>
-    <p:sldId id="263" r:id="rId10"/>
+    <p:sldId id="270" r:id="rId7"/>
+    <p:sldId id="271" r:id="rId8"/>
+    <p:sldId id="269" r:id="rId9"/>
+    <p:sldId id="260" r:id="rId10"/>
+    <p:sldId id="268" r:id="rId11"/>
+    <p:sldId id="261" r:id="rId12"/>
+    <p:sldId id="263" r:id="rId13"/>
+    <p:sldId id="264" r:id="rId14"/>
+    <p:sldId id="265" r:id="rId15"/>
+    <p:sldId id="266" r:id="rId16"/>
+    <p:sldId id="272" r:id="rId17"/>
+    <p:sldId id="273" r:id="rId18"/>
+    <p:sldId id="274" r:id="rId19"/>
   </p:sldIdLst>
-  <p:sldSz cx="9144000" cy="6858000"/>
-  <p:notesSz cx="7559675" cy="10691812"/>
+  <p:sldSz cx="9144000" cy="6858000" type="screen4x3"/>
+  <p:notesSz cx="7559675" cy="10691813"/>
+  <p:defaultTextStyle>
+    <a:defPPr>
+      <a:defRPr lang="pt-BR"/>
+    </a:defPPr>
+    <a:lvl1pPr marL="0" algn="l" defTabSz="914400" rtl="0" eaLnBrk="1" latinLnBrk="0" hangingPunct="1">
+      <a:defRPr sz="1800" kern="1200">
+        <a:solidFill>
+          <a:schemeClr val="tx1"/>
+        </a:solidFill>
+        <a:latin typeface="+mn-lt"/>
+        <a:ea typeface="+mn-ea"/>
+        <a:cs typeface="+mn-cs"/>
+      </a:defRPr>
+    </a:lvl1pPr>
+    <a:lvl2pPr marL="457200" algn="l" defTabSz="914400" rtl="0" eaLnBrk="1" latinLnBrk="0" hangingPunct="1">
+      <a:defRPr sz="1800" kern="1200">
+        <a:solidFill>
+          <a:schemeClr val="tx1"/>
+        </a:solidFill>
+        <a:latin typeface="+mn-lt"/>
+        <a:ea typeface="+mn-ea"/>
+        <a:cs typeface="+mn-cs"/>
+      </a:defRPr>
+    </a:lvl2pPr>
+    <a:lvl3pPr marL="914400" algn="l" defTabSz="914400" rtl="0" eaLnBrk="1" latinLnBrk="0" hangingPunct="1">
+      <a:defRPr sz="1800" kern="1200">
+        <a:solidFill>
+          <a:schemeClr val="tx1"/>
+        </a:solidFill>
+        <a:latin typeface="+mn-lt"/>
+        <a:ea typeface="+mn-ea"/>
+        <a:cs typeface="+mn-cs"/>
+      </a:defRPr>
+    </a:lvl3pPr>
+    <a:lvl4pPr marL="1371600" algn="l" defTabSz="914400" rtl="0" eaLnBrk="1" latinLnBrk="0" hangingPunct="1">
+      <a:defRPr sz="1800" kern="1200">
+        <a:solidFill>
+          <a:schemeClr val="tx1"/>
+        </a:solidFill>
+        <a:latin typeface="+mn-lt"/>
+        <a:ea typeface="+mn-ea"/>
+        <a:cs typeface="+mn-cs"/>
+      </a:defRPr>
+    </a:lvl4pPr>
+    <a:lvl5pPr marL="1828800" algn="l" defTabSz="914400" rtl="0" eaLnBrk="1" latinLnBrk="0" hangingPunct="1">
+      <a:defRPr sz="1800" kern="1200">
+        <a:solidFill>
+          <a:schemeClr val="tx1"/>
+        </a:solidFill>
+        <a:latin typeface="+mn-lt"/>
+        <a:ea typeface="+mn-ea"/>
+        <a:cs typeface="+mn-cs"/>
+      </a:defRPr>
+    </a:lvl5pPr>
+    <a:lvl6pPr marL="2286000" algn="l" defTabSz="914400" rtl="0" eaLnBrk="1" latinLnBrk="0" hangingPunct="1">
+      <a:defRPr sz="1800" kern="1200">
+        <a:solidFill>
+          <a:schemeClr val="tx1"/>
+        </a:solidFill>
+        <a:latin typeface="+mn-lt"/>
+        <a:ea typeface="+mn-ea"/>
+        <a:cs typeface="+mn-cs"/>
+      </a:defRPr>
+    </a:lvl6pPr>
+    <a:lvl7pPr marL="2743200" algn="l" defTabSz="914400" rtl="0" eaLnBrk="1" latinLnBrk="0" hangingPunct="1">
+      <a:defRPr sz="1800" kern="1200">
+        <a:solidFill>
+          <a:schemeClr val="tx1"/>
+        </a:solidFill>
+        <a:latin typeface="+mn-lt"/>
+        <a:ea typeface="+mn-ea"/>
+        <a:cs typeface="+mn-cs"/>
+      </a:defRPr>
+    </a:lvl7pPr>
+    <a:lvl8pPr marL="3200400" algn="l" defTabSz="914400" rtl="0" eaLnBrk="1" latinLnBrk="0" hangingPunct="1">
+      <a:defRPr sz="1800" kern="1200">
+        <a:solidFill>
+          <a:schemeClr val="tx1"/>
+        </a:solidFill>
+        <a:latin typeface="+mn-lt"/>
+        <a:ea typeface="+mn-ea"/>
+        <a:cs typeface="+mn-cs"/>
+      </a:defRPr>
+    </a:lvl8pPr>
+    <a:lvl9pPr marL="3657600" algn="l" defTabSz="914400" rtl="0" eaLnBrk="1" latinLnBrk="0" hangingPunct="1">
+      <a:defRPr sz="1800" kern="1200">
+        <a:solidFill>
+          <a:schemeClr val="tx1"/>
+        </a:solidFill>
+        <a:latin typeface="+mn-lt"/>
+        <a:ea typeface="+mn-ea"/>
+        <a:cs typeface="+mn-cs"/>
+      </a:defRPr>
+    </a:lvl9pPr>
+  </p:defaultTextStyle>
+  <p:extLst>
+    <p:ext uri="{EFAFB233-063F-42B5-8137-9DF3F51BA10A}">
+      <p15:sldGuideLst xmlns:p15="http://schemas.microsoft.com/office/powerpoint/2012/main"/>
+    </p:ext>
+  </p:extLst>
 </p:presentation>
 </file>
 
+<file path=ppt/revisionInfo.xml><?xml version="1.0" encoding="utf-8"?>
+<p1510:revInfo xmlns:a="http://schemas.openxmlformats.org/drawingml/2006/main" xmlns:r="http://schemas.openxmlformats.org/officeDocument/2006/relationships" xmlns:p1510="http://schemas.microsoft.com/office/powerpoint/2015/10/main"/>
+</file>
+
 <file path=ppt/slideLayouts/slideLayout1.xml><?xml version="1.0" encoding="utf-8"?>
-<p:sldLayout xmlns:a="http://schemas.openxmlformats.org/drawingml/2006/main" xmlns:p="http://schemas.openxmlformats.org/presentationml/2006/main" xmlns:r="http://schemas.openxmlformats.org/officeDocument/2006/relationships" xmlns:p14="http://schemas.microsoft.com/office/powerpoint/2010/main" xmlns:p15="http://schemas.microsoft.com/office/powerpoint/2012/main" xmlns:mc="http://schemas.openxmlformats.org/markup-compatibility/2006" type="blank" preserve="1">
+<p:sldLayout xmlns:a="http://schemas.openxmlformats.org/drawingml/2006/main" xmlns:r="http://schemas.openxmlformats.org/officeDocument/2006/relationships" xmlns:p="http://schemas.openxmlformats.org/presentationml/2006/main" type="blank" preserve="1">
   <p:cSld name="Blank Slide">
     <p:spTree>
       <p:nvGrpSpPr>
@@ -38,11 +152,14 @@
       </p:grpSpPr>
     </p:spTree>
   </p:cSld>
+  <p:clrMapOvr>
+    <a:masterClrMapping/>
+  </p:clrMapOvr>
 </p:sldLayout>
 </file>
 
 <file path=ppt/slideLayouts/slideLayout10.xml><?xml version="1.0" encoding="utf-8"?>
-<p:sldLayout xmlns:a="http://schemas.openxmlformats.org/drawingml/2006/main" xmlns:p="http://schemas.openxmlformats.org/presentationml/2006/main" xmlns:r="http://schemas.openxmlformats.org/officeDocument/2006/relationships" xmlns:p14="http://schemas.microsoft.com/office/powerpoint/2010/main" xmlns:p15="http://schemas.microsoft.com/office/powerpoint/2012/main" xmlns:mc="http://schemas.openxmlformats.org/markup-compatibility/2006" type="objOverTx" preserve="1">
+<p:sldLayout xmlns:a="http://schemas.openxmlformats.org/drawingml/2006/main" xmlns:r="http://schemas.openxmlformats.org/officeDocument/2006/relationships" xmlns:p="http://schemas.openxmlformats.org/presentationml/2006/main" type="objOverTx" preserve="1">
   <p:cSld name="Title, Content over Content">
     <p:spTree>
       <p:nvGrpSpPr>
@@ -78,15 +195,16 @@
           </a:prstGeom>
         </p:spPr>
         <p:txBody>
-          <a:bodyPr lIns="0" rIns="0" tIns="0" bIns="0" anchor="ctr"/>
-          <a:p>
-            <a:endParaRPr b="0" lang="pt-BR" sz="1800" spc="-1" strike="noStrike">
+          <a:bodyPr lIns="0" tIns="0" rIns="0" bIns="0" anchor="ctr"/>
+          <a:lstStyle/>
+          <a:p>
+            <a:endParaRPr lang="pt-BR" sz="1800" b="0" strike="noStrike" spc="-1">
               <a:solidFill>
                 <a:srgbClr val="000000"/>
               </a:solidFill>
               <a:uFill>
                 <a:solidFill>
-                  <a:srgbClr val="ffffff"/>
+                  <a:srgbClr val="FFFFFF"/>
                 </a:solidFill>
               </a:uFill>
               <a:latin typeface="Calibri"/>
@@ -114,17 +232,18 @@
           </a:prstGeom>
         </p:spPr>
         <p:txBody>
-          <a:bodyPr lIns="0" rIns="0" tIns="0" bIns="0">
+          <a:bodyPr lIns="0" tIns="0" rIns="0" bIns="0">
             <a:normAutofit/>
           </a:bodyPr>
-          <a:p>
-            <a:endParaRPr b="0" lang="pt-BR" sz="3200" spc="-1" strike="noStrike">
+          <a:lstStyle/>
+          <a:p>
+            <a:endParaRPr lang="pt-BR" sz="3200" b="0" strike="noStrike" spc="-1">
               <a:solidFill>
                 <a:srgbClr val="000000"/>
               </a:solidFill>
               <a:uFill>
                 <a:solidFill>
-                  <a:srgbClr val="ffffff"/>
+                  <a:srgbClr val="FFFFFF"/>
                 </a:solidFill>
               </a:uFill>
               <a:latin typeface="Calibri"/>
@@ -152,17 +271,18 @@
           </a:prstGeom>
         </p:spPr>
         <p:txBody>
-          <a:bodyPr lIns="0" rIns="0" tIns="0" bIns="0">
+          <a:bodyPr lIns="0" tIns="0" rIns="0" bIns="0">
             <a:normAutofit/>
           </a:bodyPr>
-          <a:p>
-            <a:endParaRPr b="0" lang="pt-BR" sz="3200" spc="-1" strike="noStrike">
+          <a:lstStyle/>
+          <a:p>
+            <a:endParaRPr lang="pt-BR" sz="3200" b="0" strike="noStrike" spc="-1">
               <a:solidFill>
                 <a:srgbClr val="000000"/>
               </a:solidFill>
               <a:uFill>
                 <a:solidFill>
-                  <a:srgbClr val="ffffff"/>
+                  <a:srgbClr val="FFFFFF"/>
                 </a:solidFill>
               </a:uFill>
               <a:latin typeface="Calibri"/>
@@ -172,11 +292,14 @@
       </p:sp>
     </p:spTree>
   </p:cSld>
+  <p:clrMapOvr>
+    <a:masterClrMapping/>
+  </p:clrMapOvr>
 </p:sldLayout>
 </file>
 
 <file path=ppt/slideLayouts/slideLayout11.xml><?xml version="1.0" encoding="utf-8"?>
-<p:sldLayout xmlns:a="http://schemas.openxmlformats.org/drawingml/2006/main" xmlns:p="http://schemas.openxmlformats.org/presentationml/2006/main" xmlns:r="http://schemas.openxmlformats.org/officeDocument/2006/relationships" xmlns:p14="http://schemas.microsoft.com/office/powerpoint/2010/main" xmlns:p15="http://schemas.microsoft.com/office/powerpoint/2012/main" xmlns:mc="http://schemas.openxmlformats.org/markup-compatibility/2006" type="fourObj" preserve="1">
+<p:sldLayout xmlns:a="http://schemas.openxmlformats.org/drawingml/2006/main" xmlns:r="http://schemas.openxmlformats.org/officeDocument/2006/relationships" xmlns:p="http://schemas.openxmlformats.org/presentationml/2006/main" type="fourObj" preserve="1">
   <p:cSld name="Title, 4 Content">
     <p:spTree>
       <p:nvGrpSpPr>
@@ -212,15 +335,16 @@
           </a:prstGeom>
         </p:spPr>
         <p:txBody>
-          <a:bodyPr lIns="0" rIns="0" tIns="0" bIns="0" anchor="ctr"/>
-          <a:p>
-            <a:endParaRPr b="0" lang="pt-BR" sz="1800" spc="-1" strike="noStrike">
+          <a:bodyPr lIns="0" tIns="0" rIns="0" bIns="0" anchor="ctr"/>
+          <a:lstStyle/>
+          <a:p>
+            <a:endParaRPr lang="pt-BR" sz="1800" b="0" strike="noStrike" spc="-1">
               <a:solidFill>
                 <a:srgbClr val="000000"/>
               </a:solidFill>
               <a:uFill>
                 <a:solidFill>
-                  <a:srgbClr val="ffffff"/>
+                  <a:srgbClr val="FFFFFF"/>
                 </a:solidFill>
               </a:uFill>
               <a:latin typeface="Calibri"/>
@@ -248,17 +372,18 @@
           </a:prstGeom>
         </p:spPr>
         <p:txBody>
-          <a:bodyPr lIns="0" rIns="0" tIns="0" bIns="0">
+          <a:bodyPr lIns="0" tIns="0" rIns="0" bIns="0">
             <a:normAutofit/>
           </a:bodyPr>
-          <a:p>
-            <a:endParaRPr b="0" lang="pt-BR" sz="3200" spc="-1" strike="noStrike">
+          <a:lstStyle/>
+          <a:p>
+            <a:endParaRPr lang="pt-BR" sz="3200" b="0" strike="noStrike" spc="-1">
               <a:solidFill>
                 <a:srgbClr val="000000"/>
               </a:solidFill>
               <a:uFill>
                 <a:solidFill>
-                  <a:srgbClr val="ffffff"/>
+                  <a:srgbClr val="FFFFFF"/>
                 </a:solidFill>
               </a:uFill>
               <a:latin typeface="Calibri"/>
@@ -286,17 +411,18 @@
           </a:prstGeom>
         </p:spPr>
         <p:txBody>
-          <a:bodyPr lIns="0" rIns="0" tIns="0" bIns="0">
+          <a:bodyPr lIns="0" tIns="0" rIns="0" bIns="0">
             <a:normAutofit/>
           </a:bodyPr>
-          <a:p>
-            <a:endParaRPr b="0" lang="pt-BR" sz="3200" spc="-1" strike="noStrike">
+          <a:lstStyle/>
+          <a:p>
+            <a:endParaRPr lang="pt-BR" sz="3200" b="0" strike="noStrike" spc="-1">
               <a:solidFill>
                 <a:srgbClr val="000000"/>
               </a:solidFill>
               <a:uFill>
                 <a:solidFill>
-                  <a:srgbClr val="ffffff"/>
+                  <a:srgbClr val="FFFFFF"/>
                 </a:solidFill>
               </a:uFill>
               <a:latin typeface="Calibri"/>
@@ -324,17 +450,18 @@
           </a:prstGeom>
         </p:spPr>
         <p:txBody>
-          <a:bodyPr lIns="0" rIns="0" tIns="0" bIns="0">
+          <a:bodyPr lIns="0" tIns="0" rIns="0" bIns="0">
             <a:normAutofit/>
           </a:bodyPr>
-          <a:p>
-            <a:endParaRPr b="0" lang="pt-BR" sz="3200" spc="-1" strike="noStrike">
+          <a:lstStyle/>
+          <a:p>
+            <a:endParaRPr lang="pt-BR" sz="3200" b="0" strike="noStrike" spc="-1">
               <a:solidFill>
                 <a:srgbClr val="000000"/>
               </a:solidFill>
               <a:uFill>
                 <a:solidFill>
-                  <a:srgbClr val="ffffff"/>
+                  <a:srgbClr val="FFFFFF"/>
                 </a:solidFill>
               </a:uFill>
               <a:latin typeface="Calibri"/>
@@ -362,17 +489,18 @@
           </a:prstGeom>
         </p:spPr>
         <p:txBody>
-          <a:bodyPr lIns="0" rIns="0" tIns="0" bIns="0">
+          <a:bodyPr lIns="0" tIns="0" rIns="0" bIns="0">
             <a:normAutofit/>
           </a:bodyPr>
-          <a:p>
-            <a:endParaRPr b="0" lang="pt-BR" sz="3200" spc="-1" strike="noStrike">
+          <a:lstStyle/>
+          <a:p>
+            <a:endParaRPr lang="pt-BR" sz="3200" b="0" strike="noStrike" spc="-1">
               <a:solidFill>
                 <a:srgbClr val="000000"/>
               </a:solidFill>
               <a:uFill>
                 <a:solidFill>
-                  <a:srgbClr val="ffffff"/>
+                  <a:srgbClr val="FFFFFF"/>
                 </a:solidFill>
               </a:uFill>
               <a:latin typeface="Calibri"/>
@@ -382,11 +510,14 @@
       </p:sp>
     </p:spTree>
   </p:cSld>
+  <p:clrMapOvr>
+    <a:masterClrMapping/>
+  </p:clrMapOvr>
 </p:sldLayout>
 </file>
 
 <file path=ppt/slideLayouts/slideLayout12.xml><?xml version="1.0" encoding="utf-8"?>
-<p:sldLayout xmlns:a="http://schemas.openxmlformats.org/drawingml/2006/main" xmlns:p="http://schemas.openxmlformats.org/presentationml/2006/main" xmlns:r="http://schemas.openxmlformats.org/officeDocument/2006/relationships" xmlns:p14="http://schemas.microsoft.com/office/powerpoint/2010/main" xmlns:p15="http://schemas.microsoft.com/office/powerpoint/2012/main" xmlns:mc="http://schemas.openxmlformats.org/markup-compatibility/2006" type="blank" preserve="1">
+<p:sldLayout xmlns:a="http://schemas.openxmlformats.org/drawingml/2006/main" xmlns:r="http://schemas.openxmlformats.org/officeDocument/2006/relationships" xmlns:p="http://schemas.openxmlformats.org/presentationml/2006/main" type="blank" preserve="1">
   <p:cSld name="Title, 6 Content">
     <p:spTree>
       <p:nvGrpSpPr>
@@ -422,15 +553,16 @@
           </a:prstGeom>
         </p:spPr>
         <p:txBody>
-          <a:bodyPr lIns="0" rIns="0" tIns="0" bIns="0" anchor="ctr"/>
-          <a:p>
-            <a:endParaRPr b="0" lang="pt-BR" sz="1800" spc="-1" strike="noStrike">
+          <a:bodyPr lIns="0" tIns="0" rIns="0" bIns="0" anchor="ctr"/>
+          <a:lstStyle/>
+          <a:p>
+            <a:endParaRPr lang="pt-BR" sz="1800" b="0" strike="noStrike" spc="-1">
               <a:solidFill>
                 <a:srgbClr val="000000"/>
               </a:solidFill>
               <a:uFill>
                 <a:solidFill>
-                  <a:srgbClr val="ffffff"/>
+                  <a:srgbClr val="FFFFFF"/>
                 </a:solidFill>
               </a:uFill>
               <a:latin typeface="Calibri"/>
@@ -458,17 +590,18 @@
           </a:prstGeom>
         </p:spPr>
         <p:txBody>
-          <a:bodyPr lIns="0" rIns="0" tIns="0" bIns="0">
+          <a:bodyPr lIns="0" tIns="0" rIns="0" bIns="0">
             <a:normAutofit/>
           </a:bodyPr>
-          <a:p>
-            <a:endParaRPr b="0" lang="pt-BR" sz="3200" spc="-1" strike="noStrike">
+          <a:lstStyle/>
+          <a:p>
+            <a:endParaRPr lang="pt-BR" sz="3200" b="0" strike="noStrike" spc="-1">
               <a:solidFill>
                 <a:srgbClr val="000000"/>
               </a:solidFill>
               <a:uFill>
                 <a:solidFill>
-                  <a:srgbClr val="ffffff"/>
+                  <a:srgbClr val="FFFFFF"/>
                 </a:solidFill>
               </a:uFill>
               <a:latin typeface="Calibri"/>
@@ -496,17 +629,18 @@
           </a:prstGeom>
         </p:spPr>
         <p:txBody>
-          <a:bodyPr lIns="0" rIns="0" tIns="0" bIns="0">
+          <a:bodyPr lIns="0" tIns="0" rIns="0" bIns="0">
             <a:normAutofit/>
           </a:bodyPr>
-          <a:p>
-            <a:endParaRPr b="0" lang="pt-BR" sz="3200" spc="-1" strike="noStrike">
+          <a:lstStyle/>
+          <a:p>
+            <a:endParaRPr lang="pt-BR" sz="3200" b="0" strike="noStrike" spc="-1">
               <a:solidFill>
                 <a:srgbClr val="000000"/>
               </a:solidFill>
               <a:uFill>
                 <a:solidFill>
-                  <a:srgbClr val="ffffff"/>
+                  <a:srgbClr val="FFFFFF"/>
                 </a:solidFill>
               </a:uFill>
               <a:latin typeface="Calibri"/>
@@ -534,17 +668,18 @@
           </a:prstGeom>
         </p:spPr>
         <p:txBody>
-          <a:bodyPr lIns="0" rIns="0" tIns="0" bIns="0">
+          <a:bodyPr lIns="0" tIns="0" rIns="0" bIns="0">
             <a:normAutofit/>
           </a:bodyPr>
-          <a:p>
-            <a:endParaRPr b="0" lang="pt-BR" sz="3200" spc="-1" strike="noStrike">
+          <a:lstStyle/>
+          <a:p>
+            <a:endParaRPr lang="pt-BR" sz="3200" b="0" strike="noStrike" spc="-1">
               <a:solidFill>
                 <a:srgbClr val="000000"/>
               </a:solidFill>
               <a:uFill>
                 <a:solidFill>
-                  <a:srgbClr val="ffffff"/>
+                  <a:srgbClr val="FFFFFF"/>
                 </a:solidFill>
               </a:uFill>
               <a:latin typeface="Calibri"/>
@@ -572,17 +707,18 @@
           </a:prstGeom>
         </p:spPr>
         <p:txBody>
-          <a:bodyPr lIns="0" rIns="0" tIns="0" bIns="0">
+          <a:bodyPr lIns="0" tIns="0" rIns="0" bIns="0">
             <a:normAutofit/>
           </a:bodyPr>
-          <a:p>
-            <a:endParaRPr b="0" lang="pt-BR" sz="3200" spc="-1" strike="noStrike">
+          <a:lstStyle/>
+          <a:p>
+            <a:endParaRPr lang="pt-BR" sz="3200" b="0" strike="noStrike" spc="-1">
               <a:solidFill>
                 <a:srgbClr val="000000"/>
               </a:solidFill>
               <a:uFill>
                 <a:solidFill>
-                  <a:srgbClr val="ffffff"/>
+                  <a:srgbClr val="FFFFFF"/>
                 </a:solidFill>
               </a:uFill>
               <a:latin typeface="Calibri"/>
@@ -610,17 +746,18 @@
           </a:prstGeom>
         </p:spPr>
         <p:txBody>
-          <a:bodyPr lIns="0" rIns="0" tIns="0" bIns="0">
+          <a:bodyPr lIns="0" tIns="0" rIns="0" bIns="0">
             <a:normAutofit/>
           </a:bodyPr>
-          <a:p>
-            <a:endParaRPr b="0" lang="pt-BR" sz="3200" spc="-1" strike="noStrike">
+          <a:lstStyle/>
+          <a:p>
+            <a:endParaRPr lang="pt-BR" sz="3200" b="0" strike="noStrike" spc="-1">
               <a:solidFill>
                 <a:srgbClr val="000000"/>
               </a:solidFill>
               <a:uFill>
                 <a:solidFill>
-                  <a:srgbClr val="ffffff"/>
+                  <a:srgbClr val="FFFFFF"/>
                 </a:solidFill>
               </a:uFill>
               <a:latin typeface="Calibri"/>
@@ -648,17 +785,18 @@
           </a:prstGeom>
         </p:spPr>
         <p:txBody>
-          <a:bodyPr lIns="0" rIns="0" tIns="0" bIns="0">
+          <a:bodyPr lIns="0" tIns="0" rIns="0" bIns="0">
             <a:normAutofit/>
           </a:bodyPr>
-          <a:p>
-            <a:endParaRPr b="0" lang="pt-BR" sz="3200" spc="-1" strike="noStrike">
+          <a:lstStyle/>
+          <a:p>
+            <a:endParaRPr lang="pt-BR" sz="3200" b="0" strike="noStrike" spc="-1">
               <a:solidFill>
                 <a:srgbClr val="000000"/>
               </a:solidFill>
               <a:uFill>
                 <a:solidFill>
-                  <a:srgbClr val="ffffff"/>
+                  <a:srgbClr val="FFFFFF"/>
                 </a:solidFill>
               </a:uFill>
               <a:latin typeface="Calibri"/>
@@ -668,11 +806,14 @@
       </p:sp>
     </p:spTree>
   </p:cSld>
+  <p:clrMapOvr>
+    <a:masterClrMapping/>
+  </p:clrMapOvr>
 </p:sldLayout>
 </file>
 
 <file path=ppt/slideLayouts/slideLayout2.xml><?xml version="1.0" encoding="utf-8"?>
-<p:sldLayout xmlns:a="http://schemas.openxmlformats.org/drawingml/2006/main" xmlns:p="http://schemas.openxmlformats.org/presentationml/2006/main" xmlns:r="http://schemas.openxmlformats.org/officeDocument/2006/relationships" xmlns:p14="http://schemas.microsoft.com/office/powerpoint/2010/main" xmlns:p15="http://schemas.microsoft.com/office/powerpoint/2012/main" xmlns:mc="http://schemas.openxmlformats.org/markup-compatibility/2006" type="tx" preserve="1">
+<p:sldLayout xmlns:a="http://schemas.openxmlformats.org/drawingml/2006/main" xmlns:r="http://schemas.openxmlformats.org/officeDocument/2006/relationships" xmlns:p="http://schemas.openxmlformats.org/presentationml/2006/main" type="tx" preserve="1">
   <p:cSld name="Title Slide">
     <p:spTree>
       <p:nvGrpSpPr>
@@ -708,15 +849,16 @@
           </a:prstGeom>
         </p:spPr>
         <p:txBody>
-          <a:bodyPr lIns="0" rIns="0" tIns="0" bIns="0" anchor="ctr"/>
-          <a:p>
-            <a:endParaRPr b="0" lang="pt-BR" sz="1800" spc="-1" strike="noStrike">
+          <a:bodyPr lIns="0" tIns="0" rIns="0" bIns="0" anchor="ctr"/>
+          <a:lstStyle/>
+          <a:p>
+            <a:endParaRPr lang="pt-BR" sz="1800" b="0" strike="noStrike" spc="-1">
               <a:solidFill>
                 <a:srgbClr val="000000"/>
               </a:solidFill>
               <a:uFill>
                 <a:solidFill>
-                  <a:srgbClr val="ffffff"/>
+                  <a:srgbClr val="FFFFFF"/>
                 </a:solidFill>
               </a:uFill>
               <a:latin typeface="Calibri"/>
@@ -744,16 +886,17 @@
           </a:prstGeom>
         </p:spPr>
         <p:txBody>
-          <a:bodyPr lIns="0" rIns="0" tIns="0" bIns="0" anchor="ctr"/>
+          <a:bodyPr lIns="0" tIns="0" rIns="0" bIns="0" anchor="ctr"/>
+          <a:lstStyle/>
           <a:p>
             <a:pPr algn="ctr"/>
-            <a:endParaRPr b="0" lang="pt-BR" sz="3200" spc="-1" strike="noStrike">
+            <a:endParaRPr lang="pt-BR" sz="3200" b="0" strike="noStrike" spc="-1">
               <a:solidFill>
                 <a:srgbClr val="000000"/>
               </a:solidFill>
               <a:uFill>
                 <a:solidFill>
-                  <a:srgbClr val="ffffff"/>
+                  <a:srgbClr val="FFFFFF"/>
                 </a:solidFill>
               </a:uFill>
               <a:latin typeface="Arial"/>
@@ -763,11 +906,14 @@
       </p:sp>
     </p:spTree>
   </p:cSld>
+  <p:clrMapOvr>
+    <a:masterClrMapping/>
+  </p:clrMapOvr>
 </p:sldLayout>
 </file>
 
 <file path=ppt/slideLayouts/slideLayout3.xml><?xml version="1.0" encoding="utf-8"?>
-<p:sldLayout xmlns:a="http://schemas.openxmlformats.org/drawingml/2006/main" xmlns:p="http://schemas.openxmlformats.org/presentationml/2006/main" xmlns:r="http://schemas.openxmlformats.org/officeDocument/2006/relationships" xmlns:p14="http://schemas.microsoft.com/office/powerpoint/2010/main" xmlns:p15="http://schemas.microsoft.com/office/powerpoint/2012/main" xmlns:mc="http://schemas.openxmlformats.org/markup-compatibility/2006" type="obj" preserve="1">
+<p:sldLayout xmlns:a="http://schemas.openxmlformats.org/drawingml/2006/main" xmlns:r="http://schemas.openxmlformats.org/officeDocument/2006/relationships" xmlns:p="http://schemas.openxmlformats.org/presentationml/2006/main" type="obj" preserve="1">
   <p:cSld name="Title, Content">
     <p:spTree>
       <p:nvGrpSpPr>
@@ -803,15 +949,16 @@
           </a:prstGeom>
         </p:spPr>
         <p:txBody>
-          <a:bodyPr lIns="0" rIns="0" tIns="0" bIns="0" anchor="ctr"/>
-          <a:p>
-            <a:endParaRPr b="0" lang="pt-BR" sz="1800" spc="-1" strike="noStrike">
+          <a:bodyPr lIns="0" tIns="0" rIns="0" bIns="0" anchor="ctr"/>
+          <a:lstStyle/>
+          <a:p>
+            <a:endParaRPr lang="pt-BR" sz="1800" b="0" strike="noStrike" spc="-1">
               <a:solidFill>
                 <a:srgbClr val="000000"/>
               </a:solidFill>
               <a:uFill>
                 <a:solidFill>
-                  <a:srgbClr val="ffffff"/>
+                  <a:srgbClr val="FFFFFF"/>
                 </a:solidFill>
               </a:uFill>
               <a:latin typeface="Calibri"/>
@@ -839,17 +986,18 @@
           </a:prstGeom>
         </p:spPr>
         <p:txBody>
-          <a:bodyPr lIns="0" rIns="0" tIns="0" bIns="0">
+          <a:bodyPr lIns="0" tIns="0" rIns="0" bIns="0">
             <a:normAutofit/>
           </a:bodyPr>
-          <a:p>
-            <a:endParaRPr b="0" lang="pt-BR" sz="3200" spc="-1" strike="noStrike">
+          <a:lstStyle/>
+          <a:p>
+            <a:endParaRPr lang="pt-BR" sz="3200" b="0" strike="noStrike" spc="-1">
               <a:solidFill>
                 <a:srgbClr val="000000"/>
               </a:solidFill>
               <a:uFill>
                 <a:solidFill>
-                  <a:srgbClr val="ffffff"/>
+                  <a:srgbClr val="FFFFFF"/>
                 </a:solidFill>
               </a:uFill>
               <a:latin typeface="Calibri"/>
@@ -859,11 +1007,14 @@
       </p:sp>
     </p:spTree>
   </p:cSld>
+  <p:clrMapOvr>
+    <a:masterClrMapping/>
+  </p:clrMapOvr>
 </p:sldLayout>
 </file>
 
 <file path=ppt/slideLayouts/slideLayout4.xml><?xml version="1.0" encoding="utf-8"?>
-<p:sldLayout xmlns:a="http://schemas.openxmlformats.org/drawingml/2006/main" xmlns:p="http://schemas.openxmlformats.org/presentationml/2006/main" xmlns:r="http://schemas.openxmlformats.org/officeDocument/2006/relationships" xmlns:p14="http://schemas.microsoft.com/office/powerpoint/2010/main" xmlns:p15="http://schemas.microsoft.com/office/powerpoint/2012/main" xmlns:mc="http://schemas.openxmlformats.org/markup-compatibility/2006" type="twoObj" preserve="1">
+<p:sldLayout xmlns:a="http://schemas.openxmlformats.org/drawingml/2006/main" xmlns:r="http://schemas.openxmlformats.org/officeDocument/2006/relationships" xmlns:p="http://schemas.openxmlformats.org/presentationml/2006/main" type="twoObj" preserve="1">
   <p:cSld name="Title, 2 Content">
     <p:spTree>
       <p:nvGrpSpPr>
@@ -899,15 +1050,16 @@
           </a:prstGeom>
         </p:spPr>
         <p:txBody>
-          <a:bodyPr lIns="0" rIns="0" tIns="0" bIns="0" anchor="ctr"/>
-          <a:p>
-            <a:endParaRPr b="0" lang="pt-BR" sz="1800" spc="-1" strike="noStrike">
+          <a:bodyPr lIns="0" tIns="0" rIns="0" bIns="0" anchor="ctr"/>
+          <a:lstStyle/>
+          <a:p>
+            <a:endParaRPr lang="pt-BR" sz="1800" b="0" strike="noStrike" spc="-1">
               <a:solidFill>
                 <a:srgbClr val="000000"/>
               </a:solidFill>
               <a:uFill>
                 <a:solidFill>
-                  <a:srgbClr val="ffffff"/>
+                  <a:srgbClr val="FFFFFF"/>
                 </a:solidFill>
               </a:uFill>
               <a:latin typeface="Calibri"/>
@@ -935,17 +1087,18 @@
           </a:prstGeom>
         </p:spPr>
         <p:txBody>
-          <a:bodyPr lIns="0" rIns="0" tIns="0" bIns="0">
+          <a:bodyPr lIns="0" tIns="0" rIns="0" bIns="0">
             <a:normAutofit/>
           </a:bodyPr>
-          <a:p>
-            <a:endParaRPr b="0" lang="pt-BR" sz="3200" spc="-1" strike="noStrike">
+          <a:lstStyle/>
+          <a:p>
+            <a:endParaRPr lang="pt-BR" sz="3200" b="0" strike="noStrike" spc="-1">
               <a:solidFill>
                 <a:srgbClr val="000000"/>
               </a:solidFill>
               <a:uFill>
                 <a:solidFill>
-                  <a:srgbClr val="ffffff"/>
+                  <a:srgbClr val="FFFFFF"/>
                 </a:solidFill>
               </a:uFill>
               <a:latin typeface="Calibri"/>
@@ -973,17 +1126,18 @@
           </a:prstGeom>
         </p:spPr>
         <p:txBody>
-          <a:bodyPr lIns="0" rIns="0" tIns="0" bIns="0">
+          <a:bodyPr lIns="0" tIns="0" rIns="0" bIns="0">
             <a:normAutofit/>
           </a:bodyPr>
-          <a:p>
-            <a:endParaRPr b="0" lang="pt-BR" sz="3200" spc="-1" strike="noStrike">
+          <a:lstStyle/>
+          <a:p>
+            <a:endParaRPr lang="pt-BR" sz="3200" b="0" strike="noStrike" spc="-1">
               <a:solidFill>
                 <a:srgbClr val="000000"/>
               </a:solidFill>
               <a:uFill>
                 <a:solidFill>
-                  <a:srgbClr val="ffffff"/>
+                  <a:srgbClr val="FFFFFF"/>
                 </a:solidFill>
               </a:uFill>
               <a:latin typeface="Calibri"/>
@@ -993,11 +1147,14 @@
       </p:sp>
     </p:spTree>
   </p:cSld>
+  <p:clrMapOvr>
+    <a:masterClrMapping/>
+  </p:clrMapOvr>
 </p:sldLayout>
 </file>
 
 <file path=ppt/slideLayouts/slideLayout5.xml><?xml version="1.0" encoding="utf-8"?>
-<p:sldLayout xmlns:a="http://schemas.openxmlformats.org/drawingml/2006/main" xmlns:p="http://schemas.openxmlformats.org/presentationml/2006/main" xmlns:r="http://schemas.openxmlformats.org/officeDocument/2006/relationships" xmlns:p14="http://schemas.microsoft.com/office/powerpoint/2010/main" xmlns:p15="http://schemas.microsoft.com/office/powerpoint/2012/main" xmlns:mc="http://schemas.openxmlformats.org/markup-compatibility/2006" type="titleOnly" preserve="1">
+<p:sldLayout xmlns:a="http://schemas.openxmlformats.org/drawingml/2006/main" xmlns:r="http://schemas.openxmlformats.org/officeDocument/2006/relationships" xmlns:p="http://schemas.openxmlformats.org/presentationml/2006/main" type="titleOnly" preserve="1">
   <p:cSld name="Title Only">
     <p:spTree>
       <p:nvGrpSpPr>
@@ -1033,15 +1190,16 @@
           </a:prstGeom>
         </p:spPr>
         <p:txBody>
-          <a:bodyPr lIns="0" rIns="0" tIns="0" bIns="0" anchor="ctr"/>
-          <a:p>
-            <a:endParaRPr b="0" lang="pt-BR" sz="1800" spc="-1" strike="noStrike">
+          <a:bodyPr lIns="0" tIns="0" rIns="0" bIns="0" anchor="ctr"/>
+          <a:lstStyle/>
+          <a:p>
+            <a:endParaRPr lang="pt-BR" sz="1800" b="0" strike="noStrike" spc="-1">
               <a:solidFill>
                 <a:srgbClr val="000000"/>
               </a:solidFill>
               <a:uFill>
                 <a:solidFill>
-                  <a:srgbClr val="ffffff"/>
+                  <a:srgbClr val="FFFFFF"/>
                 </a:solidFill>
               </a:uFill>
               <a:latin typeface="Calibri"/>
@@ -1051,11 +1209,14 @@
       </p:sp>
     </p:spTree>
   </p:cSld>
+  <p:clrMapOvr>
+    <a:masterClrMapping/>
+  </p:clrMapOvr>
 </p:sldLayout>
 </file>
 
 <file path=ppt/slideLayouts/slideLayout6.xml><?xml version="1.0" encoding="utf-8"?>
-<p:sldLayout xmlns:a="http://schemas.openxmlformats.org/drawingml/2006/main" xmlns:p="http://schemas.openxmlformats.org/presentationml/2006/main" xmlns:r="http://schemas.openxmlformats.org/officeDocument/2006/relationships" xmlns:p14="http://schemas.microsoft.com/office/powerpoint/2010/main" xmlns:p15="http://schemas.microsoft.com/office/powerpoint/2012/main" xmlns:mc="http://schemas.openxmlformats.org/markup-compatibility/2006" type="objOnly" preserve="1">
+<p:sldLayout xmlns:a="http://schemas.openxmlformats.org/drawingml/2006/main" xmlns:r="http://schemas.openxmlformats.org/officeDocument/2006/relationships" xmlns:p="http://schemas.openxmlformats.org/presentationml/2006/main" type="objOnly" preserve="1">
   <p:cSld name="Centered Text">
     <p:spTree>
       <p:nvGrpSpPr>
@@ -1091,16 +1252,17 @@
           </a:prstGeom>
         </p:spPr>
         <p:txBody>
-          <a:bodyPr lIns="0" rIns="0" tIns="0" bIns="0" anchor="ctr"/>
+          <a:bodyPr lIns="0" tIns="0" rIns="0" bIns="0" anchor="ctr"/>
+          <a:lstStyle/>
           <a:p>
             <a:pPr algn="ctr"/>
-            <a:endParaRPr b="0" lang="pt-BR" sz="3200" spc="-1" strike="noStrike">
+            <a:endParaRPr lang="pt-BR" sz="3200" b="0" strike="noStrike" spc="-1">
               <a:solidFill>
                 <a:srgbClr val="000000"/>
               </a:solidFill>
               <a:uFill>
                 <a:solidFill>
-                  <a:srgbClr val="ffffff"/>
+                  <a:srgbClr val="FFFFFF"/>
                 </a:solidFill>
               </a:uFill>
               <a:latin typeface="Arial"/>
@@ -1110,11 +1272,14 @@
       </p:sp>
     </p:spTree>
   </p:cSld>
+  <p:clrMapOvr>
+    <a:masterClrMapping/>
+  </p:clrMapOvr>
 </p:sldLayout>
 </file>
 
 <file path=ppt/slideLayouts/slideLayout7.xml><?xml version="1.0" encoding="utf-8"?>
-<p:sldLayout xmlns:a="http://schemas.openxmlformats.org/drawingml/2006/main" xmlns:p="http://schemas.openxmlformats.org/presentationml/2006/main" xmlns:r="http://schemas.openxmlformats.org/officeDocument/2006/relationships" xmlns:p14="http://schemas.microsoft.com/office/powerpoint/2010/main" xmlns:p15="http://schemas.microsoft.com/office/powerpoint/2012/main" xmlns:mc="http://schemas.openxmlformats.org/markup-compatibility/2006" type="twoObjAndObj" preserve="1">
+<p:sldLayout xmlns:a="http://schemas.openxmlformats.org/drawingml/2006/main" xmlns:r="http://schemas.openxmlformats.org/officeDocument/2006/relationships" xmlns:p="http://schemas.openxmlformats.org/presentationml/2006/main" type="twoObjAndObj" preserve="1">
   <p:cSld name="Title, 2 Content and Content">
     <p:spTree>
       <p:nvGrpSpPr>
@@ -1150,15 +1315,16 @@
           </a:prstGeom>
         </p:spPr>
         <p:txBody>
-          <a:bodyPr lIns="0" rIns="0" tIns="0" bIns="0" anchor="ctr"/>
-          <a:p>
-            <a:endParaRPr b="0" lang="pt-BR" sz="1800" spc="-1" strike="noStrike">
+          <a:bodyPr lIns="0" tIns="0" rIns="0" bIns="0" anchor="ctr"/>
+          <a:lstStyle/>
+          <a:p>
+            <a:endParaRPr lang="pt-BR" sz="1800" b="0" strike="noStrike" spc="-1">
               <a:solidFill>
                 <a:srgbClr val="000000"/>
               </a:solidFill>
               <a:uFill>
                 <a:solidFill>
-                  <a:srgbClr val="ffffff"/>
+                  <a:srgbClr val="FFFFFF"/>
                 </a:solidFill>
               </a:uFill>
               <a:latin typeface="Calibri"/>
@@ -1186,17 +1352,18 @@
           </a:prstGeom>
         </p:spPr>
         <p:txBody>
-          <a:bodyPr lIns="0" rIns="0" tIns="0" bIns="0">
+          <a:bodyPr lIns="0" tIns="0" rIns="0" bIns="0">
             <a:normAutofit/>
           </a:bodyPr>
-          <a:p>
-            <a:endParaRPr b="0" lang="pt-BR" sz="3200" spc="-1" strike="noStrike">
+          <a:lstStyle/>
+          <a:p>
+            <a:endParaRPr lang="pt-BR" sz="3200" b="0" strike="noStrike" spc="-1">
               <a:solidFill>
                 <a:srgbClr val="000000"/>
               </a:solidFill>
               <a:uFill>
                 <a:solidFill>
-                  <a:srgbClr val="ffffff"/>
+                  <a:srgbClr val="FFFFFF"/>
                 </a:solidFill>
               </a:uFill>
               <a:latin typeface="Calibri"/>
@@ -1224,17 +1391,18 @@
           </a:prstGeom>
         </p:spPr>
         <p:txBody>
-          <a:bodyPr lIns="0" rIns="0" tIns="0" bIns="0">
+          <a:bodyPr lIns="0" tIns="0" rIns="0" bIns="0">
             <a:normAutofit/>
           </a:bodyPr>
-          <a:p>
-            <a:endParaRPr b="0" lang="pt-BR" sz="3200" spc="-1" strike="noStrike">
+          <a:lstStyle/>
+          <a:p>
+            <a:endParaRPr lang="pt-BR" sz="3200" b="0" strike="noStrike" spc="-1">
               <a:solidFill>
                 <a:srgbClr val="000000"/>
               </a:solidFill>
               <a:uFill>
                 <a:solidFill>
-                  <a:srgbClr val="ffffff"/>
+                  <a:srgbClr val="FFFFFF"/>
                 </a:solidFill>
               </a:uFill>
               <a:latin typeface="Calibri"/>
@@ -1262,17 +1430,18 @@
           </a:prstGeom>
         </p:spPr>
         <p:txBody>
-          <a:bodyPr lIns="0" rIns="0" tIns="0" bIns="0">
+          <a:bodyPr lIns="0" tIns="0" rIns="0" bIns="0">
             <a:normAutofit/>
           </a:bodyPr>
-          <a:p>
-            <a:endParaRPr b="0" lang="pt-BR" sz="3200" spc="-1" strike="noStrike">
+          <a:lstStyle/>
+          <a:p>
+            <a:endParaRPr lang="pt-BR" sz="3200" b="0" strike="noStrike" spc="-1">
               <a:solidFill>
                 <a:srgbClr val="000000"/>
               </a:solidFill>
               <a:uFill>
                 <a:solidFill>
-                  <a:srgbClr val="ffffff"/>
+                  <a:srgbClr val="FFFFFF"/>
                 </a:solidFill>
               </a:uFill>
               <a:latin typeface="Calibri"/>
@@ -1282,11 +1451,14 @@
       </p:sp>
     </p:spTree>
   </p:cSld>
+  <p:clrMapOvr>
+    <a:masterClrMapping/>
+  </p:clrMapOvr>
 </p:sldLayout>
 </file>
 
 <file path=ppt/slideLayouts/slideLayout8.xml><?xml version="1.0" encoding="utf-8"?>
-<p:sldLayout xmlns:a="http://schemas.openxmlformats.org/drawingml/2006/main" xmlns:p="http://schemas.openxmlformats.org/presentationml/2006/main" xmlns:r="http://schemas.openxmlformats.org/officeDocument/2006/relationships" xmlns:p14="http://schemas.microsoft.com/office/powerpoint/2010/main" xmlns:p15="http://schemas.microsoft.com/office/powerpoint/2012/main" xmlns:mc="http://schemas.openxmlformats.org/markup-compatibility/2006" type="objAndTwoObj" preserve="1">
+<p:sldLayout xmlns:a="http://schemas.openxmlformats.org/drawingml/2006/main" xmlns:r="http://schemas.openxmlformats.org/officeDocument/2006/relationships" xmlns:p="http://schemas.openxmlformats.org/presentationml/2006/main" type="objAndTwoObj" preserve="1">
   <p:cSld name="Title Content and 2 Content">
     <p:spTree>
       <p:nvGrpSpPr>
@@ -1322,15 +1494,16 @@
           </a:prstGeom>
         </p:spPr>
         <p:txBody>
-          <a:bodyPr lIns="0" rIns="0" tIns="0" bIns="0" anchor="ctr"/>
-          <a:p>
-            <a:endParaRPr b="0" lang="pt-BR" sz="1800" spc="-1" strike="noStrike">
+          <a:bodyPr lIns="0" tIns="0" rIns="0" bIns="0" anchor="ctr"/>
+          <a:lstStyle/>
+          <a:p>
+            <a:endParaRPr lang="pt-BR" sz="1800" b="0" strike="noStrike" spc="-1">
               <a:solidFill>
                 <a:srgbClr val="000000"/>
               </a:solidFill>
               <a:uFill>
                 <a:solidFill>
-                  <a:srgbClr val="ffffff"/>
+                  <a:srgbClr val="FFFFFF"/>
                 </a:solidFill>
               </a:uFill>
               <a:latin typeface="Calibri"/>
@@ -1358,17 +1531,18 @@
           </a:prstGeom>
         </p:spPr>
         <p:txBody>
-          <a:bodyPr lIns="0" rIns="0" tIns="0" bIns="0">
+          <a:bodyPr lIns="0" tIns="0" rIns="0" bIns="0">
             <a:normAutofit/>
           </a:bodyPr>
-          <a:p>
-            <a:endParaRPr b="0" lang="pt-BR" sz="3200" spc="-1" strike="noStrike">
+          <a:lstStyle/>
+          <a:p>
+            <a:endParaRPr lang="pt-BR" sz="3200" b="0" strike="noStrike" spc="-1">
               <a:solidFill>
                 <a:srgbClr val="000000"/>
               </a:solidFill>
               <a:uFill>
                 <a:solidFill>
-                  <a:srgbClr val="ffffff"/>
+                  <a:srgbClr val="FFFFFF"/>
                 </a:solidFill>
               </a:uFill>
               <a:latin typeface="Calibri"/>
@@ -1396,17 +1570,18 @@
           </a:prstGeom>
         </p:spPr>
         <p:txBody>
-          <a:bodyPr lIns="0" rIns="0" tIns="0" bIns="0">
+          <a:bodyPr lIns="0" tIns="0" rIns="0" bIns="0">
             <a:normAutofit/>
           </a:bodyPr>
-          <a:p>
-            <a:endParaRPr b="0" lang="pt-BR" sz="3200" spc="-1" strike="noStrike">
+          <a:lstStyle/>
+          <a:p>
+            <a:endParaRPr lang="pt-BR" sz="3200" b="0" strike="noStrike" spc="-1">
               <a:solidFill>
                 <a:srgbClr val="000000"/>
               </a:solidFill>
               <a:uFill>
                 <a:solidFill>
-                  <a:srgbClr val="ffffff"/>
+                  <a:srgbClr val="FFFFFF"/>
                 </a:solidFill>
               </a:uFill>
               <a:latin typeface="Calibri"/>
@@ -1434,17 +1609,18 @@
           </a:prstGeom>
         </p:spPr>
         <p:txBody>
-          <a:bodyPr lIns="0" rIns="0" tIns="0" bIns="0">
+          <a:bodyPr lIns="0" tIns="0" rIns="0" bIns="0">
             <a:normAutofit/>
           </a:bodyPr>
-          <a:p>
-            <a:endParaRPr b="0" lang="pt-BR" sz="3200" spc="-1" strike="noStrike">
+          <a:lstStyle/>
+          <a:p>
+            <a:endParaRPr lang="pt-BR" sz="3200" b="0" strike="noStrike" spc="-1">
               <a:solidFill>
                 <a:srgbClr val="000000"/>
               </a:solidFill>
               <a:uFill>
                 <a:solidFill>
-                  <a:srgbClr val="ffffff"/>
+                  <a:srgbClr val="FFFFFF"/>
                 </a:solidFill>
               </a:uFill>
               <a:latin typeface="Calibri"/>
@@ -1454,11 +1630,14 @@
       </p:sp>
     </p:spTree>
   </p:cSld>
+  <p:clrMapOvr>
+    <a:masterClrMapping/>
+  </p:clrMapOvr>
 </p:sldLayout>
 </file>
 
 <file path=ppt/slideLayouts/slideLayout9.xml><?xml version="1.0" encoding="utf-8"?>
-<p:sldLayout xmlns:a="http://schemas.openxmlformats.org/drawingml/2006/main" xmlns:p="http://schemas.openxmlformats.org/presentationml/2006/main" xmlns:r="http://schemas.openxmlformats.org/officeDocument/2006/relationships" xmlns:p14="http://schemas.microsoft.com/office/powerpoint/2010/main" xmlns:p15="http://schemas.microsoft.com/office/powerpoint/2012/main" xmlns:mc="http://schemas.openxmlformats.org/markup-compatibility/2006" type="twoObjOverTx" preserve="1">
+<p:sldLayout xmlns:a="http://schemas.openxmlformats.org/drawingml/2006/main" xmlns:r="http://schemas.openxmlformats.org/officeDocument/2006/relationships" xmlns:p="http://schemas.openxmlformats.org/presentationml/2006/main" type="twoObjOverTx" preserve="1">
   <p:cSld name="Title, 2 Content over Content">
     <p:spTree>
       <p:nvGrpSpPr>
@@ -1494,15 +1673,16 @@
           </a:prstGeom>
         </p:spPr>
         <p:txBody>
-          <a:bodyPr lIns="0" rIns="0" tIns="0" bIns="0" anchor="ctr"/>
-          <a:p>
-            <a:endParaRPr b="0" lang="pt-BR" sz="1800" spc="-1" strike="noStrike">
+          <a:bodyPr lIns="0" tIns="0" rIns="0" bIns="0" anchor="ctr"/>
+          <a:lstStyle/>
+          <a:p>
+            <a:endParaRPr lang="pt-BR" sz="1800" b="0" strike="noStrike" spc="-1">
               <a:solidFill>
                 <a:srgbClr val="000000"/>
               </a:solidFill>
               <a:uFill>
                 <a:solidFill>
-                  <a:srgbClr val="ffffff"/>
+                  <a:srgbClr val="FFFFFF"/>
                 </a:solidFill>
               </a:uFill>
               <a:latin typeface="Calibri"/>
@@ -1530,17 +1710,18 @@
           </a:prstGeom>
         </p:spPr>
         <p:txBody>
-          <a:bodyPr lIns="0" rIns="0" tIns="0" bIns="0">
+          <a:bodyPr lIns="0" tIns="0" rIns="0" bIns="0">
             <a:normAutofit/>
           </a:bodyPr>
-          <a:p>
-            <a:endParaRPr b="0" lang="pt-BR" sz="3200" spc="-1" strike="noStrike">
+          <a:lstStyle/>
+          <a:p>
+            <a:endParaRPr lang="pt-BR" sz="3200" b="0" strike="noStrike" spc="-1">
               <a:solidFill>
                 <a:srgbClr val="000000"/>
               </a:solidFill>
               <a:uFill>
                 <a:solidFill>
-                  <a:srgbClr val="ffffff"/>
+                  <a:srgbClr val="FFFFFF"/>
                 </a:solidFill>
               </a:uFill>
               <a:latin typeface="Calibri"/>
@@ -1568,17 +1749,18 @@
           </a:prstGeom>
         </p:spPr>
         <p:txBody>
-          <a:bodyPr lIns="0" rIns="0" tIns="0" bIns="0">
+          <a:bodyPr lIns="0" tIns="0" rIns="0" bIns="0">
             <a:normAutofit/>
           </a:bodyPr>
-          <a:p>
-            <a:endParaRPr b="0" lang="pt-BR" sz="3200" spc="-1" strike="noStrike">
+          <a:lstStyle/>
+          <a:p>
+            <a:endParaRPr lang="pt-BR" sz="3200" b="0" strike="noStrike" spc="-1">
               <a:solidFill>
                 <a:srgbClr val="000000"/>
               </a:solidFill>
               <a:uFill>
                 <a:solidFill>
-                  <a:srgbClr val="ffffff"/>
+                  <a:srgbClr val="FFFFFF"/>
                 </a:solidFill>
               </a:uFill>
               <a:latin typeface="Calibri"/>
@@ -1606,17 +1788,18 @@
           </a:prstGeom>
         </p:spPr>
         <p:txBody>
-          <a:bodyPr lIns="0" rIns="0" tIns="0" bIns="0">
+          <a:bodyPr lIns="0" tIns="0" rIns="0" bIns="0">
             <a:normAutofit/>
           </a:bodyPr>
-          <a:p>
-            <a:endParaRPr b="0" lang="pt-BR" sz="3200" spc="-1" strike="noStrike">
+          <a:lstStyle/>
+          <a:p>
+            <a:endParaRPr lang="pt-BR" sz="3200" b="0" strike="noStrike" spc="-1">
               <a:solidFill>
                 <a:srgbClr val="000000"/>
               </a:solidFill>
               <a:uFill>
                 <a:solidFill>
-                  <a:srgbClr val="ffffff"/>
+                  <a:srgbClr val="FFFFFF"/>
                 </a:solidFill>
               </a:uFill>
               <a:latin typeface="Calibri"/>
@@ -1626,17 +1809,21 @@
       </p:sp>
     </p:spTree>
   </p:cSld>
+  <p:clrMapOvr>
+    <a:masterClrMapping/>
+  </p:clrMapOvr>
 </p:sldLayout>
 </file>
 
 <file path=ppt/slideMasters/slideMaster1.xml><?xml version="1.0" encoding="utf-8"?>
-<p:sldMaster xmlns:a="http://schemas.openxmlformats.org/drawingml/2006/main" xmlns:p="http://schemas.openxmlformats.org/presentationml/2006/main" xmlns:r="http://schemas.openxmlformats.org/officeDocument/2006/relationships" xmlns:p14="http://schemas.microsoft.com/office/powerpoint/2010/main" xmlns:p15="http://schemas.microsoft.com/office/powerpoint/2012/main" xmlns:mc="http://schemas.openxmlformats.org/markup-compatibility/2006">
+<p:sldMaster xmlns:a="http://schemas.openxmlformats.org/drawingml/2006/main" xmlns:r="http://schemas.openxmlformats.org/officeDocument/2006/relationships" xmlns:p="http://schemas.openxmlformats.org/presentationml/2006/main">
   <p:cSld>
     <p:bg>
       <p:bgPr>
         <a:solidFill>
-          <a:srgbClr val="ffffff"/>
+          <a:srgbClr val="FFFFFF"/>
         </a:solidFill>
+        <a:effectLst/>
       </p:bgPr>
     </p:bg>
     <p:spTree>
@@ -1655,7 +1842,7 @@
       </p:grpSpPr>
       <p:sp>
         <p:nvSpPr>
-          <p:cNvPr id="0" name="PlaceHolder 1"/>
+          <p:cNvPr id="5" name="PlaceHolder 1"/>
           <p:cNvSpPr>
             <a:spLocks noGrp="1"/>
           </p:cNvSpPr>
@@ -1674,6 +1861,7 @@
         </p:spPr>
         <p:txBody>
           <a:bodyPr anchor="ctr"/>
+          <a:lstStyle/>
           <a:p>
             <a:pPr algn="ctr">
               <a:lnSpc>
@@ -1681,36 +1869,25 @@
               </a:lnSpc>
             </a:pPr>
             <a:r>
-              <a:rPr b="0" lang="pt-BR" sz="4400" spc="-1" strike="noStrike">
+              <a:rPr lang="pt-BR" sz="4400" b="0" strike="noStrike" spc="-1">
                 <a:solidFill>
                   <a:srgbClr val="000000"/>
                 </a:solidFill>
                 <a:uFill>
                   <a:solidFill>
-                    <a:srgbClr val="ffffff"/>
+                    <a:srgbClr val="FFFFFF"/>
                   </a:solidFill>
                 </a:uFill>
                 <a:latin typeface="Calibri"/>
               </a:rPr>
               <a:t>Clique para editar o título mestre</a:t>
             </a:r>
-            <a:endParaRPr b="0" lang="pt-BR" sz="4400" spc="-1" strike="noStrike">
-              <a:solidFill>
-                <a:srgbClr val="000000"/>
-              </a:solidFill>
-              <a:uFill>
-                <a:solidFill>
-                  <a:srgbClr val="ffffff"/>
-                </a:solidFill>
-              </a:uFill>
-              <a:latin typeface="Calibri"/>
-            </a:endParaRPr>
-          </a:p>
-        </p:txBody>
-      </p:sp>
-      <p:sp>
-        <p:nvSpPr>
-          <p:cNvPr id="1" name="PlaceHolder 2"/>
+          </a:p>
+        </p:txBody>
+      </p:sp>
+      <p:sp>
+        <p:nvSpPr>
+          <p:cNvPr id="6" name="PlaceHolder 2"/>
           <p:cNvSpPr>
             <a:spLocks noGrp="1"/>
           </p:cNvSpPr>
@@ -1729,6 +1906,7 @@
         </p:spPr>
         <p:txBody>
           <a:bodyPr anchor="ctr"/>
+          <a:lstStyle/>
           <a:p>
             <a:pPr>
               <a:lnSpc>
@@ -1736,26 +1914,26 @@
               </a:lnSpc>
             </a:pPr>
             <a:fld id="{DF72B651-F7D1-4B7A-822E-B08C4E687353}" type="datetime">
-              <a:rPr b="0" lang="pt-BR" sz="1200" spc="-1" strike="noStrike">
-                <a:solidFill>
-                  <a:srgbClr val="8b8b8b"/>
+              <a:rPr lang="pt-BR" sz="1200" b="0" strike="noStrike" spc="-1">
+                <a:solidFill>
+                  <a:srgbClr val="8B8B8B"/>
                 </a:solidFill>
                 <a:uFill>
                   <a:solidFill>
-                    <a:srgbClr val="ffffff"/>
+                    <a:srgbClr val="FFFFFF"/>
                   </a:solidFill>
                 </a:uFill>
                 <a:latin typeface="Calibri"/>
               </a:rPr>
-              <a:t>29/08/17</a:t>
+              <a:t>03/09/2017</a:t>
             </a:fld>
-            <a:endParaRPr b="0" lang="pt-BR" sz="1200" spc="-1" strike="noStrike">
+            <a:endParaRPr lang="pt-BR" sz="1200" b="0" strike="noStrike" spc="-1">
               <a:solidFill>
                 <a:srgbClr val="000000"/>
               </a:solidFill>
               <a:uFill>
                 <a:solidFill>
-                  <a:srgbClr val="ffffff"/>
+                  <a:srgbClr val="FFFFFF"/>
                 </a:solidFill>
               </a:uFill>
               <a:latin typeface="Times New Roman"/>
@@ -1784,14 +1962,15 @@
         </p:spPr>
         <p:txBody>
           <a:bodyPr anchor="ctr"/>
-          <a:p>
-            <a:endParaRPr b="0" lang="pt-BR" sz="2400" spc="-1" strike="noStrike">
+          <a:lstStyle/>
+          <a:p>
+            <a:endParaRPr lang="pt-BR" sz="2400" b="0" strike="noStrike" spc="-1">
               <a:solidFill>
                 <a:srgbClr val="000000"/>
               </a:solidFill>
               <a:uFill>
                 <a:solidFill>
-                  <a:srgbClr val="ffffff"/>
+                  <a:srgbClr val="FFFFFF"/>
                 </a:solidFill>
               </a:uFill>
               <a:latin typeface="Times New Roman"/>
@@ -1820,6 +1999,7 @@
         </p:spPr>
         <p:txBody>
           <a:bodyPr anchor="ctr"/>
+          <a:lstStyle/>
           <a:p>
             <a:pPr algn="r">
               <a:lnSpc>
@@ -1827,26 +2007,26 @@
               </a:lnSpc>
             </a:pPr>
             <a:fld id="{0A56AF16-9A1E-441D-9AD7-9AA274208914}" type="slidenum">
-              <a:rPr b="0" lang="pt-BR" sz="1200" spc="-1" strike="noStrike">
-                <a:solidFill>
-                  <a:srgbClr val="8b8b8b"/>
+              <a:rPr lang="pt-BR" sz="1200" b="0" strike="noStrike" spc="-1">
+                <a:solidFill>
+                  <a:srgbClr val="8B8B8B"/>
                 </a:solidFill>
                 <a:uFill>
                   <a:solidFill>
-                    <a:srgbClr val="ffffff"/>
+                    <a:srgbClr val="FFFFFF"/>
                   </a:solidFill>
                 </a:uFill>
                 <a:latin typeface="Calibri"/>
               </a:rPr>
-              <a:t>&lt;número&gt;</a:t>
+              <a:t>‹nº›</a:t>
             </a:fld>
-            <a:endParaRPr b="0" lang="pt-BR" sz="1200" spc="-1" strike="noStrike">
+            <a:endParaRPr lang="pt-BR" sz="1200" b="0" strike="noStrike" spc="-1">
               <a:solidFill>
                 <a:srgbClr val="000000"/>
               </a:solidFill>
               <a:uFill>
                 <a:solidFill>
-                  <a:srgbClr val="ffffff"/>
+                  <a:srgbClr val="FFFFFF"/>
                 </a:solidFill>
               </a:uFill>
               <a:latin typeface="Times New Roman"/>
@@ -1874,9 +2054,10 @@
           </a:prstGeom>
         </p:spPr>
         <p:txBody>
-          <a:bodyPr lIns="0" rIns="0" tIns="0" bIns="0">
+          <a:bodyPr lIns="0" tIns="0" rIns="0" bIns="0">
             <a:normAutofit/>
           </a:bodyPr>
+          <a:lstStyle/>
           <a:p>
             <a:pPr marL="432000" indent="-324000">
               <a:spcBef>
@@ -1890,33 +2071,22 @@
               <a:buChar char=""/>
             </a:pPr>
             <a:r>
-              <a:rPr b="0" lang="pt-BR" sz="3200" spc="-1" strike="noStrike">
+              <a:rPr lang="pt-BR" sz="3200" b="0" strike="noStrike" spc="-1">
                 <a:solidFill>
                   <a:srgbClr val="000000"/>
                 </a:solidFill>
                 <a:uFill>
                   <a:solidFill>
-                    <a:srgbClr val="ffffff"/>
+                    <a:srgbClr val="FFFFFF"/>
                   </a:solidFill>
                 </a:uFill>
                 <a:latin typeface="Calibri"/>
               </a:rPr>
               <a:t>Clique para editar o formato do texto da estrutura de tópicos</a:t>
             </a:r>
-            <a:endParaRPr b="0" lang="pt-BR" sz="3200" spc="-1" strike="noStrike">
-              <a:solidFill>
-                <a:srgbClr val="000000"/>
-              </a:solidFill>
-              <a:uFill>
-                <a:solidFill>
-                  <a:srgbClr val="ffffff"/>
-                </a:solidFill>
-              </a:uFill>
-              <a:latin typeface="Calibri"/>
-            </a:endParaRPr>
-          </a:p>
-          <a:p>
-            <a:pPr lvl="1" marL="864000" indent="-324000">
+          </a:p>
+          <a:p>
+            <a:pPr marL="864000" lvl="1" indent="-324000">
               <a:spcBef>
                 <a:spcPts val="1134"/>
               </a:spcBef>
@@ -1928,33 +2098,22 @@
               <a:buChar char=""/>
             </a:pPr>
             <a:r>
-              <a:rPr b="0" lang="pt-BR" sz="2400" spc="-1" strike="noStrike">
+              <a:rPr lang="pt-BR" sz="2400" b="0" strike="noStrike" spc="-1">
                 <a:solidFill>
                   <a:srgbClr val="000000"/>
                 </a:solidFill>
                 <a:uFill>
                   <a:solidFill>
-                    <a:srgbClr val="ffffff"/>
+                    <a:srgbClr val="FFFFFF"/>
                   </a:solidFill>
                 </a:uFill>
                 <a:latin typeface="Calibri"/>
               </a:rPr>
               <a:t>2.º nível da estrutura de tópicos</a:t>
             </a:r>
-            <a:endParaRPr b="0" lang="pt-BR" sz="2400" spc="-1" strike="noStrike">
-              <a:solidFill>
-                <a:srgbClr val="000000"/>
-              </a:solidFill>
-              <a:uFill>
-                <a:solidFill>
-                  <a:srgbClr val="ffffff"/>
-                </a:solidFill>
-              </a:uFill>
-              <a:latin typeface="Calibri"/>
-            </a:endParaRPr>
-          </a:p>
-          <a:p>
-            <a:pPr lvl="2" marL="1296000" indent="-288000">
+          </a:p>
+          <a:p>
+            <a:pPr marL="1296000" lvl="2" indent="-288000">
               <a:spcBef>
                 <a:spcPts val="850"/>
               </a:spcBef>
@@ -1966,33 +2125,22 @@
               <a:buChar char=""/>
             </a:pPr>
             <a:r>
-              <a:rPr b="0" lang="pt-BR" sz="2000" spc="-1" strike="noStrike">
+              <a:rPr lang="pt-BR" sz="2000" b="0" strike="noStrike" spc="-1">
                 <a:solidFill>
                   <a:srgbClr val="000000"/>
                 </a:solidFill>
                 <a:uFill>
                   <a:solidFill>
-                    <a:srgbClr val="ffffff"/>
+                    <a:srgbClr val="FFFFFF"/>
                   </a:solidFill>
                 </a:uFill>
                 <a:latin typeface="Calibri"/>
               </a:rPr>
               <a:t>3.º nível da estrutura de tópicos</a:t>
             </a:r>
-            <a:endParaRPr b="0" lang="pt-BR" sz="2000" spc="-1" strike="noStrike">
-              <a:solidFill>
-                <a:srgbClr val="000000"/>
-              </a:solidFill>
-              <a:uFill>
-                <a:solidFill>
-                  <a:srgbClr val="ffffff"/>
-                </a:solidFill>
-              </a:uFill>
-              <a:latin typeface="Calibri"/>
-            </a:endParaRPr>
-          </a:p>
-          <a:p>
-            <a:pPr lvl="3" marL="1728000" indent="-216000">
+          </a:p>
+          <a:p>
+            <a:pPr marL="1728000" lvl="3" indent="-216000">
               <a:spcBef>
                 <a:spcPts val="567"/>
               </a:spcBef>
@@ -2004,33 +2152,22 @@
               <a:buChar char=""/>
             </a:pPr>
             <a:r>
-              <a:rPr b="0" lang="pt-BR" sz="2000" spc="-1" strike="noStrike">
+              <a:rPr lang="pt-BR" sz="2000" b="0" strike="noStrike" spc="-1">
                 <a:solidFill>
                   <a:srgbClr val="000000"/>
                 </a:solidFill>
                 <a:uFill>
                   <a:solidFill>
-                    <a:srgbClr val="ffffff"/>
+                    <a:srgbClr val="FFFFFF"/>
                   </a:solidFill>
                 </a:uFill>
                 <a:latin typeface="Calibri"/>
               </a:rPr>
               <a:t>4.º nível da estrutura de tópicos</a:t>
             </a:r>
-            <a:endParaRPr b="0" lang="pt-BR" sz="2000" spc="-1" strike="noStrike">
-              <a:solidFill>
-                <a:srgbClr val="000000"/>
-              </a:solidFill>
-              <a:uFill>
-                <a:solidFill>
-                  <a:srgbClr val="ffffff"/>
-                </a:solidFill>
-              </a:uFill>
-              <a:latin typeface="Calibri"/>
-            </a:endParaRPr>
-          </a:p>
-          <a:p>
-            <a:pPr lvl="4" marL="2160000" indent="-216000">
+          </a:p>
+          <a:p>
+            <a:pPr marL="2160000" lvl="4" indent="-216000">
               <a:spcBef>
                 <a:spcPts val="283"/>
               </a:spcBef>
@@ -2042,33 +2179,22 @@
               <a:buChar char=""/>
             </a:pPr>
             <a:r>
-              <a:rPr b="0" lang="pt-BR" sz="2000" spc="-1" strike="noStrike">
+              <a:rPr lang="pt-BR" sz="2000" b="0" strike="noStrike" spc="-1">
                 <a:solidFill>
                   <a:srgbClr val="000000"/>
                 </a:solidFill>
                 <a:uFill>
                   <a:solidFill>
-                    <a:srgbClr val="ffffff"/>
+                    <a:srgbClr val="FFFFFF"/>
                   </a:solidFill>
                 </a:uFill>
                 <a:latin typeface="Calibri"/>
               </a:rPr>
               <a:t>5.º nível da estrutura de tópicos</a:t>
             </a:r>
-            <a:endParaRPr b="0" lang="pt-BR" sz="2000" spc="-1" strike="noStrike">
-              <a:solidFill>
-                <a:srgbClr val="000000"/>
-              </a:solidFill>
-              <a:uFill>
-                <a:solidFill>
-                  <a:srgbClr val="ffffff"/>
-                </a:solidFill>
-              </a:uFill>
-              <a:latin typeface="Calibri"/>
-            </a:endParaRPr>
-          </a:p>
-          <a:p>
-            <a:pPr lvl="5" marL="2592000" indent="-216000">
+          </a:p>
+          <a:p>
+            <a:pPr marL="2592000" lvl="5" indent="-216000">
               <a:spcBef>
                 <a:spcPts val="283"/>
               </a:spcBef>
@@ -2080,33 +2206,22 @@
               <a:buChar char=""/>
             </a:pPr>
             <a:r>
-              <a:rPr b="0" lang="pt-BR" sz="2000" spc="-1" strike="noStrike">
+              <a:rPr lang="pt-BR" sz="2000" b="0" strike="noStrike" spc="-1">
                 <a:solidFill>
                   <a:srgbClr val="000000"/>
                 </a:solidFill>
                 <a:uFill>
                   <a:solidFill>
-                    <a:srgbClr val="ffffff"/>
+                    <a:srgbClr val="FFFFFF"/>
                   </a:solidFill>
                 </a:uFill>
                 <a:latin typeface="Calibri"/>
               </a:rPr>
               <a:t>6.º nível da estrutura de tópicos</a:t>
             </a:r>
-            <a:endParaRPr b="0" lang="pt-BR" sz="2000" spc="-1" strike="noStrike">
-              <a:solidFill>
-                <a:srgbClr val="000000"/>
-              </a:solidFill>
-              <a:uFill>
-                <a:solidFill>
-                  <a:srgbClr val="ffffff"/>
-                </a:solidFill>
-              </a:uFill>
-              <a:latin typeface="Calibri"/>
-            </a:endParaRPr>
-          </a:p>
-          <a:p>
-            <a:pPr lvl="6" marL="3024000" indent="-216000">
+          </a:p>
+          <a:p>
+            <a:pPr marL="3024000" lvl="6" indent="-216000">
               <a:spcBef>
                 <a:spcPts val="283"/>
               </a:spcBef>
@@ -2118,62 +2233,332 @@
               <a:buChar char=""/>
             </a:pPr>
             <a:r>
-              <a:rPr b="0" lang="pt-BR" sz="2000" spc="-1" strike="noStrike">
+              <a:rPr lang="pt-BR" sz="2000" b="0" strike="noStrike" spc="-1">
                 <a:solidFill>
                   <a:srgbClr val="000000"/>
                 </a:solidFill>
                 <a:uFill>
                   <a:solidFill>
-                    <a:srgbClr val="ffffff"/>
+                    <a:srgbClr val="FFFFFF"/>
                   </a:solidFill>
                 </a:uFill>
                 <a:latin typeface="Calibri"/>
               </a:rPr>
               <a:t>7.º nível da estrutura de tópicos</a:t>
             </a:r>
-            <a:endParaRPr b="0" lang="pt-BR" sz="2000" spc="-1" strike="noStrike">
-              <a:solidFill>
-                <a:srgbClr val="000000"/>
-              </a:solidFill>
-              <a:uFill>
-                <a:solidFill>
-                  <a:srgbClr val="ffffff"/>
-                </a:solidFill>
-              </a:uFill>
-              <a:latin typeface="Calibri"/>
-            </a:endParaRPr>
           </a:p>
         </p:txBody>
       </p:sp>
     </p:spTree>
   </p:cSld>
-  <p:clrMap bg1="lt1" bg2="lt2" tx1="dk1" tx2="dk2" accent1="accent1" accent2="accent2" accent3="accent3" accent4="accent4" accent5="accent5" accent6="accent6" hlink="hlink" folHlink="folHlink"/>
+  <p:clrMap bg1="lt1" tx1="dk1" bg2="lt2" tx2="dk2" accent1="accent1" accent2="accent2" accent3="accent3" accent4="accent4" accent5="accent5" accent6="accent6" hlink="hlink" folHlink="folHlink"/>
   <p:sldLayoutIdLst>
-    <p:sldLayoutId id="2147483649" r:id="rId2"/>
-    <p:sldLayoutId id="2147483650" r:id="rId3"/>
-    <p:sldLayoutId id="2147483651" r:id="rId4"/>
-    <p:sldLayoutId id="2147483652" r:id="rId5"/>
-    <p:sldLayoutId id="2147483653" r:id="rId6"/>
-    <p:sldLayoutId id="2147483654" r:id="rId7"/>
-    <p:sldLayoutId id="2147483655" r:id="rId8"/>
-    <p:sldLayoutId id="2147483656" r:id="rId9"/>
-    <p:sldLayoutId id="2147483657" r:id="rId10"/>
-    <p:sldLayoutId id="2147483658" r:id="rId11"/>
-    <p:sldLayoutId id="2147483659" r:id="rId12"/>
-    <p:sldLayoutId id="2147483660" r:id="rId13"/>
+    <p:sldLayoutId id="2147483649" r:id="rId1"/>
+    <p:sldLayoutId id="2147483650" r:id="rId2"/>
+    <p:sldLayoutId id="2147483651" r:id="rId3"/>
+    <p:sldLayoutId id="2147483652" r:id="rId4"/>
+    <p:sldLayoutId id="2147483653" r:id="rId5"/>
+    <p:sldLayoutId id="2147483654" r:id="rId6"/>
+    <p:sldLayoutId id="2147483655" r:id="rId7"/>
+    <p:sldLayoutId id="2147483656" r:id="rId8"/>
+    <p:sldLayoutId id="2147483657" r:id="rId9"/>
+    <p:sldLayoutId id="2147483658" r:id="rId10"/>
+    <p:sldLayoutId id="2147483659" r:id="rId11"/>
+    <p:sldLayoutId id="2147483660" r:id="rId12"/>
   </p:sldLayoutIdLst>
+  <p:txStyles>
+    <p:titleStyle>
+      <a:lvl1pPr algn="l" defTabSz="914400" rtl="0" eaLnBrk="1" latinLnBrk="0" hangingPunct="1">
+        <a:lnSpc>
+          <a:spcPct val="90000"/>
+        </a:lnSpc>
+        <a:spcBef>
+          <a:spcPct val="0"/>
+        </a:spcBef>
+        <a:buNone/>
+        <a:defRPr sz="4400" kern="1200">
+          <a:solidFill>
+            <a:schemeClr val="tx1"/>
+          </a:solidFill>
+          <a:latin typeface="+mj-lt"/>
+          <a:ea typeface="+mj-ea"/>
+          <a:cs typeface="+mj-cs"/>
+        </a:defRPr>
+      </a:lvl1pPr>
+    </p:titleStyle>
+    <p:bodyStyle>
+      <a:lvl1pPr marL="228600" indent="-228600" algn="l" defTabSz="914400" rtl="0" eaLnBrk="1" latinLnBrk="0" hangingPunct="1">
+        <a:lnSpc>
+          <a:spcPct val="90000"/>
+        </a:lnSpc>
+        <a:spcBef>
+          <a:spcPts val="1000"/>
+        </a:spcBef>
+        <a:buFont typeface="Arial" panose="020B0604020202020204" pitchFamily="34" charset="0"/>
+        <a:buChar char="•"/>
+        <a:defRPr sz="2800" kern="1200">
+          <a:solidFill>
+            <a:schemeClr val="tx1"/>
+          </a:solidFill>
+          <a:latin typeface="+mn-lt"/>
+          <a:ea typeface="+mn-ea"/>
+          <a:cs typeface="+mn-cs"/>
+        </a:defRPr>
+      </a:lvl1pPr>
+      <a:lvl2pPr marL="685800" indent="-228600" algn="l" defTabSz="914400" rtl="0" eaLnBrk="1" latinLnBrk="0" hangingPunct="1">
+        <a:lnSpc>
+          <a:spcPct val="90000"/>
+        </a:lnSpc>
+        <a:spcBef>
+          <a:spcPts val="500"/>
+        </a:spcBef>
+        <a:buFont typeface="Arial" panose="020B0604020202020204" pitchFamily="34" charset="0"/>
+        <a:buChar char="•"/>
+        <a:defRPr sz="2400" kern="1200">
+          <a:solidFill>
+            <a:schemeClr val="tx1"/>
+          </a:solidFill>
+          <a:latin typeface="+mn-lt"/>
+          <a:ea typeface="+mn-ea"/>
+          <a:cs typeface="+mn-cs"/>
+        </a:defRPr>
+      </a:lvl2pPr>
+      <a:lvl3pPr marL="1143000" indent="-228600" algn="l" defTabSz="914400" rtl="0" eaLnBrk="1" latinLnBrk="0" hangingPunct="1">
+        <a:lnSpc>
+          <a:spcPct val="90000"/>
+        </a:lnSpc>
+        <a:spcBef>
+          <a:spcPts val="500"/>
+        </a:spcBef>
+        <a:buFont typeface="Arial" panose="020B0604020202020204" pitchFamily="34" charset="0"/>
+        <a:buChar char="•"/>
+        <a:defRPr sz="2000" kern="1200">
+          <a:solidFill>
+            <a:schemeClr val="tx1"/>
+          </a:solidFill>
+          <a:latin typeface="+mn-lt"/>
+          <a:ea typeface="+mn-ea"/>
+          <a:cs typeface="+mn-cs"/>
+        </a:defRPr>
+      </a:lvl3pPr>
+      <a:lvl4pPr marL="1600200" indent="-228600" algn="l" defTabSz="914400" rtl="0" eaLnBrk="1" latinLnBrk="0" hangingPunct="1">
+        <a:lnSpc>
+          <a:spcPct val="90000"/>
+        </a:lnSpc>
+        <a:spcBef>
+          <a:spcPts val="500"/>
+        </a:spcBef>
+        <a:buFont typeface="Arial" panose="020B0604020202020204" pitchFamily="34" charset="0"/>
+        <a:buChar char="•"/>
+        <a:defRPr sz="1800" kern="1200">
+          <a:solidFill>
+            <a:schemeClr val="tx1"/>
+          </a:solidFill>
+          <a:latin typeface="+mn-lt"/>
+          <a:ea typeface="+mn-ea"/>
+          <a:cs typeface="+mn-cs"/>
+        </a:defRPr>
+      </a:lvl4pPr>
+      <a:lvl5pPr marL="2057400" indent="-228600" algn="l" defTabSz="914400" rtl="0" eaLnBrk="1" latinLnBrk="0" hangingPunct="1">
+        <a:lnSpc>
+          <a:spcPct val="90000"/>
+        </a:lnSpc>
+        <a:spcBef>
+          <a:spcPts val="500"/>
+        </a:spcBef>
+        <a:buFont typeface="Arial" panose="020B0604020202020204" pitchFamily="34" charset="0"/>
+        <a:buChar char="•"/>
+        <a:defRPr sz="1800" kern="1200">
+          <a:solidFill>
+            <a:schemeClr val="tx1"/>
+          </a:solidFill>
+          <a:latin typeface="+mn-lt"/>
+          <a:ea typeface="+mn-ea"/>
+          <a:cs typeface="+mn-cs"/>
+        </a:defRPr>
+      </a:lvl5pPr>
+      <a:lvl6pPr marL="2514600" indent="-228600" algn="l" defTabSz="914400" rtl="0" eaLnBrk="1" latinLnBrk="0" hangingPunct="1">
+        <a:lnSpc>
+          <a:spcPct val="90000"/>
+        </a:lnSpc>
+        <a:spcBef>
+          <a:spcPts val="500"/>
+        </a:spcBef>
+        <a:buFont typeface="Arial" panose="020B0604020202020204" pitchFamily="34" charset="0"/>
+        <a:buChar char="•"/>
+        <a:defRPr sz="1800" kern="1200">
+          <a:solidFill>
+            <a:schemeClr val="tx1"/>
+          </a:solidFill>
+          <a:latin typeface="+mn-lt"/>
+          <a:ea typeface="+mn-ea"/>
+          <a:cs typeface="+mn-cs"/>
+        </a:defRPr>
+      </a:lvl6pPr>
+      <a:lvl7pPr marL="2971800" indent="-228600" algn="l" defTabSz="914400" rtl="0" eaLnBrk="1" latinLnBrk="0" hangingPunct="1">
+        <a:lnSpc>
+          <a:spcPct val="90000"/>
+        </a:lnSpc>
+        <a:spcBef>
+          <a:spcPts val="500"/>
+        </a:spcBef>
+        <a:buFont typeface="Arial" panose="020B0604020202020204" pitchFamily="34" charset="0"/>
+        <a:buChar char="•"/>
+        <a:defRPr sz="1800" kern="1200">
+          <a:solidFill>
+            <a:schemeClr val="tx1"/>
+          </a:solidFill>
+          <a:latin typeface="+mn-lt"/>
+          <a:ea typeface="+mn-ea"/>
+          <a:cs typeface="+mn-cs"/>
+        </a:defRPr>
+      </a:lvl7pPr>
+      <a:lvl8pPr marL="3429000" indent="-228600" algn="l" defTabSz="914400" rtl="0" eaLnBrk="1" latinLnBrk="0" hangingPunct="1">
+        <a:lnSpc>
+          <a:spcPct val="90000"/>
+        </a:lnSpc>
+        <a:spcBef>
+          <a:spcPts val="500"/>
+        </a:spcBef>
+        <a:buFont typeface="Arial" panose="020B0604020202020204" pitchFamily="34" charset="0"/>
+        <a:buChar char="•"/>
+        <a:defRPr sz="1800" kern="1200">
+          <a:solidFill>
+            <a:schemeClr val="tx1"/>
+          </a:solidFill>
+          <a:latin typeface="+mn-lt"/>
+          <a:ea typeface="+mn-ea"/>
+          <a:cs typeface="+mn-cs"/>
+        </a:defRPr>
+      </a:lvl8pPr>
+      <a:lvl9pPr marL="3886200" indent="-228600" algn="l" defTabSz="914400" rtl="0" eaLnBrk="1" latinLnBrk="0" hangingPunct="1">
+        <a:lnSpc>
+          <a:spcPct val="90000"/>
+        </a:lnSpc>
+        <a:spcBef>
+          <a:spcPts val="500"/>
+        </a:spcBef>
+        <a:buFont typeface="Arial" panose="020B0604020202020204" pitchFamily="34" charset="0"/>
+        <a:buChar char="•"/>
+        <a:defRPr sz="1800" kern="1200">
+          <a:solidFill>
+            <a:schemeClr val="tx1"/>
+          </a:solidFill>
+          <a:latin typeface="+mn-lt"/>
+          <a:ea typeface="+mn-ea"/>
+          <a:cs typeface="+mn-cs"/>
+        </a:defRPr>
+      </a:lvl9pPr>
+    </p:bodyStyle>
+    <p:otherStyle>
+      <a:defPPr>
+        <a:defRPr lang="pt-BR"/>
+      </a:defPPr>
+      <a:lvl1pPr marL="0" algn="l" defTabSz="914400" rtl="0" eaLnBrk="1" latinLnBrk="0" hangingPunct="1">
+        <a:defRPr sz="1800" kern="1200">
+          <a:solidFill>
+            <a:schemeClr val="tx1"/>
+          </a:solidFill>
+          <a:latin typeface="+mn-lt"/>
+          <a:ea typeface="+mn-ea"/>
+          <a:cs typeface="+mn-cs"/>
+        </a:defRPr>
+      </a:lvl1pPr>
+      <a:lvl2pPr marL="457200" algn="l" defTabSz="914400" rtl="0" eaLnBrk="1" latinLnBrk="0" hangingPunct="1">
+        <a:defRPr sz="1800" kern="1200">
+          <a:solidFill>
+            <a:schemeClr val="tx1"/>
+          </a:solidFill>
+          <a:latin typeface="+mn-lt"/>
+          <a:ea typeface="+mn-ea"/>
+          <a:cs typeface="+mn-cs"/>
+        </a:defRPr>
+      </a:lvl2pPr>
+      <a:lvl3pPr marL="914400" algn="l" defTabSz="914400" rtl="0" eaLnBrk="1" latinLnBrk="0" hangingPunct="1">
+        <a:defRPr sz="1800" kern="1200">
+          <a:solidFill>
+            <a:schemeClr val="tx1"/>
+          </a:solidFill>
+          <a:latin typeface="+mn-lt"/>
+          <a:ea typeface="+mn-ea"/>
+          <a:cs typeface="+mn-cs"/>
+        </a:defRPr>
+      </a:lvl3pPr>
+      <a:lvl4pPr marL="1371600" algn="l" defTabSz="914400" rtl="0" eaLnBrk="1" latinLnBrk="0" hangingPunct="1">
+        <a:defRPr sz="1800" kern="1200">
+          <a:solidFill>
+            <a:schemeClr val="tx1"/>
+          </a:solidFill>
+          <a:latin typeface="+mn-lt"/>
+          <a:ea typeface="+mn-ea"/>
+          <a:cs typeface="+mn-cs"/>
+        </a:defRPr>
+      </a:lvl4pPr>
+      <a:lvl5pPr marL="1828800" algn="l" defTabSz="914400" rtl="0" eaLnBrk="1" latinLnBrk="0" hangingPunct="1">
+        <a:defRPr sz="1800" kern="1200">
+          <a:solidFill>
+            <a:schemeClr val="tx1"/>
+          </a:solidFill>
+          <a:latin typeface="+mn-lt"/>
+          <a:ea typeface="+mn-ea"/>
+          <a:cs typeface="+mn-cs"/>
+        </a:defRPr>
+      </a:lvl5pPr>
+      <a:lvl6pPr marL="2286000" algn="l" defTabSz="914400" rtl="0" eaLnBrk="1" latinLnBrk="0" hangingPunct="1">
+        <a:defRPr sz="1800" kern="1200">
+          <a:solidFill>
+            <a:schemeClr val="tx1"/>
+          </a:solidFill>
+          <a:latin typeface="+mn-lt"/>
+          <a:ea typeface="+mn-ea"/>
+          <a:cs typeface="+mn-cs"/>
+        </a:defRPr>
+      </a:lvl6pPr>
+      <a:lvl7pPr marL="2743200" algn="l" defTabSz="914400" rtl="0" eaLnBrk="1" latinLnBrk="0" hangingPunct="1">
+        <a:defRPr sz="1800" kern="1200">
+          <a:solidFill>
+            <a:schemeClr val="tx1"/>
+          </a:solidFill>
+          <a:latin typeface="+mn-lt"/>
+          <a:ea typeface="+mn-ea"/>
+          <a:cs typeface="+mn-cs"/>
+        </a:defRPr>
+      </a:lvl7pPr>
+      <a:lvl8pPr marL="3200400" algn="l" defTabSz="914400" rtl="0" eaLnBrk="1" latinLnBrk="0" hangingPunct="1">
+        <a:defRPr sz="1800" kern="1200">
+          <a:solidFill>
+            <a:schemeClr val="tx1"/>
+          </a:solidFill>
+          <a:latin typeface="+mn-lt"/>
+          <a:ea typeface="+mn-ea"/>
+          <a:cs typeface="+mn-cs"/>
+        </a:defRPr>
+      </a:lvl8pPr>
+      <a:lvl9pPr marL="3657600" algn="l" defTabSz="914400" rtl="0" eaLnBrk="1" latinLnBrk="0" hangingPunct="1">
+        <a:defRPr sz="1800" kern="1200">
+          <a:solidFill>
+            <a:schemeClr val="tx1"/>
+          </a:solidFill>
+          <a:latin typeface="+mn-lt"/>
+          <a:ea typeface="+mn-ea"/>
+          <a:cs typeface="+mn-cs"/>
+        </a:defRPr>
+      </a:lvl9pPr>
+    </p:otherStyle>
+  </p:txStyles>
 </p:sldMaster>
 </file>
 
 <file path=ppt/slides/slide1.xml><?xml version="1.0" encoding="utf-8"?>
-<p:sld xmlns:a="http://schemas.openxmlformats.org/drawingml/2006/main" xmlns:p="http://schemas.openxmlformats.org/presentationml/2006/main" xmlns:r="http://schemas.openxmlformats.org/officeDocument/2006/relationships" xmlns:p14="http://schemas.microsoft.com/office/powerpoint/2010/main" xmlns:p15="http://schemas.microsoft.com/office/powerpoint/2012/main" xmlns:mc="http://schemas.openxmlformats.org/markup-compatibility/2006">
+<p:sld xmlns:a="http://schemas.openxmlformats.org/drawingml/2006/main" xmlns:r="http://schemas.openxmlformats.org/officeDocument/2006/relationships" xmlns:p="http://schemas.openxmlformats.org/presentationml/2006/main">
   <p:cSld>
     <p:bg>
       <p:bgPr>
         <a:blipFill>
-          <a:blip r:embed="rId1"/>
+          <a:blip r:embed="rId2"/>
           <a:tile/>
         </a:blipFill>
+        <a:effectLst/>
       </p:bgPr>
     </p:bg>
     <p:spTree>
@@ -2198,7 +2583,7 @@
         </p:nvSpPr>
         <p:spPr>
           <a:xfrm>
-            <a:off x="685800" y="2130480"/>
+            <a:off x="685800" y="1986787"/>
             <a:ext cx="7772040" cy="1469520"/>
           </a:xfrm>
           <a:prstGeom prst="rect">
@@ -2211,6 +2596,7 @@
         </p:spPr>
         <p:txBody>
           <a:bodyPr anchor="ctr"/>
+          <a:lstStyle/>
           <a:p>
             <a:pPr algn="ctr">
               <a:lnSpc>
@@ -2218,30 +2604,19 @@
               </a:lnSpc>
             </a:pPr>
             <a:r>
-              <a:rPr b="0" lang="pt-BR" sz="4400" spc="-1" strike="noStrike">
+              <a:rPr lang="pt-BR" sz="4400" b="0" strike="noStrike" spc="-1" dirty="0">
                 <a:solidFill>
                   <a:srgbClr val="000000"/>
                 </a:solidFill>
                 <a:uFill>
                   <a:solidFill>
-                    <a:srgbClr val="ffffff"/>
+                    <a:srgbClr val="FFFFFF"/>
                   </a:solidFill>
                 </a:uFill>
                 <a:latin typeface="Calibri"/>
               </a:rPr>
               <a:t>Busca Por Padrões:</a:t>
             </a:r>
-            <a:endParaRPr b="0" lang="pt-BR" sz="4400" spc="-1" strike="noStrike">
-              <a:solidFill>
-                <a:srgbClr val="000000"/>
-              </a:solidFill>
-              <a:uFill>
-                <a:solidFill>
-                  <a:srgbClr val="ffffff"/>
-                </a:solidFill>
-              </a:uFill>
-              <a:latin typeface="Calibri"/>
-            </a:endParaRPr>
           </a:p>
         </p:txBody>
       </p:sp>
@@ -2266,8 +2641,9 @@
         </p:spPr>
         <p:txBody>
           <a:bodyPr>
-            <a:normAutofit/>
+            <a:normAutofit fontScale="70000" lnSpcReduction="20000"/>
           </a:bodyPr>
+          <a:lstStyle/>
           <a:p>
             <a:pPr algn="ctr">
               <a:lnSpc>
@@ -2278,26 +2654,26 @@
               </a:spcBef>
             </a:pPr>
             <a:r>
-              <a:rPr b="0" lang="pt-BR" sz="3200" spc="-1" strike="noStrike">
+              <a:rPr lang="pt-BR" sz="3200" b="0" strike="noStrike" spc="-1">
                 <a:solidFill>
                   <a:srgbClr val="000000"/>
                 </a:solidFill>
                 <a:uFill>
                   <a:solidFill>
-                    <a:srgbClr val="ffffff"/>
+                    <a:srgbClr val="FFFFFF"/>
                   </a:solidFill>
                 </a:uFill>
                 <a:latin typeface="Calibri"/>
               </a:rPr>
               <a:t>UFRPE BCC – 20171</a:t>
             </a:r>
-            <a:endParaRPr b="0" lang="pt-BR" sz="3200" spc="-1" strike="noStrike">
+            <a:endParaRPr lang="pt-BR" sz="3200" b="0" strike="noStrike" spc="-1">
               <a:solidFill>
                 <a:srgbClr val="000000"/>
               </a:solidFill>
               <a:uFill>
                 <a:solidFill>
-                  <a:srgbClr val="ffffff"/>
+                  <a:srgbClr val="FFFFFF"/>
                 </a:solidFill>
               </a:uFill>
               <a:latin typeface="Arial"/>
@@ -2313,26 +2689,26 @@
               </a:spcBef>
             </a:pPr>
             <a:r>
-              <a:rPr b="0" lang="pt-BR" sz="3200" spc="-1" strike="noStrike">
+              <a:rPr lang="pt-BR" sz="3200" b="0" strike="noStrike" spc="-1">
                 <a:solidFill>
                   <a:srgbClr val="000000"/>
                 </a:solidFill>
                 <a:uFill>
                   <a:solidFill>
-                    <a:srgbClr val="ffffff"/>
+                    <a:srgbClr val="FFFFFF"/>
                   </a:solidFill>
                 </a:uFill>
                 <a:latin typeface="Calibri"/>
               </a:rPr>
               <a:t>Projeto e Análise de Algoritmos</a:t>
             </a:r>
-            <a:endParaRPr b="0" lang="pt-BR" sz="3200" spc="-1" strike="noStrike">
+            <a:endParaRPr lang="pt-BR" sz="3200" b="0" strike="noStrike" spc="-1">
               <a:solidFill>
                 <a:srgbClr val="000000"/>
               </a:solidFill>
               <a:uFill>
                 <a:solidFill>
-                  <a:srgbClr val="ffffff"/>
+                  <a:srgbClr val="FFFFFF"/>
                 </a:solidFill>
               </a:uFill>
               <a:latin typeface="Arial"/>
@@ -2348,26 +2724,26 @@
               </a:spcBef>
             </a:pPr>
             <a:r>
-              <a:rPr b="0" lang="pt-BR" sz="3200" spc="-1" strike="noStrike">
+              <a:rPr lang="pt-BR" sz="3200" b="0" strike="noStrike" spc="-1">
                 <a:solidFill>
                   <a:srgbClr val="000000"/>
                 </a:solidFill>
                 <a:uFill>
                   <a:solidFill>
-                    <a:srgbClr val="ffffff"/>
+                    <a:srgbClr val="FFFFFF"/>
                   </a:solidFill>
                 </a:uFill>
                 <a:latin typeface="Calibri"/>
               </a:rPr>
               <a:t>Oficina 2aVA</a:t>
             </a:r>
-            <a:endParaRPr b="0" lang="pt-BR" sz="3200" spc="-1" strike="noStrike">
+            <a:endParaRPr lang="pt-BR" sz="3200" b="0" strike="noStrike" spc="-1">
               <a:solidFill>
                 <a:srgbClr val="000000"/>
               </a:solidFill>
               <a:uFill>
                 <a:solidFill>
-                  <a:srgbClr val="ffffff"/>
+                  <a:srgbClr val="FFFFFF"/>
                 </a:solidFill>
               </a:uFill>
               <a:latin typeface="Arial"/>
@@ -2383,26 +2759,26 @@
               </a:spcBef>
             </a:pPr>
             <a:r>
-              <a:rPr b="0" lang="pt-BR" sz="3200" spc="-1" strike="noStrike">
+              <a:rPr lang="pt-BR" sz="3200" b="0" strike="noStrike" spc="-1">
                 <a:solidFill>
                   <a:srgbClr val="000000"/>
                 </a:solidFill>
                 <a:uFill>
                   <a:solidFill>
-                    <a:srgbClr val="ffffff"/>
+                    <a:srgbClr val="FFFFFF"/>
                   </a:solidFill>
                 </a:uFill>
                 <a:latin typeface="Calibri"/>
               </a:rPr>
               <a:t>Alunos: Lucas Wagner e José Bartolomeu</a:t>
             </a:r>
-            <a:endParaRPr b="0" lang="pt-BR" sz="3200" spc="-1" strike="noStrike">
+            <a:endParaRPr lang="pt-BR" sz="3200" b="0" strike="noStrike" spc="-1">
               <a:solidFill>
                 <a:srgbClr val="000000"/>
               </a:solidFill>
               <a:uFill>
                 <a:solidFill>
-                  <a:srgbClr val="ffffff"/>
+                  <a:srgbClr val="FFFFFF"/>
                 </a:solidFill>
               </a:uFill>
               <a:latin typeface="Arial"/>
@@ -2430,13 +2806,20 @@
           </a:ln>
         </p:spPr>
         <p:style>
-          <a:lnRef idx="0"/>
-          <a:fillRef idx="0"/>
-          <a:effectRef idx="0"/>
+          <a:lnRef idx="0">
+            <a:scrgbClr r="0" g="0" b="0"/>
+          </a:lnRef>
+          <a:fillRef idx="0">
+            <a:scrgbClr r="0" g="0" b="0"/>
+          </a:fillRef>
+          <a:effectRef idx="0">
+            <a:scrgbClr r="0" g="0" b="0"/>
+          </a:effectRef>
           <a:fontRef idx="minor"/>
         </p:style>
         <p:txBody>
-          <a:bodyPr wrap="none" lIns="90000" rIns="90000" tIns="45000" bIns="45000"/>
+          <a:bodyPr wrap="none" lIns="90000" tIns="45000" rIns="90000" bIns="45000"/>
+          <a:lstStyle/>
           <a:p>
             <a:pPr>
               <a:lnSpc>
@@ -2444,26 +2827,26 @@
               </a:lnSpc>
             </a:pPr>
             <a:r>
-              <a:rPr b="0" lang="pt-BR" sz="3600" spc="-1" strike="noStrike">
+              <a:rPr lang="pt-BR" sz="3600" b="0" strike="noStrike" spc="-1">
                 <a:solidFill>
                   <a:srgbClr val="000000"/>
                 </a:solidFill>
                 <a:uFill>
                   <a:solidFill>
-                    <a:srgbClr val="ffffff"/>
+                    <a:srgbClr val="FFFFFF"/>
                   </a:solidFill>
                 </a:uFill>
                 <a:latin typeface="Calibri"/>
               </a:rPr>
               <a:t>Boyer Moore</a:t>
             </a:r>
-            <a:endParaRPr b="0" lang="pt-BR" sz="3600" spc="-1" strike="noStrike">
+            <a:endParaRPr lang="pt-BR" sz="3600" b="0" strike="noStrike" spc="-1">
               <a:solidFill>
                 <a:srgbClr val="000000"/>
               </a:solidFill>
               <a:uFill>
                 <a:solidFill>
-                  <a:srgbClr val="ffffff"/>
+                  <a:srgbClr val="FFFFFF"/>
                 </a:solidFill>
               </a:uFill>
               <a:latin typeface="Arial"/>
@@ -2473,6 +2856,9 @@
       </p:sp>
     </p:spTree>
   </p:cSld>
+  <p:clrMapOvr>
+    <a:masterClrMapping/>
+  </p:clrMapOvr>
   <p:timing>
     <p:tnLst>
       <p:par>
@@ -2481,14 +2867,14 @@
             <p:seq>
               <p:cTn id="2" nodeType="mainSeq"/>
               <p:prevCondLst>
-                <p:cond delay="0" evt="onPrev">
+                <p:cond evt="onPrev" delay="0">
                   <p:tgtEl>
                     <p:sldTgt/>
                   </p:tgtEl>
                 </p:cond>
               </p:prevCondLst>
               <p:nextCondLst>
-                <p:cond delay="0" evt="onNext">
+                <p:cond evt="onNext" delay="0">
                   <p:tgtEl>
                     <p:sldTgt/>
                   </p:tgtEl>
@@ -2503,15 +2889,16 @@
 </p:sld>
 </file>
 
-<file path=ppt/slides/slide2.xml><?xml version="1.0" encoding="utf-8"?>
-<p:sld xmlns:a="http://schemas.openxmlformats.org/drawingml/2006/main" xmlns:p="http://schemas.openxmlformats.org/presentationml/2006/main" xmlns:r="http://schemas.openxmlformats.org/officeDocument/2006/relationships" xmlns:p14="http://schemas.microsoft.com/office/powerpoint/2010/main" xmlns:p15="http://schemas.microsoft.com/office/powerpoint/2012/main" xmlns:mc="http://schemas.openxmlformats.org/markup-compatibility/2006">
+<file path=ppt/slides/slide10.xml><?xml version="1.0" encoding="utf-8"?>
+<p:sld xmlns:a="http://schemas.openxmlformats.org/drawingml/2006/main" xmlns:r="http://schemas.openxmlformats.org/officeDocument/2006/relationships" xmlns:p="http://schemas.openxmlformats.org/presentationml/2006/main">
   <p:cSld>
     <p:bg>
       <p:bgPr>
         <a:blipFill>
-          <a:blip r:embed="rId1"/>
+          <a:blip r:embed="rId2"/>
           <a:tile/>
         </a:blipFill>
+        <a:effectLst/>
       </p:bgPr>
     </p:bg>
     <p:spTree>
@@ -2530,14 +2917,14 @@
       </p:grpSpPr>
       <p:sp>
         <p:nvSpPr>
-          <p:cNvPr id="44" name="TextShape 1"/>
+          <p:cNvPr id="49" name="TextShape 1"/>
           <p:cNvSpPr txBox="1"/>
           <p:nvPr/>
         </p:nvSpPr>
         <p:spPr>
           <a:xfrm>
-            <a:off x="1371600" y="3886200"/>
-            <a:ext cx="6400440" cy="1752120"/>
+            <a:off x="935999" y="864000"/>
+            <a:ext cx="5798629" cy="355834"/>
           </a:xfrm>
           <a:prstGeom prst="rect">
             <a:avLst/>
@@ -2548,16 +2935,45 @@
           </a:ln>
         </p:spPr>
         <p:txBody>
-          <a:bodyPr/>
-          <a:p>
-            <a:pPr algn="ctr"/>
-            <a:endParaRPr b="0" lang="pt-BR" sz="3200" spc="-1" strike="noStrike">
+          <a:bodyPr lIns="90000" tIns="45000" rIns="90000" bIns="45000"/>
+          <a:lstStyle/>
+          <a:p>
+            <a:r>
+              <a:rPr lang="pt-BR" spc="-1" dirty="0">
+                <a:solidFill>
+                  <a:srgbClr val="000000"/>
+                </a:solidFill>
+                <a:uFill>
+                  <a:solidFill>
+                    <a:srgbClr val="FFFFFF"/>
+                  </a:solidFill>
+                </a:uFill>
+                <a:latin typeface="Arial"/>
+              </a:rPr>
+              <a:t>Para o padrão: </a:t>
+            </a:r>
+            <a:r>
+              <a:rPr lang="pt-BR" spc="-1" dirty="0">
+                <a:solidFill>
+                  <a:srgbClr val="000000"/>
+                </a:solidFill>
+                <a:uFill>
+                  <a:solidFill>
+                    <a:srgbClr val="FFFFFF"/>
+                  </a:solidFill>
+                </a:uFill>
+              </a:rPr>
+              <a:t> a, a, b, a, c</a:t>
+            </a:r>
+          </a:p>
+          <a:p>
+            <a:endParaRPr lang="pt-BR" sz="1800" b="0" strike="noStrike" spc="-1" dirty="0">
               <a:solidFill>
                 <a:srgbClr val="000000"/>
               </a:solidFill>
               <a:uFill>
                 <a:solidFill>
-                  <a:srgbClr val="ffffff"/>
+                  <a:srgbClr val="FFFFFF"/>
                 </a:solidFill>
               </a:uFill>
               <a:latin typeface="Arial"/>
@@ -2565,47 +2981,545 @@
           </a:p>
         </p:txBody>
       </p:sp>
-      <p:pic>
-        <p:nvPicPr>
-          <p:cNvPr id="45" name="" descr=""/>
-          <p:cNvPicPr/>
+      <p:sp>
+        <p:nvSpPr>
+          <p:cNvPr id="50" name="TextShape 2"/>
+          <p:cNvSpPr txBox="1"/>
           <p:nvPr/>
-        </p:nvPicPr>
-        <p:blipFill>
-          <a:blip r:embed="rId2"/>
-          <a:stretch/>
-        </p:blipFill>
-        <p:spPr>
-          <a:xfrm>
-            <a:off x="924480" y="22680"/>
-            <a:ext cx="7139520" cy="6631920"/>
-          </a:xfrm>
-          <a:prstGeom prst="rect">
-            <a:avLst/>
-          </a:prstGeom>
+        </p:nvSpPr>
+        <p:spPr>
+          <a:xfrm>
+            <a:off x="1008000" y="1440000"/>
+            <a:ext cx="7646760" cy="2115000"/>
+          </a:xfrm>
+          <a:prstGeom prst="rect">
+            <a:avLst/>
+          </a:prstGeom>
+          <a:noFill/>
           <a:ln>
             <a:noFill/>
           </a:ln>
         </p:spPr>
-      </p:pic>
+        <p:txBody>
+          <a:bodyPr lIns="90000" tIns="45000" rIns="90000" bIns="45000"/>
+          <a:lstStyle/>
+          <a:p>
+            <a:pPr marL="285750" indent="-285750">
+              <a:buFontTx/>
+              <a:buChar char="-"/>
+            </a:pPr>
+            <a:r>
+              <a:rPr lang="pt-BR" sz="1800" b="0" strike="noStrike" spc="-1" dirty="0">
+                <a:solidFill>
+                  <a:srgbClr val="000000"/>
+                </a:solidFill>
+                <a:uFill>
+                  <a:solidFill>
+                    <a:srgbClr val="FFFFFF"/>
+                  </a:solidFill>
+                </a:uFill>
+                <a:latin typeface="Arial"/>
+              </a:rPr>
+              <a:t>Pré-processamento da palavra:</a:t>
+            </a:r>
+          </a:p>
+          <a:p>
+            <a:endParaRPr lang="pt-BR" sz="1800" b="0" strike="noStrike" spc="-1" dirty="0">
+              <a:solidFill>
+                <a:srgbClr val="000000"/>
+              </a:solidFill>
+              <a:uFill>
+                <a:solidFill>
+                  <a:srgbClr val="FFFFFF"/>
+                </a:solidFill>
+              </a:uFill>
+              <a:latin typeface="Arial"/>
+            </a:endParaRPr>
+          </a:p>
+          <a:p>
+            <a:endParaRPr lang="pt-BR" sz="1800" b="0" strike="noStrike" spc="-1" dirty="0">
+              <a:solidFill>
+                <a:srgbClr val="000000"/>
+              </a:solidFill>
+              <a:uFill>
+                <a:solidFill>
+                  <a:srgbClr val="FFFFFF"/>
+                </a:solidFill>
+              </a:uFill>
+              <a:latin typeface="Arial"/>
+            </a:endParaRPr>
+          </a:p>
+        </p:txBody>
+      </p:sp>
+      <p:graphicFrame>
+        <p:nvGraphicFramePr>
+          <p:cNvPr id="2" name="Tabela 1">
+            <a:extLst>
+              <a:ext uri="{FF2B5EF4-FFF2-40B4-BE49-F238E27FC236}">
+                <a16:creationId xmlns:a16="http://schemas.microsoft.com/office/drawing/2014/main" id="{DFD4F9D7-39E8-4903-BDDC-71867185EDDA}"/>
+              </a:ext>
+            </a:extLst>
+          </p:cNvPr>
+          <p:cNvGraphicFramePr>
+            <a:graphicFrameLocks noGrp="1"/>
+          </p:cNvGraphicFramePr>
+          <p:nvPr>
+            <p:extLst>
+              <p:ext uri="{D42A27DB-BD31-4B8C-83A1-F6EECF244321}">
+                <p14:modId xmlns:p14="http://schemas.microsoft.com/office/powerpoint/2010/main" val="4022517458"/>
+              </p:ext>
+            </p:extLst>
+          </p:nvPr>
+        </p:nvGraphicFramePr>
+        <p:xfrm>
+          <a:off x="2254420" y="2269700"/>
+          <a:ext cx="6096000" cy="741680"/>
+        </p:xfrm>
+        <a:graphic>
+          <a:graphicData uri="http://schemas.openxmlformats.org/drawingml/2006/table">
+            <a:tbl>
+              <a:tblPr firstRow="1" bandRow="1">
+                <a:tableStyleId>{5C22544A-7EE6-4342-B048-85BDC9FD1C3A}</a:tableStyleId>
+              </a:tblPr>
+              <a:tblGrid>
+                <a:gridCol w="1524000">
+                  <a:extLst>
+                    <a:ext uri="{9D8B030D-6E8A-4147-A177-3AD203B41FA5}">
+                      <a16:colId xmlns:a16="http://schemas.microsoft.com/office/drawing/2014/main" val="2487529331"/>
+                    </a:ext>
+                  </a:extLst>
+                </a:gridCol>
+                <a:gridCol w="1524000">
+                  <a:extLst>
+                    <a:ext uri="{9D8B030D-6E8A-4147-A177-3AD203B41FA5}">
+                      <a16:colId xmlns:a16="http://schemas.microsoft.com/office/drawing/2014/main" val="2869260063"/>
+                    </a:ext>
+                  </a:extLst>
+                </a:gridCol>
+                <a:gridCol w="1524000">
+                  <a:extLst>
+                    <a:ext uri="{9D8B030D-6E8A-4147-A177-3AD203B41FA5}">
+                      <a16:colId xmlns:a16="http://schemas.microsoft.com/office/drawing/2014/main" val="333191759"/>
+                    </a:ext>
+                  </a:extLst>
+                </a:gridCol>
+                <a:gridCol w="1524000">
+                  <a:extLst>
+                    <a:ext uri="{9D8B030D-6E8A-4147-A177-3AD203B41FA5}">
+                      <a16:colId xmlns:a16="http://schemas.microsoft.com/office/drawing/2014/main" val="1904566182"/>
+                    </a:ext>
+                  </a:extLst>
+                </a:gridCol>
+              </a:tblGrid>
+              <a:tr h="370840">
+                <a:tc>
+                  <a:txBody>
+                    <a:bodyPr/>
+                    <a:lstStyle/>
+                    <a:p>
+                      <a:r>
+                        <a:rPr lang="pt-BR" dirty="0">
+                          <a:solidFill>
+                            <a:schemeClr val="tx1"/>
+                          </a:solidFill>
+                        </a:rPr>
+                        <a:t>a</a:t>
+                      </a:r>
+                    </a:p>
+                  </a:txBody>
+                  <a:tcPr/>
+                </a:tc>
+                <a:tc>
+                  <a:txBody>
+                    <a:bodyPr/>
+                    <a:lstStyle/>
+                    <a:p>
+                      <a:r>
+                        <a:rPr lang="pt-BR" dirty="0">
+                          <a:solidFill>
+                            <a:schemeClr val="tx1"/>
+                          </a:solidFill>
+                        </a:rPr>
+                        <a:t>b</a:t>
+                      </a:r>
+                    </a:p>
+                  </a:txBody>
+                  <a:tcPr/>
+                </a:tc>
+                <a:tc>
+                  <a:txBody>
+                    <a:bodyPr/>
+                    <a:lstStyle/>
+                    <a:p>
+                      <a:r>
+                        <a:rPr lang="pt-BR" dirty="0">
+                          <a:solidFill>
+                            <a:schemeClr val="tx1"/>
+                          </a:solidFill>
+                        </a:rPr>
+                        <a:t>c</a:t>
+                      </a:r>
+                    </a:p>
+                  </a:txBody>
+                  <a:tcPr/>
+                </a:tc>
+                <a:tc>
+                  <a:txBody>
+                    <a:bodyPr/>
+                    <a:lstStyle/>
+                    <a:p>
+                      <a:r>
+                        <a:rPr lang="pt-BR" dirty="0">
+                          <a:solidFill>
+                            <a:schemeClr val="tx1"/>
+                          </a:solidFill>
+                        </a:rPr>
+                        <a:t>d</a:t>
+                      </a:r>
+                    </a:p>
+                  </a:txBody>
+                  <a:tcPr/>
+                </a:tc>
+                <a:extLst>
+                  <a:ext uri="{0D108BD9-81ED-4DB2-BD59-A6C34878D82A}">
+                    <a16:rowId xmlns:a16="http://schemas.microsoft.com/office/drawing/2014/main" val="1546058979"/>
+                  </a:ext>
+                </a:extLst>
+              </a:tr>
+              <a:tr h="370840">
+                <a:tc>
+                  <a:txBody>
+                    <a:bodyPr/>
+                    <a:lstStyle/>
+                    <a:p>
+                      <a:r>
+                        <a:rPr lang="pt-BR" dirty="0"/>
+                        <a:t>3</a:t>
+                      </a:r>
+                    </a:p>
+                  </a:txBody>
+                  <a:tcPr/>
+                </a:tc>
+                <a:tc>
+                  <a:txBody>
+                    <a:bodyPr/>
+                    <a:lstStyle/>
+                    <a:p>
+                      <a:r>
+                        <a:rPr lang="pt-BR" dirty="0"/>
+                        <a:t>2</a:t>
+                      </a:r>
+                    </a:p>
+                  </a:txBody>
+                  <a:tcPr/>
+                </a:tc>
+                <a:tc>
+                  <a:txBody>
+                    <a:bodyPr/>
+                    <a:lstStyle/>
+                    <a:p>
+                      <a:r>
+                        <a:rPr lang="pt-BR" dirty="0"/>
+                        <a:t>4</a:t>
+                      </a:r>
+                    </a:p>
+                  </a:txBody>
+                  <a:tcPr/>
+                </a:tc>
+                <a:tc>
+                  <a:txBody>
+                    <a:bodyPr/>
+                    <a:lstStyle/>
+                    <a:p>
+                      <a:r>
+                        <a:rPr lang="pt-BR" dirty="0"/>
+                        <a:t>-1</a:t>
+                      </a:r>
+                    </a:p>
+                  </a:txBody>
+                  <a:tcPr/>
+                </a:tc>
+                <a:extLst>
+                  <a:ext uri="{0D108BD9-81ED-4DB2-BD59-A6C34878D82A}">
+                    <a16:rowId xmlns:a16="http://schemas.microsoft.com/office/drawing/2014/main" val="129382698"/>
+                  </a:ext>
+                </a:extLst>
+              </a:tr>
+            </a:tbl>
+          </a:graphicData>
+        </a:graphic>
+      </p:graphicFrame>
+      <mc:AlternateContent xmlns:mc="http://schemas.openxmlformats.org/markup-compatibility/2006" xmlns:a14="http://schemas.microsoft.com/office/drawing/2010/main">
+        <mc:Choice Requires="a14">
+          <p:sp>
+            <p:nvSpPr>
+              <p:cNvPr id="3" name="CaixaDeTexto 2">
+                <a:extLst>
+                  <a:ext uri="{FF2B5EF4-FFF2-40B4-BE49-F238E27FC236}">
+                    <a16:creationId xmlns:a16="http://schemas.microsoft.com/office/drawing/2014/main" id="{6F080448-3806-48B3-9411-2CB4688464CB}"/>
+                  </a:ext>
+                </a:extLst>
+              </p:cNvPr>
+              <p:cNvSpPr txBox="1"/>
+              <p:nvPr/>
+            </p:nvSpPr>
+            <p:spPr>
+              <a:xfrm>
+                <a:off x="46124" y="2249102"/>
+                <a:ext cx="1998823" cy="369332"/>
+              </a:xfrm>
+              <a:prstGeom prst="rect">
+                <a:avLst/>
+              </a:prstGeom>
+              <a:noFill/>
+            </p:spPr>
+            <p:txBody>
+              <a:bodyPr wrap="square" rtlCol="0">
+                <a:spAutoFit/>
+              </a:bodyPr>
+              <a:lstStyle/>
+              <a:p>
+                <a14:m>
+                  <m:oMath xmlns:m="http://schemas.openxmlformats.org/officeDocument/2006/math">
+                    <m:r>
+                      <a:rPr lang="pt-BR" i="1" smtClean="0">
+                        <a:latin typeface="Cambria Math" panose="02040503050406030204" pitchFamily="18" charset="0"/>
+                      </a:rPr>
+                      <m:t>∑</m:t>
+                    </m:r>
+                  </m:oMath>
+                </a14:m>
+                <a:r>
+                  <a:rPr lang="pt-BR" dirty="0"/>
+                  <a:t>( vetor alfabeto)</a:t>
+                </a:r>
+              </a:p>
+            </p:txBody>
+          </p:sp>
+        </mc:Choice>
+        <mc:Fallback xmlns="">
+          <p:sp>
+            <p:nvSpPr>
+              <p:cNvPr id="3" name="CaixaDeTexto 2">
+                <a:extLst>
+                  <a:ext uri="{FF2B5EF4-FFF2-40B4-BE49-F238E27FC236}">
+                    <a16:creationId xmlns:a16="http://schemas.microsoft.com/office/drawing/2014/main" id="{6F080448-3806-48B3-9411-2CB4688464CB}"/>
+                  </a:ext>
+                </a:extLst>
+              </p:cNvPr>
+              <p:cNvSpPr txBox="1">
+                <a:spLocks noRot="1" noChangeAspect="1" noMove="1" noResize="1" noEditPoints="1" noAdjustHandles="1" noChangeArrowheads="1" noChangeShapeType="1" noTextEdit="1"/>
+              </p:cNvSpPr>
+              <p:nvPr/>
+            </p:nvSpPr>
+            <p:spPr>
+              <a:xfrm>
+                <a:off x="46124" y="2249102"/>
+                <a:ext cx="1998823" cy="369332"/>
+              </a:xfrm>
+              <a:prstGeom prst="rect">
+                <a:avLst/>
+              </a:prstGeom>
+              <a:blipFill>
+                <a:blip r:embed="rId3"/>
+                <a:stretch>
+                  <a:fillRect l="-917" t="-9836" r="-917" b="-24590"/>
+                </a:stretch>
+              </a:blipFill>
+            </p:spPr>
+            <p:txBody>
+              <a:bodyPr/>
+              <a:lstStyle/>
+              <a:p>
+                <a:r>
+                  <a:rPr lang="pt-BR">
+                    <a:noFill/>
+                  </a:rPr>
+                  <a:t> </a:t>
+                </a:r>
+              </a:p>
+            </p:txBody>
+          </p:sp>
+        </mc:Fallback>
+      </mc:AlternateContent>
+      <p:sp>
+        <p:nvSpPr>
+          <p:cNvPr id="4" name="CaixaDeTexto 3">
+            <a:extLst>
+              <a:ext uri="{FF2B5EF4-FFF2-40B4-BE49-F238E27FC236}">
+                <a16:creationId xmlns:a16="http://schemas.microsoft.com/office/drawing/2014/main" id="{7BD64892-43A5-4C20-BBA1-6C95103B7AA7}"/>
+              </a:ext>
+            </a:extLst>
+          </p:cNvPr>
+          <p:cNvSpPr txBox="1"/>
+          <p:nvPr/>
+        </p:nvSpPr>
+        <p:spPr>
+          <a:xfrm>
+            <a:off x="404737" y="2619942"/>
+            <a:ext cx="887807" cy="369332"/>
+          </a:xfrm>
+          <a:prstGeom prst="rect">
+            <a:avLst/>
+          </a:prstGeom>
+          <a:noFill/>
+        </p:spPr>
+        <p:txBody>
+          <a:bodyPr wrap="none" rtlCol="0">
+            <a:spAutoFit/>
+          </a:bodyPr>
+          <a:lstStyle/>
+          <a:p>
+            <a:r>
+              <a:rPr lang="pt-BR" dirty="0"/>
+              <a:t>L       =</a:t>
+            </a:r>
+          </a:p>
+        </p:txBody>
+      </p:sp>
+      <mc:AlternateContent xmlns:mc="http://schemas.openxmlformats.org/markup-compatibility/2006" xmlns:a14="http://schemas.microsoft.com/office/drawing/2010/main">
+        <mc:Choice Requires="a14">
+          <p:sp>
+            <p:nvSpPr>
+              <p:cNvPr id="6" name="CaixaDeTexto 5">
+                <a:extLst>
+                  <a:ext uri="{FF2B5EF4-FFF2-40B4-BE49-F238E27FC236}">
+                    <a16:creationId xmlns:a16="http://schemas.microsoft.com/office/drawing/2014/main" id="{CFA9A9C4-DA5D-4515-9DBA-5E9ABA6792E9}"/>
+                  </a:ext>
+                </a:extLst>
+              </p:cNvPr>
+              <p:cNvSpPr txBox="1"/>
+              <p:nvPr/>
+            </p:nvSpPr>
+            <p:spPr>
+              <a:xfrm>
+                <a:off x="404737" y="3775166"/>
+                <a:ext cx="8071440" cy="1754326"/>
+              </a:xfrm>
+              <a:prstGeom prst="rect">
+                <a:avLst/>
+              </a:prstGeom>
+              <a:noFill/>
+            </p:spPr>
+            <p:txBody>
+              <a:bodyPr wrap="none" rtlCol="0">
+                <a:spAutoFit/>
+              </a:bodyPr>
+              <a:lstStyle/>
+              <a:p>
+                <a14:m>
+                  <m:oMath xmlns:m="http://schemas.openxmlformats.org/officeDocument/2006/math">
+                    <m:r>
+                      <a:rPr lang="pt-BR" i="1" smtClean="0">
+                        <a:latin typeface="Cambria Math" panose="02040503050406030204" pitchFamily="18" charset="0"/>
+                      </a:rPr>
+                      <m:t>∑</m:t>
+                    </m:r>
+                  </m:oMath>
+                </a14:m>
+                <a:r>
+                  <a:rPr lang="pt-BR" dirty="0"/>
+                  <a:t>: O alfabeto que aparecerá tanto no padrão, como no Texto.</a:t>
+                </a:r>
+              </a:p>
+              <a:p>
+                <a:endParaRPr lang="pt-BR" dirty="0"/>
+              </a:p>
+              <a:p>
+                <a:r>
+                  <a:rPr lang="pt-BR" dirty="0"/>
+                  <a:t>Em L, ficam os números que representam a posição mais à direita no padrão</a:t>
+                </a:r>
+              </a:p>
+              <a:p>
+                <a:r>
+                  <a:rPr lang="pt-BR" dirty="0"/>
+                  <a:t>Em que aparece a letra do alfabeto. Cada letra tem um índice.</a:t>
+                </a:r>
+              </a:p>
+              <a:p>
+                <a:endParaRPr lang="pt-BR" dirty="0"/>
+              </a:p>
+              <a:p>
+                <a:r>
+                  <a:rPr lang="pt-BR" dirty="0"/>
+                  <a:t>A letra que não ocorrer no padrão, receberá um -1.</a:t>
+                </a:r>
+              </a:p>
+            </p:txBody>
+          </p:sp>
+        </mc:Choice>
+        <mc:Fallback xmlns="">
+          <p:sp>
+            <p:nvSpPr>
+              <p:cNvPr id="6" name="CaixaDeTexto 5">
+                <a:extLst>
+                  <a:ext uri="{FF2B5EF4-FFF2-40B4-BE49-F238E27FC236}">
+                    <a16:creationId xmlns:a16="http://schemas.microsoft.com/office/drawing/2014/main" id="{CFA9A9C4-DA5D-4515-9DBA-5E9ABA6792E9}"/>
+                  </a:ext>
+                </a:extLst>
+              </p:cNvPr>
+              <p:cNvSpPr txBox="1">
+                <a:spLocks noRot="1" noChangeAspect="1" noMove="1" noResize="1" noEditPoints="1" noAdjustHandles="1" noChangeArrowheads="1" noChangeShapeType="1" noTextEdit="1"/>
+              </p:cNvSpPr>
+              <p:nvPr/>
+            </p:nvSpPr>
+            <p:spPr>
+              <a:xfrm>
+                <a:off x="404737" y="3775166"/>
+                <a:ext cx="8071440" cy="1754326"/>
+              </a:xfrm>
+              <a:prstGeom prst="rect">
+                <a:avLst/>
+              </a:prstGeom>
+              <a:blipFill>
+                <a:blip r:embed="rId4"/>
+                <a:stretch>
+                  <a:fillRect l="-604" t="-1736" b="-4514"/>
+                </a:stretch>
+              </a:blipFill>
+            </p:spPr>
+            <p:txBody>
+              <a:bodyPr/>
+              <a:lstStyle/>
+              <a:p>
+                <a:r>
+                  <a:rPr lang="pt-BR">
+                    <a:noFill/>
+                  </a:rPr>
+                  <a:t> </a:t>
+                </a:r>
+              </a:p>
+            </p:txBody>
+          </p:sp>
+        </mc:Fallback>
+      </mc:AlternateContent>
     </p:spTree>
+    <p:extLst>
+      <p:ext uri="{BB962C8B-B14F-4D97-AF65-F5344CB8AC3E}">
+        <p14:creationId xmlns:p14="http://schemas.microsoft.com/office/powerpoint/2010/main" val="956860929"/>
+      </p:ext>
+    </p:extLst>
   </p:cSld>
+  <p:clrMapOvr>
+    <a:masterClrMapping/>
+  </p:clrMapOvr>
   <p:timing>
     <p:tnLst>
       <p:par>
-        <p:cTn id="3" dur="indefinite" restart="never" nodeType="tmRoot">
+        <p:cTn id="1" dur="indefinite" restart="never" nodeType="tmRoot">
           <p:childTnLst>
             <p:seq>
-              <p:cTn id="4" nodeType="mainSeq"/>
+              <p:cTn id="2" nodeType="mainSeq"/>
               <p:prevCondLst>
-                <p:cond delay="0" evt="onPrev">
+                <p:cond evt="onPrev" delay="0">
                   <p:tgtEl>
                     <p:sldTgt/>
                   </p:tgtEl>
                 </p:cond>
               </p:prevCondLst>
               <p:nextCondLst>
-                <p:cond delay="0" evt="onNext">
+                <p:cond evt="onNext" delay="0">
                   <p:tgtEl>
                     <p:sldTgt/>
                   </p:tgtEl>
@@ -2620,15 +3534,16 @@
 </p:sld>
 </file>
 
-<file path=ppt/slides/slide3.xml><?xml version="1.0" encoding="utf-8"?>
-<p:sld xmlns:a="http://schemas.openxmlformats.org/drawingml/2006/main" xmlns:p="http://schemas.openxmlformats.org/presentationml/2006/main" xmlns:r="http://schemas.openxmlformats.org/officeDocument/2006/relationships" xmlns:p14="http://schemas.microsoft.com/office/powerpoint/2010/main" xmlns:p15="http://schemas.microsoft.com/office/powerpoint/2012/main" xmlns:mc="http://schemas.openxmlformats.org/markup-compatibility/2006">
+<file path=ppt/slides/slide11.xml><?xml version="1.0" encoding="utf-8"?>
+<p:sld xmlns:a="http://schemas.openxmlformats.org/drawingml/2006/main" xmlns:r="http://schemas.openxmlformats.org/officeDocument/2006/relationships" xmlns:p="http://schemas.openxmlformats.org/presentationml/2006/main">
   <p:cSld>
     <p:bg>
       <p:bgPr>
         <a:blipFill>
-          <a:blip r:embed="rId1"/>
+          <a:blip r:embed="rId2"/>
           <a:tile/>
         </a:blipFill>
+        <a:effectLst/>
       </p:bgPr>
     </p:bg>
     <p:spTree>
@@ -2647,14 +3562,14 @@
       </p:grpSpPr>
       <p:sp>
         <p:nvSpPr>
-          <p:cNvPr id="46" name="TextShape 1"/>
+          <p:cNvPr id="51" name="TextShape 1"/>
           <p:cNvSpPr txBox="1"/>
           <p:nvPr/>
         </p:nvSpPr>
         <p:spPr>
           <a:xfrm>
-            <a:off x="1371600" y="3886200"/>
-            <a:ext cx="6400440" cy="1752120"/>
+            <a:off x="936000" y="864000"/>
+            <a:ext cx="2813040" cy="343440"/>
           </a:xfrm>
           <a:prstGeom prst="rect">
             <a:avLst/>
@@ -2665,16 +3580,88 @@
           </a:ln>
         </p:spPr>
         <p:txBody>
-          <a:bodyPr/>
-          <a:p>
-            <a:pPr algn="ctr"/>
-            <a:endParaRPr b="0" lang="pt-BR" sz="3200" spc="-1" strike="noStrike">
+          <a:bodyPr lIns="90000" tIns="45000" rIns="90000" bIns="45000"/>
+          <a:lstStyle/>
+          <a:p>
+            <a:r>
+              <a:rPr lang="pt-BR" sz="1800" b="0" strike="noStrike" spc="-1" dirty="0">
+                <a:solidFill>
+                  <a:srgbClr val="000000"/>
+                </a:solidFill>
+                <a:uFill>
+                  <a:solidFill>
+                    <a:srgbClr val="FFFFFF"/>
+                  </a:solidFill>
+                </a:uFill>
+                <a:latin typeface="Arial"/>
+              </a:rPr>
+              <a:t>Boyer Moore (algoritmo):</a:t>
+            </a:r>
+          </a:p>
+        </p:txBody>
+      </p:sp>
+      <p:sp>
+        <p:nvSpPr>
+          <p:cNvPr id="52" name="TextShape 2"/>
+          <p:cNvSpPr txBox="1"/>
+          <p:nvPr/>
+        </p:nvSpPr>
+        <p:spPr>
+          <a:xfrm>
+            <a:off x="1007999" y="1440000"/>
+            <a:ext cx="7535109" cy="849600"/>
+          </a:xfrm>
+          <a:prstGeom prst="rect">
+            <a:avLst/>
+          </a:prstGeom>
+          <a:noFill/>
+          <a:ln>
+            <a:noFill/>
+          </a:ln>
+        </p:spPr>
+        <p:txBody>
+          <a:bodyPr lIns="90000" tIns="45000" rIns="90000" bIns="45000"/>
+          <a:lstStyle/>
+          <a:p>
+            <a:r>
+              <a:rPr lang="pt-BR" sz="1800" b="0" strike="noStrike" spc="-1" dirty="0">
+                <a:solidFill>
+                  <a:srgbClr val="000000"/>
+                </a:solidFill>
+                <a:uFill>
+                  <a:solidFill>
+                    <a:srgbClr val="FFFFFF"/>
+                  </a:solidFill>
+                </a:uFill>
+                <a:latin typeface="Arial"/>
+              </a:rPr>
+              <a:t>- Faz a varredura dos caracteres do padrão e do texto da direita para a</a:t>
+            </a:r>
+          </a:p>
+          <a:p>
+            <a:r>
+              <a:rPr lang="pt-BR" sz="1800" b="0" strike="noStrike" spc="-1" dirty="0">
+                <a:solidFill>
+                  <a:srgbClr val="000000"/>
+                </a:solidFill>
+                <a:uFill>
+                  <a:solidFill>
+                    <a:srgbClr val="FFFFFF"/>
+                  </a:solidFill>
+                </a:uFill>
+                <a:latin typeface="Arial"/>
+              </a:rPr>
+              <a:t>  esquerda(“trás pra frente”):</a:t>
+            </a:r>
+          </a:p>
+          <a:p>
+            <a:endParaRPr lang="pt-BR" sz="1800" b="0" strike="noStrike" spc="-1" dirty="0">
               <a:solidFill>
                 <a:srgbClr val="000000"/>
               </a:solidFill>
               <a:uFill>
                 <a:solidFill>
-                  <a:srgbClr val="ffffff"/>
+                  <a:srgbClr val="FFFFFF"/>
                 </a:solidFill>
               </a:uFill>
               <a:latin typeface="Arial"/>
@@ -2682,47 +3669,427 @@
           </a:p>
         </p:txBody>
       </p:sp>
-      <p:pic>
-        <p:nvPicPr>
-          <p:cNvPr id="47" name="" descr=""/>
-          <p:cNvPicPr/>
+      <p:sp>
+        <p:nvSpPr>
+          <p:cNvPr id="53" name="TextShape 3"/>
+          <p:cNvSpPr txBox="1"/>
           <p:nvPr/>
-        </p:nvPicPr>
-        <p:blipFill>
-          <a:blip r:embed="rId2"/>
-          <a:stretch/>
-        </p:blipFill>
-        <p:spPr>
-          <a:xfrm>
-            <a:off x="1277280" y="279720"/>
-            <a:ext cx="6676920" cy="6343560"/>
-          </a:xfrm>
-          <a:prstGeom prst="rect">
-            <a:avLst/>
-          </a:prstGeom>
+        </p:nvSpPr>
+        <p:spPr>
+          <a:xfrm>
+            <a:off x="317880" y="2173161"/>
+            <a:ext cx="6738120" cy="1102680"/>
+          </a:xfrm>
+          <a:prstGeom prst="rect">
+            <a:avLst/>
+          </a:prstGeom>
+          <a:noFill/>
           <a:ln>
             <a:noFill/>
           </a:ln>
         </p:spPr>
-      </p:pic>
+        <p:txBody>
+          <a:bodyPr lIns="90000" tIns="45000" rIns="90000" bIns="45000"/>
+          <a:lstStyle/>
+          <a:p>
+            <a:r>
+              <a:rPr lang="pt-BR" sz="1800" b="0" strike="noStrike" spc="-1" dirty="0" err="1">
+                <a:solidFill>
+                  <a:srgbClr val="000000"/>
+                </a:solidFill>
+                <a:uFill>
+                  <a:solidFill>
+                    <a:srgbClr val="FFFFFF"/>
+                  </a:solidFill>
+                </a:uFill>
+                <a:latin typeface="Arial"/>
+              </a:rPr>
+              <a:t>Ex</a:t>
+            </a:r>
+            <a:r>
+              <a:rPr lang="pt-BR" sz="1800" b="0" strike="noStrike" spc="-1" dirty="0">
+                <a:solidFill>
+                  <a:srgbClr val="000000"/>
+                </a:solidFill>
+                <a:uFill>
+                  <a:solidFill>
+                    <a:srgbClr val="FFFFFF"/>
+                  </a:solidFill>
+                </a:uFill>
+                <a:latin typeface="Arial"/>
+              </a:rPr>
+              <a:t>:</a:t>
+            </a:r>
+          </a:p>
+          <a:p>
+            <a:endParaRPr lang="pt-BR" sz="1800" b="0" strike="noStrike" spc="-1" dirty="0">
+              <a:solidFill>
+                <a:srgbClr val="000000"/>
+              </a:solidFill>
+              <a:uFill>
+                <a:solidFill>
+                  <a:srgbClr val="FFFFFF"/>
+                </a:solidFill>
+              </a:uFill>
+              <a:latin typeface="Arial"/>
+            </a:endParaRPr>
+          </a:p>
+          <a:p>
+            <a:r>
+              <a:rPr lang="pt-BR" sz="1800" b="0" strike="noStrike" spc="-1" dirty="0" err="1">
+                <a:solidFill>
+                  <a:srgbClr val="000000"/>
+                </a:solidFill>
+                <a:uFill>
+                  <a:solidFill>
+                    <a:srgbClr val="FFFFFF"/>
+                  </a:solidFill>
+                </a:uFill>
+                <a:latin typeface="Arial"/>
+              </a:rPr>
+              <a:t>Padrao</a:t>
+            </a:r>
+            <a:r>
+              <a:rPr lang="pt-BR" sz="1800" b="0" strike="noStrike" spc="-1" dirty="0">
+                <a:solidFill>
+                  <a:srgbClr val="000000"/>
+                </a:solidFill>
+                <a:uFill>
+                  <a:solidFill>
+                    <a:srgbClr val="FFFFFF"/>
+                  </a:solidFill>
+                </a:uFill>
+                <a:latin typeface="Arial"/>
+              </a:rPr>
+              <a:t> = a, a, b, a, c</a:t>
+            </a:r>
+          </a:p>
+          <a:p>
+            <a:r>
+              <a:rPr lang="pt-BR" sz="1800" b="0" strike="noStrike" spc="-1" dirty="0">
+                <a:solidFill>
+                  <a:srgbClr val="000000"/>
+                </a:solidFill>
+                <a:uFill>
+                  <a:solidFill>
+                    <a:srgbClr val="FFFFFF"/>
+                  </a:solidFill>
+                </a:uFill>
+                <a:latin typeface="Arial"/>
+              </a:rPr>
+              <a:t>Texto = a, a, b, d, c, a, a, c, a, a, b, c, c, b, b, a, a, b, a, a, b, c, c</a:t>
+            </a:r>
+          </a:p>
+        </p:txBody>
+      </p:sp>
+      <p:sp>
+        <p:nvSpPr>
+          <p:cNvPr id="56" name="Line 4"/>
+          <p:cNvSpPr/>
+          <p:nvPr/>
+        </p:nvSpPr>
+        <p:spPr>
+          <a:xfrm flipV="1">
+            <a:off x="1745029" y="4193322"/>
+            <a:ext cx="0" cy="265680"/>
+          </a:xfrm>
+          <a:prstGeom prst="line">
+            <a:avLst/>
+          </a:prstGeom>
+          <a:ln>
+            <a:solidFill>
+              <a:srgbClr val="7FFF00"/>
+            </a:solidFill>
+            <a:headEnd type="triangle" w="med" len="med"/>
+            <a:tailEnd type="triangle" w="med" len="med"/>
+          </a:ln>
+        </p:spPr>
+        <p:style>
+          <a:lnRef idx="0">
+            <a:scrgbClr r="0" g="0" b="0"/>
+          </a:lnRef>
+          <a:fillRef idx="0">
+            <a:scrgbClr r="0" g="0" b="0"/>
+          </a:fillRef>
+          <a:effectRef idx="0">
+            <a:scrgbClr r="0" g="0" b="0"/>
+          </a:effectRef>
+          <a:fontRef idx="minor"/>
+        </p:style>
+      </p:sp>
+      <p:sp>
+        <p:nvSpPr>
+          <p:cNvPr id="57" name="Line 5"/>
+          <p:cNvSpPr/>
+          <p:nvPr/>
+        </p:nvSpPr>
+        <p:spPr>
+          <a:xfrm flipV="1">
+            <a:off x="1457029" y="4193322"/>
+            <a:ext cx="0" cy="265680"/>
+          </a:xfrm>
+          <a:prstGeom prst="line">
+            <a:avLst/>
+          </a:prstGeom>
+          <a:ln>
+            <a:solidFill>
+              <a:srgbClr val="FF0000"/>
+            </a:solidFill>
+            <a:headEnd type="triangle" w="med" len="med"/>
+            <a:tailEnd type="triangle" w="med" len="med"/>
+          </a:ln>
+        </p:spPr>
+        <p:style>
+          <a:lnRef idx="0">
+            <a:scrgbClr r="0" g="0" b="0"/>
+          </a:lnRef>
+          <a:fillRef idx="0">
+            <a:scrgbClr r="0" g="0" b="0"/>
+          </a:fillRef>
+          <a:effectRef idx="0">
+            <a:scrgbClr r="0" g="0" b="0"/>
+          </a:effectRef>
+          <a:fontRef idx="minor"/>
+        </p:style>
+      </p:sp>
+      <p:sp>
+        <p:nvSpPr>
+          <p:cNvPr id="59" name="Line 6"/>
+          <p:cNvSpPr/>
+          <p:nvPr/>
+        </p:nvSpPr>
+        <p:spPr>
+          <a:xfrm flipV="1">
+            <a:off x="2672800" y="5292000"/>
+            <a:ext cx="0" cy="265680"/>
+          </a:xfrm>
+          <a:prstGeom prst="line">
+            <a:avLst/>
+          </a:prstGeom>
+          <a:ln>
+            <a:solidFill>
+              <a:srgbClr val="FF0000"/>
+            </a:solidFill>
+            <a:headEnd type="triangle" w="med" len="med"/>
+            <a:tailEnd type="triangle" w="med" len="med"/>
+          </a:ln>
+        </p:spPr>
+        <p:style>
+          <a:lnRef idx="0">
+            <a:scrgbClr r="0" g="0" b="0"/>
+          </a:lnRef>
+          <a:fillRef idx="0">
+            <a:scrgbClr r="0" g="0" b="0"/>
+          </a:fillRef>
+          <a:effectRef idx="0">
+            <a:scrgbClr r="0" g="0" b="0"/>
+          </a:effectRef>
+          <a:fontRef idx="minor"/>
+        </p:style>
+      </p:sp>
+      <p:sp>
+        <p:nvSpPr>
+          <p:cNvPr id="15" name="CaixaDeTexto 14">
+            <a:extLst>
+              <a:ext uri="{FF2B5EF4-FFF2-40B4-BE49-F238E27FC236}">
+                <a16:creationId xmlns:a16="http://schemas.microsoft.com/office/drawing/2014/main" id="{A9E434F0-9E48-422E-BBA7-EBD7CD14F2FB}"/>
+              </a:ext>
+            </a:extLst>
+          </p:cNvPr>
+          <p:cNvSpPr txBox="1"/>
+          <p:nvPr/>
+        </p:nvSpPr>
+        <p:spPr>
+          <a:xfrm>
+            <a:off x="1505842" y="5526678"/>
+            <a:ext cx="1334521" cy="369332"/>
+          </a:xfrm>
+          <a:prstGeom prst="rect">
+            <a:avLst/>
+          </a:prstGeom>
+          <a:noFill/>
+        </p:spPr>
+        <p:txBody>
+          <a:bodyPr wrap="square" rtlCol="0">
+            <a:spAutoFit/>
+          </a:bodyPr>
+          <a:lstStyle/>
+          <a:p>
+            <a:pPr algn="r"/>
+            <a:r>
+              <a:rPr lang="pt-BR" spc="-1" dirty="0">
+                <a:solidFill>
+                  <a:srgbClr val="000000"/>
+                </a:solidFill>
+                <a:uFill>
+                  <a:solidFill>
+                    <a:srgbClr val="FFFFFF"/>
+                  </a:solidFill>
+                </a:uFill>
+              </a:rPr>
+              <a:t>a, a, b, a, c</a:t>
+            </a:r>
+          </a:p>
+        </p:txBody>
+      </p:sp>
+      <p:sp>
+        <p:nvSpPr>
+          <p:cNvPr id="16" name="CaixaDeTexto 15">
+            <a:extLst>
+              <a:ext uri="{FF2B5EF4-FFF2-40B4-BE49-F238E27FC236}">
+                <a16:creationId xmlns:a16="http://schemas.microsoft.com/office/drawing/2014/main" id="{A8985E49-6565-402F-A92D-6F1AEBB42C17}"/>
+              </a:ext>
+            </a:extLst>
+          </p:cNvPr>
+          <p:cNvSpPr txBox="1"/>
+          <p:nvPr/>
+        </p:nvSpPr>
+        <p:spPr>
+          <a:xfrm>
+            <a:off x="521029" y="3867176"/>
+            <a:ext cx="5869941" cy="369332"/>
+          </a:xfrm>
+          <a:prstGeom prst="rect">
+            <a:avLst/>
+          </a:prstGeom>
+          <a:noFill/>
+        </p:spPr>
+        <p:txBody>
+          <a:bodyPr wrap="none" rtlCol="0">
+            <a:spAutoFit/>
+          </a:bodyPr>
+          <a:lstStyle/>
+          <a:p>
+            <a:pPr algn="r"/>
+            <a:r>
+              <a:rPr lang="pt-BR" spc="-1" dirty="0">
+                <a:solidFill>
+                  <a:srgbClr val="000000"/>
+                </a:solidFill>
+                <a:uFill>
+                  <a:solidFill>
+                    <a:srgbClr val="FFFFFF"/>
+                  </a:solidFill>
+                </a:uFill>
+              </a:rPr>
+              <a:t>a, a, b, d, c, a, a, c, a, a, b, c, c, b, b, a, a, b, a, a, b, c, c</a:t>
+            </a:r>
+            <a:endParaRPr lang="pt-BR" dirty="0"/>
+          </a:p>
+        </p:txBody>
+      </p:sp>
+      <p:sp>
+        <p:nvSpPr>
+          <p:cNvPr id="17" name="CaixaDeTexto 16">
+            <a:extLst>
+              <a:ext uri="{FF2B5EF4-FFF2-40B4-BE49-F238E27FC236}">
+                <a16:creationId xmlns:a16="http://schemas.microsoft.com/office/drawing/2014/main" id="{E4AC2995-688D-49DA-B123-B1C497B13A3F}"/>
+              </a:ext>
+            </a:extLst>
+          </p:cNvPr>
+          <p:cNvSpPr txBox="1"/>
+          <p:nvPr/>
+        </p:nvSpPr>
+        <p:spPr>
+          <a:xfrm>
+            <a:off x="468719" y="4992840"/>
+            <a:ext cx="5869941" cy="369332"/>
+          </a:xfrm>
+          <a:prstGeom prst="rect">
+            <a:avLst/>
+          </a:prstGeom>
+          <a:noFill/>
+        </p:spPr>
+        <p:txBody>
+          <a:bodyPr wrap="none" rtlCol="0">
+            <a:spAutoFit/>
+          </a:bodyPr>
+          <a:lstStyle/>
+          <a:p>
+            <a:pPr algn="r"/>
+            <a:r>
+              <a:rPr lang="pt-BR" spc="-1" dirty="0">
+                <a:solidFill>
+                  <a:srgbClr val="000000"/>
+                </a:solidFill>
+                <a:uFill>
+                  <a:solidFill>
+                    <a:srgbClr val="FFFFFF"/>
+                  </a:solidFill>
+                </a:uFill>
+              </a:rPr>
+              <a:t>a, a, b, d, c, a, a, c, a, a, b, c, c, b, b, a, a, b, a, a, b, c, c</a:t>
+            </a:r>
+            <a:endParaRPr lang="pt-BR" dirty="0"/>
+          </a:p>
+        </p:txBody>
+      </p:sp>
+      <p:sp>
+        <p:nvSpPr>
+          <p:cNvPr id="18" name="CaixaDeTexto 17">
+            <a:extLst>
+              <a:ext uri="{FF2B5EF4-FFF2-40B4-BE49-F238E27FC236}">
+                <a16:creationId xmlns:a16="http://schemas.microsoft.com/office/drawing/2014/main" id="{3297964D-B097-42E1-B005-CC1BCCEA2638}"/>
+              </a:ext>
+            </a:extLst>
+          </p:cNvPr>
+          <p:cNvSpPr txBox="1"/>
+          <p:nvPr/>
+        </p:nvSpPr>
+        <p:spPr>
+          <a:xfrm>
+            <a:off x="545541" y="4503091"/>
+            <a:ext cx="1334521" cy="369332"/>
+          </a:xfrm>
+          <a:prstGeom prst="rect">
+            <a:avLst/>
+          </a:prstGeom>
+          <a:noFill/>
+        </p:spPr>
+        <p:txBody>
+          <a:bodyPr wrap="square" rtlCol="0">
+            <a:spAutoFit/>
+          </a:bodyPr>
+          <a:lstStyle/>
+          <a:p>
+            <a:pPr algn="r"/>
+            <a:r>
+              <a:rPr lang="pt-BR" spc="-1" dirty="0">
+                <a:solidFill>
+                  <a:srgbClr val="000000"/>
+                </a:solidFill>
+                <a:uFill>
+                  <a:solidFill>
+                    <a:srgbClr val="FFFFFF"/>
+                  </a:solidFill>
+                </a:uFill>
+              </a:rPr>
+              <a:t>a, a, b, a, c</a:t>
+            </a:r>
+          </a:p>
+        </p:txBody>
+      </p:sp>
     </p:spTree>
   </p:cSld>
+  <p:clrMapOvr>
+    <a:masterClrMapping/>
+  </p:clrMapOvr>
   <p:timing>
     <p:tnLst>
       <p:par>
-        <p:cTn id="5" dur="indefinite" restart="never" nodeType="tmRoot">
+        <p:cTn id="1" dur="indefinite" restart="never" nodeType="tmRoot">
           <p:childTnLst>
             <p:seq>
-              <p:cTn id="6" nodeType="mainSeq"/>
+              <p:cTn id="2" nodeType="mainSeq"/>
               <p:prevCondLst>
-                <p:cond delay="0" evt="onPrev">
+                <p:cond evt="onPrev" delay="0">
                   <p:tgtEl>
                     <p:sldTgt/>
                   </p:tgtEl>
                 </p:cond>
               </p:prevCondLst>
               <p:nextCondLst>
-                <p:cond delay="0" evt="onNext">
+                <p:cond evt="onNext" delay="0">
                   <p:tgtEl>
                     <p:sldTgt/>
                   </p:tgtEl>
@@ -2737,15 +4104,2972 @@
 </p:sld>
 </file>
 
-<file path=ppt/slides/slide4.xml><?xml version="1.0" encoding="utf-8"?>
-<p:sld xmlns:a="http://schemas.openxmlformats.org/drawingml/2006/main" xmlns:p="http://schemas.openxmlformats.org/presentationml/2006/main" xmlns:r="http://schemas.openxmlformats.org/officeDocument/2006/relationships" xmlns:p14="http://schemas.microsoft.com/office/powerpoint/2010/main" xmlns:p15="http://schemas.microsoft.com/office/powerpoint/2012/main" xmlns:mc="http://schemas.openxmlformats.org/markup-compatibility/2006">
+<file path=ppt/slides/slide12.xml><?xml version="1.0" encoding="utf-8"?>
+<p:sld xmlns:a="http://schemas.openxmlformats.org/drawingml/2006/main" xmlns:r="http://schemas.openxmlformats.org/officeDocument/2006/relationships" xmlns:p="http://schemas.openxmlformats.org/presentationml/2006/main">
   <p:cSld>
     <p:bg>
       <p:bgPr>
         <a:blipFill>
-          <a:blip r:embed="rId1"/>
+          <a:blip r:embed="rId2"/>
           <a:tile/>
         </a:blipFill>
+        <a:effectLst/>
+      </p:bgPr>
+    </p:bg>
+    <p:spTree>
+      <p:nvGrpSpPr>
+        <p:cNvPr id="1" name=""/>
+        <p:cNvGrpSpPr/>
+        <p:nvPr/>
+      </p:nvGrpSpPr>
+      <p:grpSpPr>
+        <a:xfrm>
+          <a:off x="0" y="0"/>
+          <a:ext cx="0" cy="0"/>
+          <a:chOff x="0" y="0"/>
+          <a:chExt cx="0" cy="0"/>
+        </a:xfrm>
+      </p:grpSpPr>
+      <p:sp>
+        <p:nvSpPr>
+          <p:cNvPr id="66" name="TextShape 1"/>
+          <p:cNvSpPr txBox="1"/>
+          <p:nvPr/>
+        </p:nvSpPr>
+        <p:spPr>
+          <a:xfrm>
+            <a:off x="863999" y="576000"/>
+            <a:ext cx="1800823" cy="343440"/>
+          </a:xfrm>
+          <a:prstGeom prst="rect">
+            <a:avLst/>
+          </a:prstGeom>
+          <a:noFill/>
+          <a:ln>
+            <a:noFill/>
+          </a:ln>
+        </p:spPr>
+        <p:txBody>
+          <a:bodyPr lIns="90000" tIns="45000" rIns="90000" bIns="45000"/>
+          <a:lstStyle/>
+          <a:p>
+            <a:r>
+              <a:rPr lang="pt-BR" sz="1800" b="0" strike="noStrike" spc="-1" dirty="0">
+                <a:solidFill>
+                  <a:srgbClr val="000000"/>
+                </a:solidFill>
+                <a:uFill>
+                  <a:solidFill>
+                    <a:srgbClr val="FFFFFF"/>
+                  </a:solidFill>
+                </a:uFill>
+                <a:latin typeface="Arial"/>
+              </a:rPr>
+              <a:t>Caso1:</a:t>
+            </a:r>
+          </a:p>
+        </p:txBody>
+      </p:sp>
+      <p:sp>
+        <p:nvSpPr>
+          <p:cNvPr id="67" name="TextShape 2"/>
+          <p:cNvSpPr txBox="1"/>
+          <p:nvPr/>
+        </p:nvSpPr>
+        <p:spPr>
+          <a:xfrm>
+            <a:off x="980793" y="1022811"/>
+            <a:ext cx="7588441" cy="1355760"/>
+          </a:xfrm>
+          <a:prstGeom prst="rect">
+            <a:avLst/>
+          </a:prstGeom>
+          <a:noFill/>
+          <a:ln>
+            <a:noFill/>
+          </a:ln>
+        </p:spPr>
+        <p:txBody>
+          <a:bodyPr lIns="90000" tIns="45000" rIns="90000" bIns="45000"/>
+          <a:lstStyle/>
+          <a:p>
+            <a:pPr marL="285750" indent="-285750">
+              <a:buFontTx/>
+              <a:buChar char="-"/>
+            </a:pPr>
+            <a:r>
+              <a:rPr lang="pt-BR" sz="1800" b="0" strike="noStrike" spc="-1" dirty="0">
+                <a:solidFill>
+                  <a:srgbClr val="000000"/>
+                </a:solidFill>
+                <a:uFill>
+                  <a:solidFill>
+                    <a:srgbClr val="FFFFFF"/>
+                  </a:solidFill>
+                </a:uFill>
+                <a:latin typeface="Arial"/>
+              </a:rPr>
+              <a:t>P não contém x</a:t>
+            </a:r>
+            <a:r>
+              <a:rPr lang="pt-BR" spc="-1" dirty="0">
+                <a:solidFill>
+                  <a:srgbClr val="000000"/>
+                </a:solidFill>
+                <a:uFill>
+                  <a:solidFill>
+                    <a:srgbClr val="FFFFFF"/>
+                  </a:solidFill>
+                </a:uFill>
+                <a:latin typeface="Arial"/>
+              </a:rPr>
+              <a:t>:</a:t>
+            </a:r>
+            <a:endParaRPr lang="pt-BR" sz="1800" b="0" strike="noStrike" spc="-1" dirty="0">
+              <a:solidFill>
+                <a:srgbClr val="000000"/>
+              </a:solidFill>
+              <a:uFill>
+                <a:solidFill>
+                  <a:srgbClr val="FFFFFF"/>
+                </a:solidFill>
+              </a:uFill>
+              <a:latin typeface="Arial"/>
+            </a:endParaRPr>
+          </a:p>
+          <a:p>
+            <a:endParaRPr lang="pt-BR" sz="1800" b="0" strike="noStrike" spc="-1" dirty="0">
+              <a:solidFill>
+                <a:srgbClr val="000000"/>
+              </a:solidFill>
+              <a:uFill>
+                <a:solidFill>
+                  <a:srgbClr val="FFFFFF"/>
+                </a:solidFill>
+              </a:uFill>
+              <a:latin typeface="Arial"/>
+            </a:endParaRPr>
+          </a:p>
+          <a:p>
+            <a:r>
+              <a:rPr lang="pt-BR" spc="-1" dirty="0">
+                <a:solidFill>
+                  <a:srgbClr val="000000"/>
+                </a:solidFill>
+                <a:uFill>
+                  <a:solidFill>
+                    <a:srgbClr val="FFFFFF"/>
+                  </a:solidFill>
+                </a:uFill>
+                <a:latin typeface="Arial"/>
+              </a:rPr>
+              <a:t>O algoritmo compara sempre T[ i ] com P[ j ]. Se ele encontra um valor que não existe no padrão, na próxima iteração ele irá “alinhar” P[ 0 ] com T[ i + 1];</a:t>
+            </a:r>
+            <a:endParaRPr lang="pt-BR" sz="1800" b="0" strike="noStrike" spc="-1" dirty="0">
+              <a:solidFill>
+                <a:srgbClr val="000000"/>
+              </a:solidFill>
+              <a:uFill>
+                <a:solidFill>
+                  <a:srgbClr val="FFFFFF"/>
+                </a:solidFill>
+              </a:uFill>
+              <a:latin typeface="Arial"/>
+            </a:endParaRPr>
+          </a:p>
+        </p:txBody>
+      </p:sp>
+      <p:pic>
+        <p:nvPicPr>
+          <p:cNvPr id="2" name="Imagem 1">
+            <a:extLst>
+              <a:ext uri="{FF2B5EF4-FFF2-40B4-BE49-F238E27FC236}">
+                <a16:creationId xmlns:a16="http://schemas.microsoft.com/office/drawing/2014/main" id="{42AFB2C7-3DB3-4A16-9241-56ECD26E1CB1}"/>
+              </a:ext>
+            </a:extLst>
+          </p:cNvPr>
+          <p:cNvPicPr>
+            <a:picLocks noChangeAspect="1"/>
+          </p:cNvPicPr>
+          <p:nvPr/>
+        </p:nvPicPr>
+        <p:blipFill>
+          <a:blip r:embed="rId3"/>
+          <a:stretch>
+            <a:fillRect/>
+          </a:stretch>
+        </p:blipFill>
+        <p:spPr>
+          <a:xfrm>
+            <a:off x="757646" y="2481943"/>
+            <a:ext cx="7474766" cy="2640542"/>
+          </a:xfrm>
+          <a:prstGeom prst="rect">
+            <a:avLst/>
+          </a:prstGeom>
+        </p:spPr>
+      </p:pic>
+      <p:sp>
+        <p:nvSpPr>
+          <p:cNvPr id="4" name="CaixaDeTexto 3">
+            <a:extLst>
+              <a:ext uri="{FF2B5EF4-FFF2-40B4-BE49-F238E27FC236}">
+                <a16:creationId xmlns:a16="http://schemas.microsoft.com/office/drawing/2014/main" id="{BC90359F-9A61-4145-9991-7274A314695E}"/>
+              </a:ext>
+            </a:extLst>
+          </p:cNvPr>
+          <p:cNvSpPr txBox="1"/>
+          <p:nvPr/>
+        </p:nvSpPr>
+        <p:spPr>
+          <a:xfrm>
+            <a:off x="1204686" y="5747657"/>
+            <a:ext cx="2980303" cy="369332"/>
+          </a:xfrm>
+          <a:prstGeom prst="rect">
+            <a:avLst/>
+          </a:prstGeom>
+          <a:noFill/>
+        </p:spPr>
+        <p:txBody>
+          <a:bodyPr wrap="none" rtlCol="0">
+            <a:spAutoFit/>
+          </a:bodyPr>
+          <a:lstStyle/>
+          <a:p>
+            <a:r>
+              <a:rPr lang="pt-BR" dirty="0"/>
+              <a:t>Como o algoritmo faz isso?</a:t>
+            </a:r>
+          </a:p>
+        </p:txBody>
+      </p:sp>
+    </p:spTree>
+  </p:cSld>
+  <p:clrMapOvr>
+    <a:masterClrMapping/>
+  </p:clrMapOvr>
+  <p:timing>
+    <p:tnLst>
+      <p:par>
+        <p:cTn id="1" dur="indefinite" restart="never" nodeType="tmRoot">
+          <p:childTnLst>
+            <p:seq>
+              <p:cTn id="2" nodeType="mainSeq"/>
+              <p:prevCondLst>
+                <p:cond evt="onPrev" delay="0">
+                  <p:tgtEl>
+                    <p:sldTgt/>
+                  </p:tgtEl>
+                </p:cond>
+              </p:prevCondLst>
+              <p:nextCondLst>
+                <p:cond evt="onNext" delay="0">
+                  <p:tgtEl>
+                    <p:sldTgt/>
+                  </p:tgtEl>
+                </p:cond>
+              </p:nextCondLst>
+            </p:seq>
+          </p:childTnLst>
+        </p:cTn>
+      </p:par>
+    </p:tnLst>
+  </p:timing>
+</p:sld>
+</file>
+
+<file path=ppt/slides/slide13.xml><?xml version="1.0" encoding="utf-8"?>
+<p:sld xmlns:a="http://schemas.openxmlformats.org/drawingml/2006/main" xmlns:r="http://schemas.openxmlformats.org/officeDocument/2006/relationships" xmlns:p="http://schemas.openxmlformats.org/presentationml/2006/main">
+  <p:cSld>
+    <p:bg>
+      <p:bgPr>
+        <a:blipFill>
+          <a:blip r:embed="rId2"/>
+          <a:tile/>
+        </a:blipFill>
+        <a:effectLst/>
+      </p:bgPr>
+    </p:bg>
+    <p:spTree>
+      <p:nvGrpSpPr>
+        <p:cNvPr id="1" name=""/>
+        <p:cNvGrpSpPr/>
+        <p:nvPr/>
+      </p:nvGrpSpPr>
+      <p:grpSpPr>
+        <a:xfrm>
+          <a:off x="0" y="0"/>
+          <a:ext cx="0" cy="0"/>
+          <a:chOff x="0" y="0"/>
+          <a:chExt cx="0" cy="0"/>
+        </a:xfrm>
+      </p:grpSpPr>
+      <p:sp>
+        <p:nvSpPr>
+          <p:cNvPr id="66" name="TextShape 1"/>
+          <p:cNvSpPr txBox="1"/>
+          <p:nvPr/>
+        </p:nvSpPr>
+        <p:spPr>
+          <a:xfrm>
+            <a:off x="863999" y="575999"/>
+            <a:ext cx="5522287" cy="393537"/>
+          </a:xfrm>
+          <a:prstGeom prst="rect">
+            <a:avLst/>
+          </a:prstGeom>
+          <a:noFill/>
+          <a:ln>
+            <a:noFill/>
+          </a:ln>
+        </p:spPr>
+        <p:txBody>
+          <a:bodyPr lIns="90000" tIns="45000" rIns="90000" bIns="45000"/>
+          <a:lstStyle/>
+          <a:p>
+            <a:r>
+              <a:rPr lang="pt-BR" sz="1800" b="0" strike="noStrike" spc="-1" dirty="0">
+                <a:solidFill>
+                  <a:srgbClr val="000000"/>
+                </a:solidFill>
+                <a:uFill>
+                  <a:solidFill>
+                    <a:srgbClr val="FFFFFF"/>
+                  </a:solidFill>
+                </a:uFill>
+                <a:latin typeface="Arial"/>
+              </a:rPr>
+              <a:t>O segredo está no trecho de código abaixo:</a:t>
+            </a:r>
+          </a:p>
+        </p:txBody>
+      </p:sp>
+      <p:sp>
+        <p:nvSpPr>
+          <p:cNvPr id="67" name="TextShape 2"/>
+          <p:cNvSpPr txBox="1"/>
+          <p:nvPr/>
+        </p:nvSpPr>
+        <p:spPr>
+          <a:xfrm>
+            <a:off x="980793" y="969537"/>
+            <a:ext cx="7588441" cy="1491336"/>
+          </a:xfrm>
+          <a:prstGeom prst="rect">
+            <a:avLst/>
+          </a:prstGeom>
+          <a:noFill/>
+          <a:ln>
+            <a:noFill/>
+          </a:ln>
+        </p:spPr>
+        <p:txBody>
+          <a:bodyPr lIns="90000" tIns="45000" rIns="90000" bIns="45000"/>
+          <a:lstStyle/>
+          <a:p>
+            <a:endParaRPr lang="pt-BR" sz="1800" b="0" strike="noStrike" spc="-1" dirty="0">
+              <a:solidFill>
+                <a:srgbClr val="000000"/>
+              </a:solidFill>
+              <a:uFill>
+                <a:solidFill>
+                  <a:srgbClr val="FFFFFF"/>
+                </a:solidFill>
+              </a:uFill>
+              <a:latin typeface="Arial"/>
+            </a:endParaRPr>
+          </a:p>
+        </p:txBody>
+      </p:sp>
+      <p:pic>
+        <p:nvPicPr>
+          <p:cNvPr id="3" name="Imagem 2">
+            <a:extLst>
+              <a:ext uri="{FF2B5EF4-FFF2-40B4-BE49-F238E27FC236}">
+                <a16:creationId xmlns:a16="http://schemas.microsoft.com/office/drawing/2014/main" id="{789BD3E8-A62A-4703-A9EE-D092D9622D67}"/>
+              </a:ext>
+            </a:extLst>
+          </p:cNvPr>
+          <p:cNvPicPr>
+            <a:picLocks noChangeAspect="1"/>
+          </p:cNvPicPr>
+          <p:nvPr/>
+        </p:nvPicPr>
+        <p:blipFill>
+          <a:blip r:embed="rId3"/>
+          <a:stretch>
+            <a:fillRect/>
+          </a:stretch>
+        </p:blipFill>
+        <p:spPr>
+          <a:xfrm>
+            <a:off x="1981599" y="1795034"/>
+            <a:ext cx="5257800" cy="3305175"/>
+          </a:xfrm>
+          <a:prstGeom prst="rect">
+            <a:avLst/>
+          </a:prstGeom>
+        </p:spPr>
+      </p:pic>
+      <p:cxnSp>
+        <p:nvCxnSpPr>
+          <p:cNvPr id="6" name="Conector de Seta Reta 5">
+            <a:extLst>
+              <a:ext uri="{FF2B5EF4-FFF2-40B4-BE49-F238E27FC236}">
+                <a16:creationId xmlns:a16="http://schemas.microsoft.com/office/drawing/2014/main" id="{133A1ED5-F88C-42C1-9EB3-C928FCF0E582}"/>
+              </a:ext>
+            </a:extLst>
+          </p:cNvPr>
+          <p:cNvCxnSpPr>
+            <a:cxnSpLocks/>
+          </p:cNvCxnSpPr>
+          <p:nvPr/>
+        </p:nvCxnSpPr>
+        <p:spPr>
+          <a:xfrm>
+            <a:off x="1611825" y="4122057"/>
+            <a:ext cx="1726461" cy="0"/>
+          </a:xfrm>
+          <a:prstGeom prst="straightConnector1">
+            <a:avLst/>
+          </a:prstGeom>
+          <a:ln>
+            <a:tailEnd type="triangle"/>
+          </a:ln>
+        </p:spPr>
+        <p:style>
+          <a:lnRef idx="1">
+            <a:schemeClr val="accent1"/>
+          </a:lnRef>
+          <a:fillRef idx="0">
+            <a:schemeClr val="accent1"/>
+          </a:fillRef>
+          <a:effectRef idx="0">
+            <a:schemeClr val="accent1"/>
+          </a:effectRef>
+          <a:fontRef idx="minor">
+            <a:schemeClr val="tx1"/>
+          </a:fontRef>
+        </p:style>
+      </p:cxnSp>
+    </p:spTree>
+    <p:extLst>
+      <p:ext uri="{BB962C8B-B14F-4D97-AF65-F5344CB8AC3E}">
+        <p14:creationId xmlns:p14="http://schemas.microsoft.com/office/powerpoint/2010/main" val="4236612874"/>
+      </p:ext>
+    </p:extLst>
+  </p:cSld>
+  <p:clrMapOvr>
+    <a:masterClrMapping/>
+  </p:clrMapOvr>
+  <p:timing>
+    <p:tnLst>
+      <p:par>
+        <p:cTn id="1" dur="indefinite" restart="never" nodeType="tmRoot">
+          <p:childTnLst>
+            <p:seq>
+              <p:cTn id="2" nodeType="mainSeq"/>
+              <p:prevCondLst>
+                <p:cond evt="onPrev" delay="0">
+                  <p:tgtEl>
+                    <p:sldTgt/>
+                  </p:tgtEl>
+                </p:cond>
+              </p:prevCondLst>
+              <p:nextCondLst>
+                <p:cond evt="onNext" delay="0">
+                  <p:tgtEl>
+                    <p:sldTgt/>
+                  </p:tgtEl>
+                </p:cond>
+              </p:nextCondLst>
+            </p:seq>
+          </p:childTnLst>
+        </p:cTn>
+      </p:par>
+    </p:tnLst>
+  </p:timing>
+</p:sld>
+</file>
+
+<file path=ppt/slides/slide14.xml><?xml version="1.0" encoding="utf-8"?>
+<p:sld xmlns:a="http://schemas.openxmlformats.org/drawingml/2006/main" xmlns:r="http://schemas.openxmlformats.org/officeDocument/2006/relationships" xmlns:p="http://schemas.openxmlformats.org/presentationml/2006/main">
+  <p:cSld>
+    <p:bg>
+      <p:bgPr>
+        <a:blipFill>
+          <a:blip r:embed="rId2"/>
+          <a:tile/>
+        </a:blipFill>
+        <a:effectLst/>
+      </p:bgPr>
+    </p:bg>
+    <p:spTree>
+      <p:nvGrpSpPr>
+        <p:cNvPr id="1" name=""/>
+        <p:cNvGrpSpPr/>
+        <p:nvPr/>
+      </p:nvGrpSpPr>
+      <p:grpSpPr>
+        <a:xfrm>
+          <a:off x="0" y="0"/>
+          <a:ext cx="0" cy="0"/>
+          <a:chOff x="0" y="0"/>
+          <a:chExt cx="0" cy="0"/>
+        </a:xfrm>
+      </p:grpSpPr>
+      <p:sp>
+        <p:nvSpPr>
+          <p:cNvPr id="66" name="TextShape 1"/>
+          <p:cNvSpPr txBox="1"/>
+          <p:nvPr/>
+        </p:nvSpPr>
+        <p:spPr>
+          <a:xfrm>
+            <a:off x="863999" y="575999"/>
+            <a:ext cx="5522287" cy="393537"/>
+          </a:xfrm>
+          <a:prstGeom prst="rect">
+            <a:avLst/>
+          </a:prstGeom>
+          <a:noFill/>
+          <a:ln>
+            <a:noFill/>
+          </a:ln>
+        </p:spPr>
+        <p:txBody>
+          <a:bodyPr lIns="90000" tIns="45000" rIns="90000" bIns="45000"/>
+          <a:lstStyle/>
+          <a:p>
+            <a:r>
+              <a:rPr lang="pt-BR" sz="1800" b="0" strike="noStrike" spc="-1" dirty="0">
+                <a:solidFill>
+                  <a:srgbClr val="000000"/>
+                </a:solidFill>
+                <a:uFill>
+                  <a:solidFill>
+                    <a:srgbClr val="FFFFFF"/>
+                  </a:solidFill>
+                </a:uFill>
+                <a:latin typeface="Arial"/>
+              </a:rPr>
+              <a:t>Voltando ao Caso 1...</a:t>
+            </a:r>
+          </a:p>
+        </p:txBody>
+      </p:sp>
+      <p:sp>
+        <p:nvSpPr>
+          <p:cNvPr id="67" name="TextShape 2"/>
+          <p:cNvSpPr txBox="1"/>
+          <p:nvPr/>
+        </p:nvSpPr>
+        <p:spPr>
+          <a:xfrm>
+            <a:off x="980793" y="969537"/>
+            <a:ext cx="7588441" cy="1491336"/>
+          </a:xfrm>
+          <a:prstGeom prst="rect">
+            <a:avLst/>
+          </a:prstGeom>
+          <a:noFill/>
+          <a:ln>
+            <a:noFill/>
+          </a:ln>
+        </p:spPr>
+        <p:txBody>
+          <a:bodyPr lIns="90000" tIns="45000" rIns="90000" bIns="45000"/>
+          <a:lstStyle/>
+          <a:p>
+            <a:r>
+              <a:rPr lang="pt-BR" sz="1800" b="0" strike="noStrike" spc="-1" dirty="0">
+                <a:solidFill>
+                  <a:srgbClr val="000000"/>
+                </a:solidFill>
+                <a:uFill>
+                  <a:solidFill>
+                    <a:srgbClr val="FFFFFF"/>
+                  </a:solidFill>
+                </a:uFill>
+                <a:latin typeface="Arial"/>
+              </a:rPr>
+              <a:t>No caso 1, i = -1, pois a letra não existe no padrão, logo</a:t>
+            </a:r>
+            <a:r>
+              <a:rPr lang="pt-BR" spc="-1" dirty="0">
+                <a:solidFill>
+                  <a:srgbClr val="000000"/>
+                </a:solidFill>
+                <a:uFill>
+                  <a:solidFill>
+                    <a:srgbClr val="FFFFFF"/>
+                  </a:solidFill>
+                </a:uFill>
+                <a:latin typeface="Arial"/>
+              </a:rPr>
+              <a:t>:</a:t>
+            </a:r>
+          </a:p>
+          <a:p>
+            <a:endParaRPr lang="pt-BR" sz="1800" b="0" strike="noStrike" spc="-1" dirty="0">
+              <a:solidFill>
+                <a:srgbClr val="000000"/>
+              </a:solidFill>
+              <a:uFill>
+                <a:solidFill>
+                  <a:srgbClr val="FFFFFF"/>
+                </a:solidFill>
+              </a:uFill>
+              <a:latin typeface="Arial"/>
+            </a:endParaRPr>
+          </a:p>
+          <a:p>
+            <a:r>
+              <a:rPr lang="pt-BR" spc="-1" dirty="0">
+                <a:solidFill>
+                  <a:srgbClr val="000000"/>
+                </a:solidFill>
+                <a:uFill>
+                  <a:solidFill>
+                    <a:srgbClr val="FFFFFF"/>
+                  </a:solidFill>
+                </a:uFill>
+                <a:latin typeface="Arial"/>
+              </a:rPr>
+              <a:t>i += m – min(j, l + 1);</a:t>
+            </a:r>
+          </a:p>
+          <a:p>
+            <a:r>
+              <a:rPr lang="pt-BR" spc="-1" dirty="0">
+                <a:solidFill>
+                  <a:srgbClr val="000000"/>
+                </a:solidFill>
+                <a:uFill>
+                  <a:solidFill>
+                    <a:srgbClr val="FFFFFF"/>
+                  </a:solidFill>
+                </a:uFill>
+                <a:latin typeface="Arial"/>
+              </a:rPr>
+              <a:t>i += m – min(j, -1 + 1);</a:t>
+            </a:r>
+          </a:p>
+          <a:p>
+            <a:r>
+              <a:rPr lang="pt-BR" spc="-1" dirty="0">
+                <a:solidFill>
+                  <a:srgbClr val="000000"/>
+                </a:solidFill>
+                <a:uFill>
+                  <a:solidFill>
+                    <a:srgbClr val="FFFFFF"/>
+                  </a:solidFill>
+                </a:uFill>
+                <a:latin typeface="Arial"/>
+              </a:rPr>
+              <a:t>i += m – min(j, 0);</a:t>
+            </a:r>
+          </a:p>
+          <a:p>
+            <a:r>
+              <a:rPr lang="pt-BR" spc="-1" dirty="0">
+                <a:solidFill>
+                  <a:srgbClr val="000000"/>
+                </a:solidFill>
+                <a:uFill>
+                  <a:solidFill>
+                    <a:srgbClr val="FFFFFF"/>
+                  </a:solidFill>
+                </a:uFill>
+                <a:latin typeface="Arial"/>
+              </a:rPr>
+              <a:t>i += m – 0;</a:t>
+            </a:r>
+          </a:p>
+          <a:p>
+            <a:endParaRPr lang="pt-BR" sz="1800" b="0" strike="noStrike" spc="-1" dirty="0">
+              <a:solidFill>
+                <a:srgbClr val="000000"/>
+              </a:solidFill>
+              <a:uFill>
+                <a:solidFill>
+                  <a:srgbClr val="FFFFFF"/>
+                </a:solidFill>
+              </a:uFill>
+              <a:latin typeface="Arial"/>
+            </a:endParaRPr>
+          </a:p>
+          <a:p>
+            <a:r>
+              <a:rPr lang="pt-BR" spc="-1" dirty="0">
+                <a:solidFill>
+                  <a:srgbClr val="000000"/>
+                </a:solidFill>
+                <a:uFill>
+                  <a:solidFill>
+                    <a:srgbClr val="FFFFFF"/>
+                  </a:solidFill>
+                </a:uFill>
+                <a:latin typeface="Arial"/>
+              </a:rPr>
+              <a:t>Ou seja</a:t>
+            </a:r>
+          </a:p>
+          <a:p>
+            <a:endParaRPr lang="pt-BR" spc="-1" dirty="0">
+              <a:solidFill>
+                <a:srgbClr val="000000"/>
+              </a:solidFill>
+              <a:uFill>
+                <a:solidFill>
+                  <a:srgbClr val="FFFFFF"/>
+                </a:solidFill>
+              </a:uFill>
+              <a:latin typeface="Arial"/>
+            </a:endParaRPr>
+          </a:p>
+          <a:p>
+            <a:r>
+              <a:rPr lang="pt-BR" sz="1800" b="0" strike="noStrike" spc="-1" dirty="0">
+                <a:solidFill>
+                  <a:srgbClr val="000000"/>
+                </a:solidFill>
+                <a:uFill>
+                  <a:solidFill>
+                    <a:srgbClr val="FFFFFF"/>
+                  </a:solidFill>
+                </a:uFill>
+                <a:latin typeface="Arial"/>
+              </a:rPr>
+              <a:t>i = i + m;</a:t>
+            </a:r>
+          </a:p>
+        </p:txBody>
+      </p:sp>
+    </p:spTree>
+    <p:extLst>
+      <p:ext uri="{BB962C8B-B14F-4D97-AF65-F5344CB8AC3E}">
+        <p14:creationId xmlns:p14="http://schemas.microsoft.com/office/powerpoint/2010/main" val="346870961"/>
+      </p:ext>
+    </p:extLst>
+  </p:cSld>
+  <p:clrMapOvr>
+    <a:masterClrMapping/>
+  </p:clrMapOvr>
+  <p:timing>
+    <p:tnLst>
+      <p:par>
+        <p:cTn id="1" dur="indefinite" restart="never" nodeType="tmRoot">
+          <p:childTnLst>
+            <p:seq>
+              <p:cTn id="2" nodeType="mainSeq"/>
+              <p:prevCondLst>
+                <p:cond evt="onPrev" delay="0">
+                  <p:tgtEl>
+                    <p:sldTgt/>
+                  </p:tgtEl>
+                </p:cond>
+              </p:prevCondLst>
+              <p:nextCondLst>
+                <p:cond evt="onNext" delay="0">
+                  <p:tgtEl>
+                    <p:sldTgt/>
+                  </p:tgtEl>
+                </p:cond>
+              </p:nextCondLst>
+            </p:seq>
+          </p:childTnLst>
+        </p:cTn>
+      </p:par>
+    </p:tnLst>
+  </p:timing>
+</p:sld>
+</file>
+
+<file path=ppt/slides/slide15.xml><?xml version="1.0" encoding="utf-8"?>
+<p:sld xmlns:a="http://schemas.openxmlformats.org/drawingml/2006/main" xmlns:r="http://schemas.openxmlformats.org/officeDocument/2006/relationships" xmlns:p="http://schemas.openxmlformats.org/presentationml/2006/main">
+  <p:cSld>
+    <p:bg>
+      <p:bgPr>
+        <a:blipFill>
+          <a:blip r:embed="rId2"/>
+          <a:tile/>
+        </a:blipFill>
+        <a:effectLst/>
+      </p:bgPr>
+    </p:bg>
+    <p:spTree>
+      <p:nvGrpSpPr>
+        <p:cNvPr id="1" name=""/>
+        <p:cNvGrpSpPr/>
+        <p:nvPr/>
+      </p:nvGrpSpPr>
+      <p:grpSpPr>
+        <a:xfrm>
+          <a:off x="0" y="0"/>
+          <a:ext cx="0" cy="0"/>
+          <a:chOff x="0" y="0"/>
+          <a:chExt cx="0" cy="0"/>
+        </a:xfrm>
+      </p:grpSpPr>
+      <p:sp>
+        <p:nvSpPr>
+          <p:cNvPr id="66" name="TextShape 1"/>
+          <p:cNvSpPr txBox="1"/>
+          <p:nvPr/>
+        </p:nvSpPr>
+        <p:spPr>
+          <a:xfrm>
+            <a:off x="863999" y="575999"/>
+            <a:ext cx="5522287" cy="393537"/>
+          </a:xfrm>
+          <a:prstGeom prst="rect">
+            <a:avLst/>
+          </a:prstGeom>
+          <a:noFill/>
+          <a:ln>
+            <a:noFill/>
+          </a:ln>
+        </p:spPr>
+        <p:txBody>
+          <a:bodyPr lIns="90000" tIns="45000" rIns="90000" bIns="45000"/>
+          <a:lstStyle/>
+          <a:p>
+            <a:r>
+              <a:rPr lang="pt-BR" sz="1800" b="0" strike="noStrike" spc="-1" dirty="0">
+                <a:solidFill>
+                  <a:srgbClr val="000000"/>
+                </a:solidFill>
+                <a:uFill>
+                  <a:solidFill>
+                    <a:srgbClr val="FFFFFF"/>
+                  </a:solidFill>
+                </a:uFill>
+                <a:latin typeface="Arial"/>
+              </a:rPr>
+              <a:t>Caso 1 na prática:</a:t>
+            </a:r>
+          </a:p>
+        </p:txBody>
+      </p:sp>
+      <p:sp>
+        <p:nvSpPr>
+          <p:cNvPr id="4" name="TextShape 3">
+            <a:extLst>
+              <a:ext uri="{FF2B5EF4-FFF2-40B4-BE49-F238E27FC236}">
+                <a16:creationId xmlns:a16="http://schemas.microsoft.com/office/drawing/2014/main" id="{1EB89F89-1708-4C17-83B1-479AC02BC0D3}"/>
+              </a:ext>
+            </a:extLst>
+          </p:cNvPr>
+          <p:cNvSpPr txBox="1"/>
+          <p:nvPr/>
+        </p:nvSpPr>
+        <p:spPr>
+          <a:xfrm>
+            <a:off x="148082" y="1408596"/>
+            <a:ext cx="6954120" cy="1102680"/>
+          </a:xfrm>
+          <a:prstGeom prst="rect">
+            <a:avLst/>
+          </a:prstGeom>
+          <a:noFill/>
+          <a:ln>
+            <a:noFill/>
+          </a:ln>
+        </p:spPr>
+        <p:txBody>
+          <a:bodyPr lIns="90000" tIns="45000" rIns="90000" bIns="45000"/>
+          <a:lstStyle/>
+          <a:p>
+            <a:r>
+              <a:rPr lang="pt-BR" sz="1800" b="0" strike="noStrike" spc="-1" dirty="0" err="1">
+                <a:solidFill>
+                  <a:srgbClr val="000000"/>
+                </a:solidFill>
+                <a:uFill>
+                  <a:solidFill>
+                    <a:srgbClr val="FFFFFF"/>
+                  </a:solidFill>
+                </a:uFill>
+                <a:latin typeface="Arial"/>
+              </a:rPr>
+              <a:t>Ex</a:t>
+            </a:r>
+            <a:r>
+              <a:rPr lang="pt-BR" sz="1800" b="0" strike="noStrike" spc="-1" dirty="0">
+                <a:solidFill>
+                  <a:srgbClr val="000000"/>
+                </a:solidFill>
+                <a:uFill>
+                  <a:solidFill>
+                    <a:srgbClr val="FFFFFF"/>
+                  </a:solidFill>
+                </a:uFill>
+                <a:latin typeface="Arial"/>
+              </a:rPr>
+              <a:t>:</a:t>
+            </a:r>
+          </a:p>
+          <a:p>
+            <a:endParaRPr lang="pt-BR" sz="1800" b="0" strike="noStrike" spc="-1" dirty="0">
+              <a:solidFill>
+                <a:srgbClr val="000000"/>
+              </a:solidFill>
+              <a:uFill>
+                <a:solidFill>
+                  <a:srgbClr val="FFFFFF"/>
+                </a:solidFill>
+              </a:uFill>
+              <a:latin typeface="Arial"/>
+            </a:endParaRPr>
+          </a:p>
+          <a:p>
+            <a:r>
+              <a:rPr lang="pt-BR" sz="1800" b="0" strike="noStrike" spc="-1" dirty="0" err="1">
+                <a:solidFill>
+                  <a:srgbClr val="000000"/>
+                </a:solidFill>
+                <a:uFill>
+                  <a:solidFill>
+                    <a:srgbClr val="FFFFFF"/>
+                  </a:solidFill>
+                </a:uFill>
+                <a:latin typeface="Arial"/>
+              </a:rPr>
+              <a:t>Padrao</a:t>
+            </a:r>
+            <a:r>
+              <a:rPr lang="pt-BR" sz="1800" b="0" strike="noStrike" spc="-1" dirty="0">
+                <a:solidFill>
+                  <a:srgbClr val="000000"/>
+                </a:solidFill>
+                <a:uFill>
+                  <a:solidFill>
+                    <a:srgbClr val="FFFFFF"/>
+                  </a:solidFill>
+                </a:uFill>
+                <a:latin typeface="Arial"/>
+              </a:rPr>
+              <a:t> = a, b, c, a, c</a:t>
+            </a:r>
+          </a:p>
+          <a:p>
+            <a:r>
+              <a:rPr lang="pt-BR" sz="1800" b="0" strike="noStrike" spc="-1" dirty="0">
+                <a:solidFill>
+                  <a:srgbClr val="000000"/>
+                </a:solidFill>
+                <a:uFill>
+                  <a:solidFill>
+                    <a:srgbClr val="FFFFFF"/>
+                  </a:solidFill>
+                </a:uFill>
+                <a:latin typeface="Arial"/>
+              </a:rPr>
+              <a:t>Texto = </a:t>
+            </a:r>
+            <a:r>
+              <a:rPr lang="pt-BR" spc="-1" dirty="0">
+                <a:solidFill>
+                  <a:srgbClr val="000000"/>
+                </a:solidFill>
+                <a:uFill>
+                  <a:solidFill>
+                    <a:srgbClr val="FFFFFF"/>
+                  </a:solidFill>
+                </a:uFill>
+              </a:rPr>
+              <a:t>a, a, b, d, c, a, a, b, c, a, b, c, c, b, b, a, a, b, a, a, b, c, c</a:t>
+            </a:r>
+            <a:endParaRPr lang="pt-BR" dirty="0"/>
+          </a:p>
+          <a:p>
+            <a:endParaRPr lang="pt-BR" spc="-1" dirty="0">
+              <a:solidFill>
+                <a:srgbClr val="000000"/>
+              </a:solidFill>
+              <a:uFill>
+                <a:solidFill>
+                  <a:srgbClr val="FFFFFF"/>
+                </a:solidFill>
+              </a:uFill>
+              <a:latin typeface="Arial"/>
+            </a:endParaRPr>
+          </a:p>
+          <a:p>
+            <a:endParaRPr lang="pt-BR" sz="1800" b="0" strike="noStrike" spc="-1" dirty="0">
+              <a:solidFill>
+                <a:srgbClr val="000000"/>
+              </a:solidFill>
+              <a:uFill>
+                <a:solidFill>
+                  <a:srgbClr val="FFFFFF"/>
+                </a:solidFill>
+              </a:uFill>
+              <a:latin typeface="Arial"/>
+            </a:endParaRPr>
+          </a:p>
+          <a:p>
+            <a:endParaRPr lang="pt-BR" sz="1800" b="0" strike="noStrike" spc="-1" dirty="0">
+              <a:solidFill>
+                <a:srgbClr val="000000"/>
+              </a:solidFill>
+              <a:uFill>
+                <a:solidFill>
+                  <a:srgbClr val="FFFFFF"/>
+                </a:solidFill>
+              </a:uFill>
+              <a:latin typeface="Arial"/>
+            </a:endParaRPr>
+          </a:p>
+        </p:txBody>
+      </p:sp>
+      <p:sp>
+        <p:nvSpPr>
+          <p:cNvPr id="6" name="Line 4">
+            <a:extLst>
+              <a:ext uri="{FF2B5EF4-FFF2-40B4-BE49-F238E27FC236}">
+                <a16:creationId xmlns:a16="http://schemas.microsoft.com/office/drawing/2014/main" id="{5A311CDA-074A-4DFA-AF2C-638AF3323BCD}"/>
+              </a:ext>
+            </a:extLst>
+          </p:cNvPr>
+          <p:cNvSpPr/>
+          <p:nvPr/>
+        </p:nvSpPr>
+        <p:spPr>
+          <a:xfrm flipV="1">
+            <a:off x="1449373" y="4395891"/>
+            <a:ext cx="0" cy="265680"/>
+          </a:xfrm>
+          <a:prstGeom prst="line">
+            <a:avLst/>
+          </a:prstGeom>
+          <a:ln>
+            <a:solidFill>
+              <a:srgbClr val="7FFF00"/>
+            </a:solidFill>
+            <a:headEnd type="triangle" w="med" len="med"/>
+            <a:tailEnd type="triangle" w="med" len="med"/>
+          </a:ln>
+        </p:spPr>
+        <p:style>
+          <a:lnRef idx="0">
+            <a:scrgbClr r="0" g="0" b="0"/>
+          </a:lnRef>
+          <a:fillRef idx="0">
+            <a:scrgbClr r="0" g="0" b="0"/>
+          </a:fillRef>
+          <a:effectRef idx="0">
+            <a:scrgbClr r="0" g="0" b="0"/>
+          </a:effectRef>
+          <a:fontRef idx="minor"/>
+        </p:style>
+        <p:txBody>
+          <a:bodyPr/>
+          <a:lstStyle/>
+          <a:p>
+            <a:endParaRPr lang="pt-BR" dirty="0"/>
+          </a:p>
+        </p:txBody>
+      </p:sp>
+      <p:sp>
+        <p:nvSpPr>
+          <p:cNvPr id="7" name="Line 5">
+            <a:extLst>
+              <a:ext uri="{FF2B5EF4-FFF2-40B4-BE49-F238E27FC236}">
+                <a16:creationId xmlns:a16="http://schemas.microsoft.com/office/drawing/2014/main" id="{5BE5DA38-DF4D-4363-9258-CC2A48795A3C}"/>
+              </a:ext>
+            </a:extLst>
+          </p:cNvPr>
+          <p:cNvSpPr/>
+          <p:nvPr/>
+        </p:nvSpPr>
+        <p:spPr>
+          <a:xfrm flipV="1">
+            <a:off x="1219430" y="4403011"/>
+            <a:ext cx="0" cy="265680"/>
+          </a:xfrm>
+          <a:prstGeom prst="line">
+            <a:avLst/>
+          </a:prstGeom>
+          <a:ln>
+            <a:solidFill>
+              <a:srgbClr val="FF0000"/>
+            </a:solidFill>
+            <a:headEnd type="triangle" w="med" len="med"/>
+            <a:tailEnd type="triangle" w="med" len="med"/>
+          </a:ln>
+        </p:spPr>
+        <p:style>
+          <a:lnRef idx="0">
+            <a:scrgbClr r="0" g="0" b="0"/>
+          </a:lnRef>
+          <a:fillRef idx="0">
+            <a:scrgbClr r="0" g="0" b="0"/>
+          </a:fillRef>
+          <a:effectRef idx="0">
+            <a:scrgbClr r="0" g="0" b="0"/>
+          </a:effectRef>
+          <a:fontRef idx="minor"/>
+        </p:style>
+        <p:txBody>
+          <a:bodyPr/>
+          <a:lstStyle/>
+          <a:p>
+            <a:endParaRPr lang="pt-BR" dirty="0"/>
+          </a:p>
+        </p:txBody>
+      </p:sp>
+      <p:sp>
+        <p:nvSpPr>
+          <p:cNvPr id="9" name="CaixaDeTexto 8">
+            <a:extLst>
+              <a:ext uri="{FF2B5EF4-FFF2-40B4-BE49-F238E27FC236}">
+                <a16:creationId xmlns:a16="http://schemas.microsoft.com/office/drawing/2014/main" id="{935AB544-E86A-48F8-9329-B91A569E5C3D}"/>
+              </a:ext>
+            </a:extLst>
+          </p:cNvPr>
+          <p:cNvSpPr txBox="1"/>
+          <p:nvPr/>
+        </p:nvSpPr>
+        <p:spPr>
+          <a:xfrm>
+            <a:off x="1126458" y="3725842"/>
+            <a:ext cx="360344" cy="369332"/>
+          </a:xfrm>
+          <a:prstGeom prst="rect">
+            <a:avLst/>
+          </a:prstGeom>
+          <a:noFill/>
+        </p:spPr>
+        <p:txBody>
+          <a:bodyPr wrap="square" rtlCol="0">
+            <a:spAutoFit/>
+          </a:bodyPr>
+          <a:lstStyle/>
+          <a:p>
+            <a:r>
+              <a:rPr lang="pt-BR" dirty="0"/>
+              <a:t>i</a:t>
+            </a:r>
+          </a:p>
+        </p:txBody>
+      </p:sp>
+      <p:sp>
+        <p:nvSpPr>
+          <p:cNvPr id="10" name="CaixaDeTexto 9">
+            <a:extLst>
+              <a:ext uri="{FF2B5EF4-FFF2-40B4-BE49-F238E27FC236}">
+                <a16:creationId xmlns:a16="http://schemas.microsoft.com/office/drawing/2014/main" id="{0AF3AA72-DC22-4979-AAEC-211426DFBEDC}"/>
+              </a:ext>
+            </a:extLst>
+          </p:cNvPr>
+          <p:cNvSpPr txBox="1"/>
+          <p:nvPr/>
+        </p:nvSpPr>
+        <p:spPr>
+          <a:xfrm>
+            <a:off x="1082687" y="5018685"/>
+            <a:ext cx="244457" cy="369332"/>
+          </a:xfrm>
+          <a:prstGeom prst="rect">
+            <a:avLst/>
+          </a:prstGeom>
+          <a:noFill/>
+        </p:spPr>
+        <p:txBody>
+          <a:bodyPr wrap="square" rtlCol="0">
+            <a:spAutoFit/>
+          </a:bodyPr>
+          <a:lstStyle/>
+          <a:p>
+            <a:r>
+              <a:rPr lang="pt-BR" dirty="0"/>
+              <a:t>j</a:t>
+            </a:r>
+          </a:p>
+        </p:txBody>
+      </p:sp>
+      <p:sp>
+        <p:nvSpPr>
+          <p:cNvPr id="13" name="CaixaDeTexto 12">
+            <a:extLst>
+              <a:ext uri="{FF2B5EF4-FFF2-40B4-BE49-F238E27FC236}">
+                <a16:creationId xmlns:a16="http://schemas.microsoft.com/office/drawing/2014/main" id="{40E527BD-03E6-4F22-B5D1-9AE4F587457C}"/>
+              </a:ext>
+            </a:extLst>
+          </p:cNvPr>
+          <p:cNvSpPr txBox="1"/>
+          <p:nvPr/>
+        </p:nvSpPr>
+        <p:spPr>
+          <a:xfrm>
+            <a:off x="270825" y="4060867"/>
+            <a:ext cx="5869941" cy="369332"/>
+          </a:xfrm>
+          <a:prstGeom prst="rect">
+            <a:avLst/>
+          </a:prstGeom>
+          <a:noFill/>
+        </p:spPr>
+        <p:txBody>
+          <a:bodyPr wrap="none" rtlCol="0">
+            <a:spAutoFit/>
+          </a:bodyPr>
+          <a:lstStyle/>
+          <a:p>
+            <a:r>
+              <a:rPr lang="pt-BR" spc="-1" dirty="0">
+                <a:solidFill>
+                  <a:srgbClr val="000000"/>
+                </a:solidFill>
+                <a:uFill>
+                  <a:solidFill>
+                    <a:srgbClr val="FFFFFF"/>
+                  </a:solidFill>
+                </a:uFill>
+              </a:rPr>
+              <a:t>a, a, b, d, c, a, a, b, c, a, b, c, c, b, b, a, a, b, a, a, b, c, c</a:t>
+            </a:r>
+            <a:endParaRPr lang="pt-BR" dirty="0"/>
+          </a:p>
+        </p:txBody>
+      </p:sp>
+      <p:sp>
+        <p:nvSpPr>
+          <p:cNvPr id="14" name="CaixaDeTexto 13">
+            <a:extLst>
+              <a:ext uri="{FF2B5EF4-FFF2-40B4-BE49-F238E27FC236}">
+                <a16:creationId xmlns:a16="http://schemas.microsoft.com/office/drawing/2014/main" id="{41DF3A7D-E0D0-4F2C-ACDF-FFD203BE9891}"/>
+              </a:ext>
+            </a:extLst>
+          </p:cNvPr>
+          <p:cNvSpPr txBox="1"/>
+          <p:nvPr/>
+        </p:nvSpPr>
+        <p:spPr>
+          <a:xfrm>
+            <a:off x="270825" y="4651902"/>
+            <a:ext cx="1324337" cy="369332"/>
+          </a:xfrm>
+          <a:prstGeom prst="rect">
+            <a:avLst/>
+          </a:prstGeom>
+          <a:noFill/>
+        </p:spPr>
+        <p:txBody>
+          <a:bodyPr wrap="none" rtlCol="0">
+            <a:spAutoFit/>
+          </a:bodyPr>
+          <a:lstStyle/>
+          <a:p>
+            <a:pPr algn="r"/>
+            <a:r>
+              <a:rPr lang="pt-BR" spc="-1" dirty="0">
+                <a:solidFill>
+                  <a:srgbClr val="000000"/>
+                </a:solidFill>
+                <a:uFill>
+                  <a:solidFill>
+                    <a:srgbClr val="FFFFFF"/>
+                  </a:solidFill>
+                </a:uFill>
+              </a:rPr>
+              <a:t>a, a, b, a, c</a:t>
+            </a:r>
+          </a:p>
+        </p:txBody>
+      </p:sp>
+    </p:spTree>
+    <p:extLst>
+      <p:ext uri="{BB962C8B-B14F-4D97-AF65-F5344CB8AC3E}">
+        <p14:creationId xmlns:p14="http://schemas.microsoft.com/office/powerpoint/2010/main" val="2197567838"/>
+      </p:ext>
+    </p:extLst>
+  </p:cSld>
+  <p:clrMapOvr>
+    <a:masterClrMapping/>
+  </p:clrMapOvr>
+  <p:timing>
+    <p:tnLst>
+      <p:par>
+        <p:cTn id="1" dur="indefinite" restart="never" nodeType="tmRoot">
+          <p:childTnLst>
+            <p:seq>
+              <p:cTn id="2" nodeType="mainSeq"/>
+              <p:prevCondLst>
+                <p:cond evt="onPrev" delay="0">
+                  <p:tgtEl>
+                    <p:sldTgt/>
+                  </p:tgtEl>
+                </p:cond>
+              </p:prevCondLst>
+              <p:nextCondLst>
+                <p:cond evt="onNext" delay="0">
+                  <p:tgtEl>
+                    <p:sldTgt/>
+                  </p:tgtEl>
+                </p:cond>
+              </p:nextCondLst>
+            </p:seq>
+          </p:childTnLst>
+        </p:cTn>
+      </p:par>
+    </p:tnLst>
+  </p:timing>
+</p:sld>
+</file>
+
+<file path=ppt/slides/slide16.xml><?xml version="1.0" encoding="utf-8"?>
+<p:sld xmlns:a="http://schemas.openxmlformats.org/drawingml/2006/main" xmlns:r="http://schemas.openxmlformats.org/officeDocument/2006/relationships" xmlns:p="http://schemas.openxmlformats.org/presentationml/2006/main">
+  <p:cSld>
+    <p:bg>
+      <p:bgPr>
+        <a:blipFill>
+          <a:blip r:embed="rId2"/>
+          <a:tile/>
+        </a:blipFill>
+        <a:effectLst/>
+      </p:bgPr>
+    </p:bg>
+    <p:spTree>
+      <p:nvGrpSpPr>
+        <p:cNvPr id="1" name=""/>
+        <p:cNvGrpSpPr/>
+        <p:nvPr/>
+      </p:nvGrpSpPr>
+      <p:grpSpPr>
+        <a:xfrm>
+          <a:off x="0" y="0"/>
+          <a:ext cx="0" cy="0"/>
+          <a:chOff x="0" y="0"/>
+          <a:chExt cx="0" cy="0"/>
+        </a:xfrm>
+      </p:grpSpPr>
+      <p:sp>
+        <p:nvSpPr>
+          <p:cNvPr id="66" name="TextShape 1"/>
+          <p:cNvSpPr txBox="1"/>
+          <p:nvPr/>
+        </p:nvSpPr>
+        <p:spPr>
+          <a:xfrm>
+            <a:off x="863999" y="575999"/>
+            <a:ext cx="5522287" cy="393537"/>
+          </a:xfrm>
+          <a:prstGeom prst="rect">
+            <a:avLst/>
+          </a:prstGeom>
+          <a:noFill/>
+          <a:ln>
+            <a:noFill/>
+          </a:ln>
+        </p:spPr>
+        <p:txBody>
+          <a:bodyPr lIns="90000" tIns="45000" rIns="90000" bIns="45000"/>
+          <a:lstStyle/>
+          <a:p>
+            <a:r>
+              <a:rPr lang="pt-BR" sz="1800" b="0" strike="noStrike" spc="-1" dirty="0">
+                <a:solidFill>
+                  <a:srgbClr val="000000"/>
+                </a:solidFill>
+                <a:uFill>
+                  <a:solidFill>
+                    <a:srgbClr val="FFFFFF"/>
+                  </a:solidFill>
+                </a:uFill>
+                <a:latin typeface="Arial"/>
+              </a:rPr>
+              <a:t>Caso 1 na prática:</a:t>
+            </a:r>
+          </a:p>
+        </p:txBody>
+      </p:sp>
+      <p:sp>
+        <p:nvSpPr>
+          <p:cNvPr id="4" name="TextShape 3">
+            <a:extLst>
+              <a:ext uri="{FF2B5EF4-FFF2-40B4-BE49-F238E27FC236}">
+                <a16:creationId xmlns:a16="http://schemas.microsoft.com/office/drawing/2014/main" id="{1EB89F89-1708-4C17-83B1-479AC02BC0D3}"/>
+              </a:ext>
+            </a:extLst>
+          </p:cNvPr>
+          <p:cNvSpPr txBox="1"/>
+          <p:nvPr/>
+        </p:nvSpPr>
+        <p:spPr>
+          <a:xfrm>
+            <a:off x="148358" y="1338868"/>
+            <a:ext cx="6968291" cy="1102680"/>
+          </a:xfrm>
+          <a:prstGeom prst="rect">
+            <a:avLst/>
+          </a:prstGeom>
+          <a:noFill/>
+          <a:ln>
+            <a:noFill/>
+          </a:ln>
+        </p:spPr>
+        <p:txBody>
+          <a:bodyPr lIns="90000" tIns="45000" rIns="90000" bIns="45000"/>
+          <a:lstStyle/>
+          <a:p>
+            <a:r>
+              <a:rPr lang="pt-BR" sz="1800" b="0" strike="noStrike" spc="-1" dirty="0" err="1">
+                <a:solidFill>
+                  <a:srgbClr val="000000"/>
+                </a:solidFill>
+                <a:uFill>
+                  <a:solidFill>
+                    <a:srgbClr val="FFFFFF"/>
+                  </a:solidFill>
+                </a:uFill>
+                <a:latin typeface="Arial"/>
+              </a:rPr>
+              <a:t>Ex</a:t>
+            </a:r>
+            <a:r>
+              <a:rPr lang="pt-BR" sz="1800" b="0" strike="noStrike" spc="-1" dirty="0">
+                <a:solidFill>
+                  <a:srgbClr val="000000"/>
+                </a:solidFill>
+                <a:uFill>
+                  <a:solidFill>
+                    <a:srgbClr val="FFFFFF"/>
+                  </a:solidFill>
+                </a:uFill>
+                <a:latin typeface="Arial"/>
+              </a:rPr>
+              <a:t>:</a:t>
+            </a:r>
+          </a:p>
+          <a:p>
+            <a:endParaRPr lang="pt-BR" sz="1800" b="0" strike="noStrike" spc="-1" dirty="0">
+              <a:solidFill>
+                <a:srgbClr val="000000"/>
+              </a:solidFill>
+              <a:uFill>
+                <a:solidFill>
+                  <a:srgbClr val="FFFFFF"/>
+                </a:solidFill>
+              </a:uFill>
+              <a:latin typeface="Arial"/>
+            </a:endParaRPr>
+          </a:p>
+          <a:p>
+            <a:r>
+              <a:rPr lang="pt-BR" sz="1800" b="0" strike="noStrike" spc="-1" dirty="0" err="1">
+                <a:solidFill>
+                  <a:srgbClr val="000000"/>
+                </a:solidFill>
+                <a:uFill>
+                  <a:solidFill>
+                    <a:srgbClr val="FFFFFF"/>
+                  </a:solidFill>
+                </a:uFill>
+                <a:latin typeface="Arial"/>
+              </a:rPr>
+              <a:t>Padrao</a:t>
+            </a:r>
+            <a:r>
+              <a:rPr lang="pt-BR" sz="1800" b="0" strike="noStrike" spc="-1" dirty="0">
+                <a:solidFill>
+                  <a:srgbClr val="000000"/>
+                </a:solidFill>
+                <a:uFill>
+                  <a:solidFill>
+                    <a:srgbClr val="FFFFFF"/>
+                  </a:solidFill>
+                </a:uFill>
+                <a:latin typeface="Arial"/>
+              </a:rPr>
+              <a:t> = a, a, b, a, c</a:t>
+            </a:r>
+          </a:p>
+          <a:p>
+            <a:r>
+              <a:rPr lang="pt-BR" sz="1800" b="0" strike="noStrike" spc="-1" dirty="0">
+                <a:solidFill>
+                  <a:srgbClr val="000000"/>
+                </a:solidFill>
+                <a:uFill>
+                  <a:solidFill>
+                    <a:srgbClr val="FFFFFF"/>
+                  </a:solidFill>
+                </a:uFill>
+                <a:latin typeface="Arial"/>
+              </a:rPr>
+              <a:t>Texto = a, a, b, d, c, a, a, c, a, a, b, c, c, b, b, a, a, b, a, a, b, c, c</a:t>
+            </a:r>
+          </a:p>
+        </p:txBody>
+      </p:sp>
+      <p:cxnSp>
+        <p:nvCxnSpPr>
+          <p:cNvPr id="3" name="Conector de Seta Reta 2">
+            <a:extLst>
+              <a:ext uri="{FF2B5EF4-FFF2-40B4-BE49-F238E27FC236}">
+                <a16:creationId xmlns:a16="http://schemas.microsoft.com/office/drawing/2014/main" id="{E53F220A-0981-48EF-A39E-BB207638AAB1}"/>
+              </a:ext>
+            </a:extLst>
+          </p:cNvPr>
+          <p:cNvCxnSpPr>
+            <a:cxnSpLocks/>
+          </p:cNvCxnSpPr>
+          <p:nvPr/>
+        </p:nvCxnSpPr>
+        <p:spPr>
+          <a:xfrm flipH="1" flipV="1">
+            <a:off x="2096456" y="5544603"/>
+            <a:ext cx="472572" cy="588078"/>
+          </a:xfrm>
+          <a:prstGeom prst="straightConnector1">
+            <a:avLst/>
+          </a:prstGeom>
+          <a:ln>
+            <a:tailEnd type="triangle"/>
+          </a:ln>
+        </p:spPr>
+        <p:style>
+          <a:lnRef idx="1">
+            <a:schemeClr val="accent1"/>
+          </a:lnRef>
+          <a:fillRef idx="0">
+            <a:schemeClr val="accent1"/>
+          </a:fillRef>
+          <a:effectRef idx="0">
+            <a:schemeClr val="accent1"/>
+          </a:effectRef>
+          <a:fontRef idx="minor">
+            <a:schemeClr val="tx1"/>
+          </a:fontRef>
+        </p:style>
+      </p:cxnSp>
+      <p:sp>
+        <p:nvSpPr>
+          <p:cNvPr id="15" name="CaixaDeTexto 14">
+            <a:extLst>
+              <a:ext uri="{FF2B5EF4-FFF2-40B4-BE49-F238E27FC236}">
+                <a16:creationId xmlns:a16="http://schemas.microsoft.com/office/drawing/2014/main" id="{868B75B9-8648-43BE-8F39-9254338DB42D}"/>
+              </a:ext>
+            </a:extLst>
+          </p:cNvPr>
+          <p:cNvSpPr txBox="1"/>
+          <p:nvPr/>
+        </p:nvSpPr>
+        <p:spPr>
+          <a:xfrm>
+            <a:off x="2569028" y="6132681"/>
+            <a:ext cx="4059766" cy="369332"/>
+          </a:xfrm>
+          <a:prstGeom prst="rect">
+            <a:avLst/>
+          </a:prstGeom>
+          <a:noFill/>
+        </p:spPr>
+        <p:txBody>
+          <a:bodyPr wrap="none" rtlCol="0">
+            <a:spAutoFit/>
+          </a:bodyPr>
+          <a:lstStyle/>
+          <a:p>
+            <a:pPr algn="r"/>
+            <a:r>
+              <a:rPr lang="pt-BR" dirty="0"/>
+              <a:t>Emparelhamento de P(0) com T(i + 1)</a:t>
+            </a:r>
+          </a:p>
+        </p:txBody>
+      </p:sp>
+      <p:sp>
+        <p:nvSpPr>
+          <p:cNvPr id="17" name="CaixaDeTexto 16">
+            <a:extLst>
+              <a:ext uri="{FF2B5EF4-FFF2-40B4-BE49-F238E27FC236}">
+                <a16:creationId xmlns:a16="http://schemas.microsoft.com/office/drawing/2014/main" id="{88A040FC-EFFC-4F76-AB74-8A22DDC77C3D}"/>
+              </a:ext>
+            </a:extLst>
+          </p:cNvPr>
+          <p:cNvSpPr txBox="1"/>
+          <p:nvPr/>
+        </p:nvSpPr>
+        <p:spPr>
+          <a:xfrm>
+            <a:off x="1541266" y="3759508"/>
+            <a:ext cx="1191352" cy="369332"/>
+          </a:xfrm>
+          <a:prstGeom prst="rect">
+            <a:avLst/>
+          </a:prstGeom>
+          <a:noFill/>
+        </p:spPr>
+        <p:txBody>
+          <a:bodyPr wrap="none" rtlCol="0">
+            <a:spAutoFit/>
+          </a:bodyPr>
+          <a:lstStyle/>
+          <a:p>
+            <a:pPr algn="r"/>
+            <a:r>
+              <a:rPr lang="pt-BR" dirty="0"/>
+              <a:t>novo i = 8</a:t>
+            </a:r>
+          </a:p>
+        </p:txBody>
+      </p:sp>
+      <p:sp>
+        <p:nvSpPr>
+          <p:cNvPr id="16" name="CaixaDeTexto 15">
+            <a:extLst>
+              <a:ext uri="{FF2B5EF4-FFF2-40B4-BE49-F238E27FC236}">
+                <a16:creationId xmlns:a16="http://schemas.microsoft.com/office/drawing/2014/main" id="{A84B945F-8C20-43A1-97B6-F4468B54A6E4}"/>
+              </a:ext>
+            </a:extLst>
+          </p:cNvPr>
+          <p:cNvSpPr txBox="1"/>
+          <p:nvPr/>
+        </p:nvSpPr>
+        <p:spPr>
+          <a:xfrm>
+            <a:off x="304174" y="4391682"/>
+            <a:ext cx="5690660" cy="369332"/>
+          </a:xfrm>
+          <a:prstGeom prst="rect">
+            <a:avLst/>
+          </a:prstGeom>
+          <a:noFill/>
+        </p:spPr>
+        <p:txBody>
+          <a:bodyPr wrap="none" rtlCol="0">
+            <a:spAutoFit/>
+          </a:bodyPr>
+          <a:lstStyle/>
+          <a:p>
+            <a:pPr algn="r"/>
+            <a:r>
+              <a:rPr lang="pt-BR" spc="-1" dirty="0">
+                <a:solidFill>
+                  <a:srgbClr val="000000"/>
+                </a:solidFill>
+                <a:uFill>
+                  <a:solidFill>
+                    <a:srgbClr val="FFFFFF"/>
+                  </a:solidFill>
+                </a:uFill>
+              </a:rPr>
+              <a:t>a, a, b, d, c, a, a, c, a, a, b, c, c, b, b, a, a, b, a, a, b, c,</a:t>
+            </a:r>
+            <a:endParaRPr lang="pt-BR" dirty="0"/>
+          </a:p>
+        </p:txBody>
+      </p:sp>
+      <p:sp>
+        <p:nvSpPr>
+          <p:cNvPr id="19" name="CaixaDeTexto 18">
+            <a:extLst>
+              <a:ext uri="{FF2B5EF4-FFF2-40B4-BE49-F238E27FC236}">
+                <a16:creationId xmlns:a16="http://schemas.microsoft.com/office/drawing/2014/main" id="{57D22CB3-ABD5-408C-AF96-D4A71894B822}"/>
+              </a:ext>
+            </a:extLst>
+          </p:cNvPr>
+          <p:cNvSpPr txBox="1"/>
+          <p:nvPr/>
+        </p:nvSpPr>
+        <p:spPr>
+          <a:xfrm>
+            <a:off x="1326485" y="4963557"/>
+            <a:ext cx="1324337" cy="369332"/>
+          </a:xfrm>
+          <a:prstGeom prst="rect">
+            <a:avLst/>
+          </a:prstGeom>
+          <a:noFill/>
+        </p:spPr>
+        <p:txBody>
+          <a:bodyPr wrap="none" rtlCol="0">
+            <a:spAutoFit/>
+          </a:bodyPr>
+          <a:lstStyle/>
+          <a:p>
+            <a:pPr algn="r"/>
+            <a:r>
+              <a:rPr lang="pt-BR" spc="-1" dirty="0">
+                <a:solidFill>
+                  <a:srgbClr val="000000"/>
+                </a:solidFill>
+                <a:uFill>
+                  <a:solidFill>
+                    <a:srgbClr val="FFFFFF"/>
+                  </a:solidFill>
+                </a:uFill>
+              </a:rPr>
+              <a:t>a, a, b, a, c</a:t>
+            </a:r>
+          </a:p>
+        </p:txBody>
+      </p:sp>
+      <p:cxnSp>
+        <p:nvCxnSpPr>
+          <p:cNvPr id="21" name="Conector de Seta Reta 20">
+            <a:extLst>
+              <a:ext uri="{FF2B5EF4-FFF2-40B4-BE49-F238E27FC236}">
+                <a16:creationId xmlns:a16="http://schemas.microsoft.com/office/drawing/2014/main" id="{7E884258-27EA-4E8B-A785-E5B193067676}"/>
+              </a:ext>
+            </a:extLst>
+          </p:cNvPr>
+          <p:cNvCxnSpPr>
+            <a:cxnSpLocks/>
+          </p:cNvCxnSpPr>
+          <p:nvPr/>
+        </p:nvCxnSpPr>
+        <p:spPr>
+          <a:xfrm>
+            <a:off x="2206171" y="4128840"/>
+            <a:ext cx="203200" cy="341560"/>
+          </a:xfrm>
+          <a:prstGeom prst="straightConnector1">
+            <a:avLst/>
+          </a:prstGeom>
+          <a:ln>
+            <a:tailEnd type="triangle"/>
+          </a:ln>
+        </p:spPr>
+        <p:style>
+          <a:lnRef idx="1">
+            <a:schemeClr val="accent1"/>
+          </a:lnRef>
+          <a:fillRef idx="0">
+            <a:schemeClr val="accent1"/>
+          </a:fillRef>
+          <a:effectRef idx="0">
+            <a:schemeClr val="accent1"/>
+          </a:effectRef>
+          <a:fontRef idx="minor">
+            <a:schemeClr val="tx1"/>
+          </a:fontRef>
+        </p:style>
+      </p:cxnSp>
+      <p:sp>
+        <p:nvSpPr>
+          <p:cNvPr id="33" name="CaixaDeTexto 32">
+            <a:extLst>
+              <a:ext uri="{FF2B5EF4-FFF2-40B4-BE49-F238E27FC236}">
+                <a16:creationId xmlns:a16="http://schemas.microsoft.com/office/drawing/2014/main" id="{A128AA22-3CE3-4E5A-AFCB-9B5DF9B1FE7E}"/>
+              </a:ext>
+            </a:extLst>
+          </p:cNvPr>
+          <p:cNvSpPr txBox="1"/>
+          <p:nvPr/>
+        </p:nvSpPr>
+        <p:spPr>
+          <a:xfrm>
+            <a:off x="2732617" y="4979760"/>
+            <a:ext cx="5846472" cy="646331"/>
+          </a:xfrm>
+          <a:prstGeom prst="rect">
+            <a:avLst/>
+          </a:prstGeom>
+          <a:noFill/>
+        </p:spPr>
+        <p:txBody>
+          <a:bodyPr wrap="none" rtlCol="0">
+            <a:spAutoFit/>
+          </a:bodyPr>
+          <a:lstStyle/>
+          <a:p>
+            <a:pPr algn="r"/>
+            <a:r>
+              <a:rPr lang="pt-BR" dirty="0"/>
+              <a:t>novo j = 4 no final do padrão. Pois o algoritmo compara</a:t>
+            </a:r>
+          </a:p>
+          <a:p>
+            <a:pPr algn="r"/>
+            <a:r>
+              <a:rPr lang="pt-BR" dirty="0"/>
+              <a:t>de trás para a frente o texto com o padrão.</a:t>
+            </a:r>
+          </a:p>
+        </p:txBody>
+      </p:sp>
+      <p:cxnSp>
+        <p:nvCxnSpPr>
+          <p:cNvPr id="34" name="Conector de Seta Reta 33">
+            <a:extLst>
+              <a:ext uri="{FF2B5EF4-FFF2-40B4-BE49-F238E27FC236}">
+                <a16:creationId xmlns:a16="http://schemas.microsoft.com/office/drawing/2014/main" id="{C59EE54A-AA44-42B7-9617-DC964E28CFA1}"/>
+              </a:ext>
+            </a:extLst>
+          </p:cNvPr>
+          <p:cNvCxnSpPr>
+            <a:cxnSpLocks/>
+          </p:cNvCxnSpPr>
+          <p:nvPr/>
+        </p:nvCxnSpPr>
+        <p:spPr>
+          <a:xfrm flipH="1" flipV="1">
+            <a:off x="2583540" y="5152572"/>
+            <a:ext cx="265191" cy="74516"/>
+          </a:xfrm>
+          <a:prstGeom prst="straightConnector1">
+            <a:avLst/>
+          </a:prstGeom>
+          <a:ln>
+            <a:tailEnd type="triangle"/>
+          </a:ln>
+        </p:spPr>
+        <p:style>
+          <a:lnRef idx="1">
+            <a:schemeClr val="accent1"/>
+          </a:lnRef>
+          <a:fillRef idx="0">
+            <a:schemeClr val="accent1"/>
+          </a:fillRef>
+          <a:effectRef idx="0">
+            <a:schemeClr val="accent1"/>
+          </a:effectRef>
+          <a:fontRef idx="minor">
+            <a:schemeClr val="tx1"/>
+          </a:fontRef>
+        </p:style>
+      </p:cxnSp>
+    </p:spTree>
+    <p:extLst>
+      <p:ext uri="{BB962C8B-B14F-4D97-AF65-F5344CB8AC3E}">
+        <p14:creationId xmlns:p14="http://schemas.microsoft.com/office/powerpoint/2010/main" val="4277760070"/>
+      </p:ext>
+    </p:extLst>
+  </p:cSld>
+  <p:clrMapOvr>
+    <a:masterClrMapping/>
+  </p:clrMapOvr>
+  <p:timing>
+    <p:tnLst>
+      <p:par>
+        <p:cTn id="1" dur="indefinite" restart="never" nodeType="tmRoot">
+          <p:childTnLst>
+            <p:seq>
+              <p:cTn id="2" nodeType="mainSeq"/>
+              <p:prevCondLst>
+                <p:cond evt="onPrev" delay="0">
+                  <p:tgtEl>
+                    <p:sldTgt/>
+                  </p:tgtEl>
+                </p:cond>
+              </p:prevCondLst>
+              <p:nextCondLst>
+                <p:cond evt="onNext" delay="0">
+                  <p:tgtEl>
+                    <p:sldTgt/>
+                  </p:tgtEl>
+                </p:cond>
+              </p:nextCondLst>
+            </p:seq>
+          </p:childTnLst>
+        </p:cTn>
+      </p:par>
+    </p:tnLst>
+  </p:timing>
+</p:sld>
+</file>
+
+<file path=ppt/slides/slide17.xml><?xml version="1.0" encoding="utf-8"?>
+<p:sld xmlns:a="http://schemas.openxmlformats.org/drawingml/2006/main" xmlns:r="http://schemas.openxmlformats.org/officeDocument/2006/relationships" xmlns:p="http://schemas.openxmlformats.org/presentationml/2006/main">
+  <p:cSld>
+    <p:bg>
+      <p:bgPr>
+        <a:blipFill>
+          <a:blip r:embed="rId2"/>
+          <a:tile/>
+        </a:blipFill>
+        <a:effectLst/>
+      </p:bgPr>
+    </p:bg>
+    <p:spTree>
+      <p:nvGrpSpPr>
+        <p:cNvPr id="1" name=""/>
+        <p:cNvGrpSpPr/>
+        <p:nvPr/>
+      </p:nvGrpSpPr>
+      <p:grpSpPr>
+        <a:xfrm>
+          <a:off x="0" y="0"/>
+          <a:ext cx="0" cy="0"/>
+          <a:chOff x="0" y="0"/>
+          <a:chExt cx="0" cy="0"/>
+        </a:xfrm>
+      </p:grpSpPr>
+      <p:sp>
+        <p:nvSpPr>
+          <p:cNvPr id="66" name="TextShape 1"/>
+          <p:cNvSpPr txBox="1"/>
+          <p:nvPr/>
+        </p:nvSpPr>
+        <p:spPr>
+          <a:xfrm>
+            <a:off x="863999" y="575999"/>
+            <a:ext cx="5522287" cy="393537"/>
+          </a:xfrm>
+          <a:prstGeom prst="rect">
+            <a:avLst/>
+          </a:prstGeom>
+          <a:noFill/>
+          <a:ln>
+            <a:noFill/>
+          </a:ln>
+        </p:spPr>
+        <p:txBody>
+          <a:bodyPr lIns="90000" tIns="45000" rIns="90000" bIns="45000"/>
+          <a:lstStyle/>
+          <a:p>
+            <a:r>
+              <a:rPr lang="pt-BR" sz="1800" b="0" strike="noStrike" spc="-1" dirty="0">
+                <a:solidFill>
+                  <a:srgbClr val="000000"/>
+                </a:solidFill>
+                <a:uFill>
+                  <a:solidFill>
+                    <a:srgbClr val="FFFFFF"/>
+                  </a:solidFill>
+                </a:uFill>
+                <a:latin typeface="Arial"/>
+              </a:rPr>
+              <a:t>Caso 2: A última ocorrência de x no padrão está em um índice menor que j;</a:t>
+            </a:r>
+          </a:p>
+        </p:txBody>
+      </p:sp>
+      <p:sp>
+        <p:nvSpPr>
+          <p:cNvPr id="4" name="TextShape 3">
+            <a:extLst>
+              <a:ext uri="{FF2B5EF4-FFF2-40B4-BE49-F238E27FC236}">
+                <a16:creationId xmlns:a16="http://schemas.microsoft.com/office/drawing/2014/main" id="{1EB89F89-1708-4C17-83B1-479AC02BC0D3}"/>
+              </a:ext>
+            </a:extLst>
+          </p:cNvPr>
+          <p:cNvSpPr txBox="1"/>
+          <p:nvPr/>
+        </p:nvSpPr>
+        <p:spPr>
+          <a:xfrm>
+            <a:off x="140996" y="1047912"/>
+            <a:ext cx="6968291" cy="1102680"/>
+          </a:xfrm>
+          <a:prstGeom prst="rect">
+            <a:avLst/>
+          </a:prstGeom>
+          <a:noFill/>
+          <a:ln>
+            <a:noFill/>
+          </a:ln>
+        </p:spPr>
+        <p:txBody>
+          <a:bodyPr lIns="90000" tIns="45000" rIns="90000" bIns="45000"/>
+          <a:lstStyle/>
+          <a:p>
+            <a:endParaRPr lang="pt-BR" sz="1800" b="0" strike="noStrike" spc="-1" dirty="0">
+              <a:solidFill>
+                <a:srgbClr val="000000"/>
+              </a:solidFill>
+              <a:uFill>
+                <a:solidFill>
+                  <a:srgbClr val="FFFFFF"/>
+                </a:solidFill>
+              </a:uFill>
+              <a:latin typeface="Arial"/>
+            </a:endParaRPr>
+          </a:p>
+        </p:txBody>
+      </p:sp>
+      <p:pic>
+        <p:nvPicPr>
+          <p:cNvPr id="2" name="Imagem 1">
+            <a:extLst>
+              <a:ext uri="{FF2B5EF4-FFF2-40B4-BE49-F238E27FC236}">
+                <a16:creationId xmlns:a16="http://schemas.microsoft.com/office/drawing/2014/main" id="{6C47ABB7-EC50-47D5-9B9D-91A7713F6468}"/>
+              </a:ext>
+            </a:extLst>
+          </p:cNvPr>
+          <p:cNvPicPr>
+            <a:picLocks noChangeAspect="1"/>
+          </p:cNvPicPr>
+          <p:nvPr/>
+        </p:nvPicPr>
+        <p:blipFill>
+          <a:blip r:embed="rId3"/>
+          <a:stretch>
+            <a:fillRect/>
+          </a:stretch>
+        </p:blipFill>
+        <p:spPr>
+          <a:xfrm>
+            <a:off x="988332" y="2150592"/>
+            <a:ext cx="6877050" cy="2219325"/>
+          </a:xfrm>
+          <a:prstGeom prst="rect">
+            <a:avLst/>
+          </a:prstGeom>
+        </p:spPr>
+      </p:pic>
+      <p:sp>
+        <p:nvSpPr>
+          <p:cNvPr id="13" name="CaixaDeTexto 12">
+            <a:extLst>
+              <a:ext uri="{FF2B5EF4-FFF2-40B4-BE49-F238E27FC236}">
+                <a16:creationId xmlns:a16="http://schemas.microsoft.com/office/drawing/2014/main" id="{680ACFFE-07B7-452A-9D44-A71A6F67EC94}"/>
+              </a:ext>
+            </a:extLst>
+          </p:cNvPr>
+          <p:cNvSpPr txBox="1"/>
+          <p:nvPr/>
+        </p:nvSpPr>
+        <p:spPr>
+          <a:xfrm>
+            <a:off x="141098" y="4914196"/>
+            <a:ext cx="5882765" cy="369332"/>
+          </a:xfrm>
+          <a:prstGeom prst="rect">
+            <a:avLst/>
+          </a:prstGeom>
+          <a:noFill/>
+        </p:spPr>
+        <p:txBody>
+          <a:bodyPr wrap="none" rtlCol="0">
+            <a:spAutoFit/>
+          </a:bodyPr>
+          <a:lstStyle/>
+          <a:p>
+            <a:pPr algn="r"/>
+            <a:r>
+              <a:rPr lang="pt-BR" spc="-1" dirty="0">
+                <a:solidFill>
+                  <a:srgbClr val="000000"/>
+                </a:solidFill>
+                <a:uFill>
+                  <a:solidFill>
+                    <a:srgbClr val="FFFFFF"/>
+                  </a:solidFill>
+                </a:uFill>
+              </a:rPr>
+              <a:t>a, a, b, d, c, a, a, b, c, a, b, c, c, b, b, a, a, b, a, a, b, c, c</a:t>
+            </a:r>
+            <a:endParaRPr lang="pt-BR" dirty="0"/>
+          </a:p>
+        </p:txBody>
+      </p:sp>
+      <p:sp>
+        <p:nvSpPr>
+          <p:cNvPr id="14" name="CaixaDeTexto 13">
+            <a:extLst>
+              <a:ext uri="{FF2B5EF4-FFF2-40B4-BE49-F238E27FC236}">
+                <a16:creationId xmlns:a16="http://schemas.microsoft.com/office/drawing/2014/main" id="{4A946AC9-3B4F-456E-984E-3FDB544A6774}"/>
+              </a:ext>
+            </a:extLst>
+          </p:cNvPr>
+          <p:cNvSpPr txBox="1"/>
+          <p:nvPr/>
+        </p:nvSpPr>
+        <p:spPr>
+          <a:xfrm>
+            <a:off x="1228697" y="5359133"/>
+            <a:ext cx="1311513" cy="369332"/>
+          </a:xfrm>
+          <a:prstGeom prst="rect">
+            <a:avLst/>
+          </a:prstGeom>
+          <a:noFill/>
+        </p:spPr>
+        <p:txBody>
+          <a:bodyPr wrap="none" rtlCol="0">
+            <a:spAutoFit/>
+          </a:bodyPr>
+          <a:lstStyle/>
+          <a:p>
+            <a:pPr algn="r"/>
+            <a:r>
+              <a:rPr lang="pt-BR" spc="-1" dirty="0">
+                <a:solidFill>
+                  <a:srgbClr val="000000"/>
+                </a:solidFill>
+                <a:uFill>
+                  <a:solidFill>
+                    <a:srgbClr val="FFFFFF"/>
+                  </a:solidFill>
+                </a:uFill>
+              </a:rPr>
+              <a:t>a, b, c, a, c</a:t>
+            </a:r>
+          </a:p>
+        </p:txBody>
+      </p:sp>
+      <p:sp>
+        <p:nvSpPr>
+          <p:cNvPr id="5" name="CaixaDeTexto 4">
+            <a:extLst>
+              <a:ext uri="{FF2B5EF4-FFF2-40B4-BE49-F238E27FC236}">
+                <a16:creationId xmlns:a16="http://schemas.microsoft.com/office/drawing/2014/main" id="{094C9A29-E0A5-4695-9B94-0787143D77AA}"/>
+              </a:ext>
+            </a:extLst>
+          </p:cNvPr>
+          <p:cNvSpPr txBox="1"/>
+          <p:nvPr/>
+        </p:nvSpPr>
+        <p:spPr>
+          <a:xfrm>
+            <a:off x="1974029" y="4578819"/>
+            <a:ext cx="377454" cy="369332"/>
+          </a:xfrm>
+          <a:prstGeom prst="rect">
+            <a:avLst/>
+          </a:prstGeom>
+          <a:noFill/>
+        </p:spPr>
+        <p:txBody>
+          <a:bodyPr wrap="square" rtlCol="0">
+            <a:spAutoFit/>
+          </a:bodyPr>
+          <a:lstStyle/>
+          <a:p>
+            <a:r>
+              <a:rPr lang="pt-BR" dirty="0"/>
+              <a:t>i</a:t>
+            </a:r>
+          </a:p>
+        </p:txBody>
+      </p:sp>
+      <p:sp>
+        <p:nvSpPr>
+          <p:cNvPr id="18" name="CaixaDeTexto 17">
+            <a:extLst>
+              <a:ext uri="{FF2B5EF4-FFF2-40B4-BE49-F238E27FC236}">
+                <a16:creationId xmlns:a16="http://schemas.microsoft.com/office/drawing/2014/main" id="{421927D0-151C-4A1C-96DB-5B45D1528AAA}"/>
+              </a:ext>
+            </a:extLst>
+          </p:cNvPr>
+          <p:cNvSpPr txBox="1"/>
+          <p:nvPr/>
+        </p:nvSpPr>
+        <p:spPr>
+          <a:xfrm>
+            <a:off x="2059337" y="5728465"/>
+            <a:ext cx="206838" cy="369332"/>
+          </a:xfrm>
+          <a:prstGeom prst="rect">
+            <a:avLst/>
+          </a:prstGeom>
+          <a:noFill/>
+        </p:spPr>
+        <p:txBody>
+          <a:bodyPr wrap="square" rtlCol="0">
+            <a:spAutoFit/>
+          </a:bodyPr>
+          <a:lstStyle/>
+          <a:p>
+            <a:r>
+              <a:rPr lang="pt-BR" dirty="0"/>
+              <a:t>j</a:t>
+            </a:r>
+          </a:p>
+        </p:txBody>
+      </p:sp>
+      <p:sp>
+        <p:nvSpPr>
+          <p:cNvPr id="20" name="Line 4">
+            <a:extLst>
+              <a:ext uri="{FF2B5EF4-FFF2-40B4-BE49-F238E27FC236}">
+                <a16:creationId xmlns:a16="http://schemas.microsoft.com/office/drawing/2014/main" id="{8593C1A7-0B7A-409D-8D3D-2067736B47D3}"/>
+              </a:ext>
+            </a:extLst>
+          </p:cNvPr>
+          <p:cNvSpPr/>
+          <p:nvPr/>
+        </p:nvSpPr>
+        <p:spPr>
+          <a:xfrm flipV="1">
+            <a:off x="2380511" y="5211779"/>
+            <a:ext cx="0" cy="265680"/>
+          </a:xfrm>
+          <a:prstGeom prst="line">
+            <a:avLst/>
+          </a:prstGeom>
+          <a:ln>
+            <a:solidFill>
+              <a:srgbClr val="7FFF00"/>
+            </a:solidFill>
+            <a:headEnd type="triangle" w="med" len="med"/>
+            <a:tailEnd type="triangle" w="med" len="med"/>
+          </a:ln>
+        </p:spPr>
+        <p:style>
+          <a:lnRef idx="0">
+            <a:scrgbClr r="0" g="0" b="0"/>
+          </a:lnRef>
+          <a:fillRef idx="0">
+            <a:scrgbClr r="0" g="0" b="0"/>
+          </a:fillRef>
+          <a:effectRef idx="0">
+            <a:scrgbClr r="0" g="0" b="0"/>
+          </a:effectRef>
+          <a:fontRef idx="minor"/>
+        </p:style>
+        <p:txBody>
+          <a:bodyPr/>
+          <a:lstStyle/>
+          <a:p>
+            <a:endParaRPr lang="pt-BR" dirty="0"/>
+          </a:p>
+        </p:txBody>
+      </p:sp>
+      <p:sp>
+        <p:nvSpPr>
+          <p:cNvPr id="22" name="Line 5">
+            <a:extLst>
+              <a:ext uri="{FF2B5EF4-FFF2-40B4-BE49-F238E27FC236}">
+                <a16:creationId xmlns:a16="http://schemas.microsoft.com/office/drawing/2014/main" id="{2451C8FF-6BE8-49D2-A648-16834013DFA9}"/>
+              </a:ext>
+            </a:extLst>
+          </p:cNvPr>
+          <p:cNvSpPr/>
+          <p:nvPr/>
+        </p:nvSpPr>
+        <p:spPr>
+          <a:xfrm flipV="1">
+            <a:off x="2131907" y="5187110"/>
+            <a:ext cx="0" cy="265680"/>
+          </a:xfrm>
+          <a:prstGeom prst="line">
+            <a:avLst/>
+          </a:prstGeom>
+          <a:ln>
+            <a:solidFill>
+              <a:srgbClr val="FF0000"/>
+            </a:solidFill>
+            <a:headEnd type="triangle" w="med" len="med"/>
+            <a:tailEnd type="triangle" w="med" len="med"/>
+          </a:ln>
+        </p:spPr>
+        <p:style>
+          <a:lnRef idx="0">
+            <a:scrgbClr r="0" g="0" b="0"/>
+          </a:lnRef>
+          <a:fillRef idx="0">
+            <a:scrgbClr r="0" g="0" b="0"/>
+          </a:fillRef>
+          <a:effectRef idx="0">
+            <a:scrgbClr r="0" g="0" b="0"/>
+          </a:effectRef>
+          <a:fontRef idx="minor"/>
+        </p:style>
+        <p:txBody>
+          <a:bodyPr/>
+          <a:lstStyle/>
+          <a:p>
+            <a:endParaRPr lang="pt-BR" dirty="0"/>
+          </a:p>
+        </p:txBody>
+      </p:sp>
+    </p:spTree>
+    <p:extLst>
+      <p:ext uri="{BB962C8B-B14F-4D97-AF65-F5344CB8AC3E}">
+        <p14:creationId xmlns:p14="http://schemas.microsoft.com/office/powerpoint/2010/main" val="1940195837"/>
+      </p:ext>
+    </p:extLst>
+  </p:cSld>
+  <p:clrMapOvr>
+    <a:masterClrMapping/>
+  </p:clrMapOvr>
+  <p:timing>
+    <p:tnLst>
+      <p:par>
+        <p:cTn id="1" dur="indefinite" restart="never" nodeType="tmRoot">
+          <p:childTnLst>
+            <p:seq>
+              <p:cTn id="2" nodeType="mainSeq"/>
+              <p:prevCondLst>
+                <p:cond evt="onPrev" delay="0">
+                  <p:tgtEl>
+                    <p:sldTgt/>
+                  </p:tgtEl>
+                </p:cond>
+              </p:prevCondLst>
+              <p:nextCondLst>
+                <p:cond evt="onNext" delay="0">
+                  <p:tgtEl>
+                    <p:sldTgt/>
+                  </p:tgtEl>
+                </p:cond>
+              </p:nextCondLst>
+            </p:seq>
+          </p:childTnLst>
+        </p:cTn>
+      </p:par>
+    </p:tnLst>
+  </p:timing>
+</p:sld>
+</file>
+
+<file path=ppt/slides/slide18.xml><?xml version="1.0" encoding="utf-8"?>
+<p:sld xmlns:a="http://schemas.openxmlformats.org/drawingml/2006/main" xmlns:r="http://schemas.openxmlformats.org/officeDocument/2006/relationships" xmlns:p="http://schemas.openxmlformats.org/presentationml/2006/main">
+  <p:cSld>
+    <p:bg>
+      <p:bgPr>
+        <a:blipFill>
+          <a:blip r:embed="rId2"/>
+          <a:tile/>
+        </a:blipFill>
+        <a:effectLst/>
+      </p:bgPr>
+    </p:bg>
+    <p:spTree>
+      <p:nvGrpSpPr>
+        <p:cNvPr id="1" name=""/>
+        <p:cNvGrpSpPr/>
+        <p:nvPr/>
+      </p:nvGrpSpPr>
+      <p:grpSpPr>
+        <a:xfrm>
+          <a:off x="0" y="0"/>
+          <a:ext cx="0" cy="0"/>
+          <a:chOff x="0" y="0"/>
+          <a:chExt cx="0" cy="0"/>
+        </a:xfrm>
+      </p:grpSpPr>
+      <p:sp>
+        <p:nvSpPr>
+          <p:cNvPr id="11" name="CaixaDeTexto 10">
+            <a:extLst>
+              <a:ext uri="{FF2B5EF4-FFF2-40B4-BE49-F238E27FC236}">
+                <a16:creationId xmlns:a16="http://schemas.microsoft.com/office/drawing/2014/main" id="{6799F454-AA97-45A9-9C2B-DD000675A1D7}"/>
+              </a:ext>
+            </a:extLst>
+          </p:cNvPr>
+          <p:cNvSpPr txBox="1"/>
+          <p:nvPr/>
+        </p:nvSpPr>
+        <p:spPr>
+          <a:xfrm>
+            <a:off x="965598" y="2655402"/>
+            <a:ext cx="5882765" cy="369332"/>
+          </a:xfrm>
+          <a:prstGeom prst="rect">
+            <a:avLst/>
+          </a:prstGeom>
+          <a:noFill/>
+        </p:spPr>
+        <p:txBody>
+          <a:bodyPr wrap="none" rtlCol="0">
+            <a:spAutoFit/>
+          </a:bodyPr>
+          <a:lstStyle/>
+          <a:p>
+            <a:pPr algn="r"/>
+            <a:r>
+              <a:rPr lang="pt-BR" spc="-1" dirty="0">
+                <a:solidFill>
+                  <a:srgbClr val="000000"/>
+                </a:solidFill>
+                <a:uFill>
+                  <a:solidFill>
+                    <a:srgbClr val="FFFFFF"/>
+                  </a:solidFill>
+                </a:uFill>
+              </a:rPr>
+              <a:t>a, a, b, d, c, a, a, b, c, a, b, c, c, b, b, a, a, b, a, a, b, c, c</a:t>
+            </a:r>
+            <a:endParaRPr lang="pt-BR" dirty="0"/>
+          </a:p>
+        </p:txBody>
+      </p:sp>
+      <p:sp>
+        <p:nvSpPr>
+          <p:cNvPr id="12" name="CaixaDeTexto 11">
+            <a:extLst>
+              <a:ext uri="{FF2B5EF4-FFF2-40B4-BE49-F238E27FC236}">
+                <a16:creationId xmlns:a16="http://schemas.microsoft.com/office/drawing/2014/main" id="{2767571D-A9B9-4B8E-9C8A-0BBBBA2E9D4F}"/>
+              </a:ext>
+            </a:extLst>
+          </p:cNvPr>
+          <p:cNvSpPr txBox="1"/>
+          <p:nvPr/>
+        </p:nvSpPr>
+        <p:spPr>
+          <a:xfrm>
+            <a:off x="2563752" y="3024734"/>
+            <a:ext cx="1311513" cy="369332"/>
+          </a:xfrm>
+          <a:prstGeom prst="rect">
+            <a:avLst/>
+          </a:prstGeom>
+          <a:noFill/>
+        </p:spPr>
+        <p:txBody>
+          <a:bodyPr wrap="none" rtlCol="0">
+            <a:spAutoFit/>
+          </a:bodyPr>
+          <a:lstStyle/>
+          <a:p>
+            <a:pPr algn="r"/>
+            <a:r>
+              <a:rPr lang="pt-BR" spc="-1" dirty="0">
+                <a:solidFill>
+                  <a:srgbClr val="000000"/>
+                </a:solidFill>
+                <a:uFill>
+                  <a:solidFill>
+                    <a:srgbClr val="FFFFFF"/>
+                  </a:solidFill>
+                </a:uFill>
+              </a:rPr>
+              <a:t>a, b, c, a, c</a:t>
+            </a:r>
+          </a:p>
+        </p:txBody>
+      </p:sp>
+      <p:sp>
+        <p:nvSpPr>
+          <p:cNvPr id="15" name="CaixaDeTexto 14">
+            <a:extLst>
+              <a:ext uri="{FF2B5EF4-FFF2-40B4-BE49-F238E27FC236}">
+                <a16:creationId xmlns:a16="http://schemas.microsoft.com/office/drawing/2014/main" id="{046864BB-3438-4B5B-99A1-6A1B579039AD}"/>
+              </a:ext>
+            </a:extLst>
+          </p:cNvPr>
+          <p:cNvSpPr txBox="1"/>
+          <p:nvPr/>
+        </p:nvSpPr>
+        <p:spPr>
+          <a:xfrm>
+            <a:off x="863998" y="678580"/>
+            <a:ext cx="5882765" cy="369332"/>
+          </a:xfrm>
+          <a:prstGeom prst="rect">
+            <a:avLst/>
+          </a:prstGeom>
+          <a:noFill/>
+        </p:spPr>
+        <p:txBody>
+          <a:bodyPr wrap="none" rtlCol="0">
+            <a:spAutoFit/>
+          </a:bodyPr>
+          <a:lstStyle/>
+          <a:p>
+            <a:pPr algn="r"/>
+            <a:r>
+              <a:rPr lang="pt-BR" spc="-1" dirty="0">
+                <a:solidFill>
+                  <a:srgbClr val="000000"/>
+                </a:solidFill>
+                <a:uFill>
+                  <a:solidFill>
+                    <a:srgbClr val="FFFFFF"/>
+                  </a:solidFill>
+                </a:uFill>
+              </a:rPr>
+              <a:t>a, a, b, d, c, a, a, b, c, a, b, c, c, b, b, a, a, b, a, a, b, c, c</a:t>
+            </a:r>
+            <a:endParaRPr lang="pt-BR" dirty="0"/>
+          </a:p>
+        </p:txBody>
+      </p:sp>
+      <p:sp>
+        <p:nvSpPr>
+          <p:cNvPr id="16" name="CaixaDeTexto 15">
+            <a:extLst>
+              <a:ext uri="{FF2B5EF4-FFF2-40B4-BE49-F238E27FC236}">
+                <a16:creationId xmlns:a16="http://schemas.microsoft.com/office/drawing/2014/main" id="{F51006FD-86AE-45A3-BFAA-1155069895F5}"/>
+              </a:ext>
+            </a:extLst>
+          </p:cNvPr>
+          <p:cNvSpPr txBox="1"/>
+          <p:nvPr/>
+        </p:nvSpPr>
+        <p:spPr>
+          <a:xfrm>
+            <a:off x="1951597" y="1123517"/>
+            <a:ext cx="1311513" cy="369332"/>
+          </a:xfrm>
+          <a:prstGeom prst="rect">
+            <a:avLst/>
+          </a:prstGeom>
+          <a:noFill/>
+        </p:spPr>
+        <p:txBody>
+          <a:bodyPr wrap="none" rtlCol="0">
+            <a:spAutoFit/>
+          </a:bodyPr>
+          <a:lstStyle/>
+          <a:p>
+            <a:pPr algn="r"/>
+            <a:r>
+              <a:rPr lang="pt-BR" spc="-1" dirty="0">
+                <a:solidFill>
+                  <a:srgbClr val="000000"/>
+                </a:solidFill>
+                <a:uFill>
+                  <a:solidFill>
+                    <a:srgbClr val="FFFFFF"/>
+                  </a:solidFill>
+                </a:uFill>
+              </a:rPr>
+              <a:t>a, b, c, a, c</a:t>
+            </a:r>
+          </a:p>
+        </p:txBody>
+      </p:sp>
+      <p:sp>
+        <p:nvSpPr>
+          <p:cNvPr id="17" name="CaixaDeTexto 16">
+            <a:extLst>
+              <a:ext uri="{FF2B5EF4-FFF2-40B4-BE49-F238E27FC236}">
+                <a16:creationId xmlns:a16="http://schemas.microsoft.com/office/drawing/2014/main" id="{1C72FE98-B40B-4FD5-8F35-87B28DCB1D78}"/>
+              </a:ext>
+            </a:extLst>
+          </p:cNvPr>
+          <p:cNvSpPr txBox="1"/>
+          <p:nvPr/>
+        </p:nvSpPr>
+        <p:spPr>
+          <a:xfrm>
+            <a:off x="2696929" y="343203"/>
+            <a:ext cx="377454" cy="369332"/>
+          </a:xfrm>
+          <a:prstGeom prst="rect">
+            <a:avLst/>
+          </a:prstGeom>
+          <a:noFill/>
+        </p:spPr>
+        <p:txBody>
+          <a:bodyPr wrap="square" rtlCol="0">
+            <a:spAutoFit/>
+          </a:bodyPr>
+          <a:lstStyle/>
+          <a:p>
+            <a:r>
+              <a:rPr lang="pt-BR" dirty="0"/>
+              <a:t>i</a:t>
+            </a:r>
+          </a:p>
+        </p:txBody>
+      </p:sp>
+      <p:sp>
+        <p:nvSpPr>
+          <p:cNvPr id="19" name="CaixaDeTexto 18">
+            <a:extLst>
+              <a:ext uri="{FF2B5EF4-FFF2-40B4-BE49-F238E27FC236}">
+                <a16:creationId xmlns:a16="http://schemas.microsoft.com/office/drawing/2014/main" id="{5BBA6123-F184-45D9-9A51-521526B6D359}"/>
+              </a:ext>
+            </a:extLst>
+          </p:cNvPr>
+          <p:cNvSpPr txBox="1"/>
+          <p:nvPr/>
+        </p:nvSpPr>
+        <p:spPr>
+          <a:xfrm>
+            <a:off x="2782237" y="1492849"/>
+            <a:ext cx="206838" cy="369332"/>
+          </a:xfrm>
+          <a:prstGeom prst="rect">
+            <a:avLst/>
+          </a:prstGeom>
+          <a:noFill/>
+        </p:spPr>
+        <p:txBody>
+          <a:bodyPr wrap="square" rtlCol="0">
+            <a:spAutoFit/>
+          </a:bodyPr>
+          <a:lstStyle/>
+          <a:p>
+            <a:r>
+              <a:rPr lang="pt-BR" dirty="0"/>
+              <a:t>j</a:t>
+            </a:r>
+          </a:p>
+        </p:txBody>
+      </p:sp>
+      <p:sp>
+        <p:nvSpPr>
+          <p:cNvPr id="21" name="Line 4">
+            <a:extLst>
+              <a:ext uri="{FF2B5EF4-FFF2-40B4-BE49-F238E27FC236}">
+                <a16:creationId xmlns:a16="http://schemas.microsoft.com/office/drawing/2014/main" id="{BA3D8915-4E27-4257-9AF0-8E5C83F1F2CB}"/>
+              </a:ext>
+            </a:extLst>
+          </p:cNvPr>
+          <p:cNvSpPr/>
+          <p:nvPr/>
+        </p:nvSpPr>
+        <p:spPr>
+          <a:xfrm flipV="1">
+            <a:off x="3103411" y="976163"/>
+            <a:ext cx="0" cy="265680"/>
+          </a:xfrm>
+          <a:prstGeom prst="line">
+            <a:avLst/>
+          </a:prstGeom>
+          <a:ln>
+            <a:solidFill>
+              <a:srgbClr val="7FFF00"/>
+            </a:solidFill>
+            <a:headEnd type="triangle" w="med" len="med"/>
+            <a:tailEnd type="triangle" w="med" len="med"/>
+          </a:ln>
+        </p:spPr>
+        <p:style>
+          <a:lnRef idx="0">
+            <a:scrgbClr r="0" g="0" b="0"/>
+          </a:lnRef>
+          <a:fillRef idx="0">
+            <a:scrgbClr r="0" g="0" b="0"/>
+          </a:fillRef>
+          <a:effectRef idx="0">
+            <a:scrgbClr r="0" g="0" b="0"/>
+          </a:effectRef>
+          <a:fontRef idx="minor"/>
+        </p:style>
+        <p:txBody>
+          <a:bodyPr/>
+          <a:lstStyle/>
+          <a:p>
+            <a:endParaRPr lang="pt-BR" dirty="0"/>
+          </a:p>
+        </p:txBody>
+      </p:sp>
+      <p:sp>
+        <p:nvSpPr>
+          <p:cNvPr id="23" name="Line 5">
+            <a:extLst>
+              <a:ext uri="{FF2B5EF4-FFF2-40B4-BE49-F238E27FC236}">
+                <a16:creationId xmlns:a16="http://schemas.microsoft.com/office/drawing/2014/main" id="{024E9E21-EBB9-4BEB-8FBC-B6223A7B1FA6}"/>
+              </a:ext>
+            </a:extLst>
+          </p:cNvPr>
+          <p:cNvSpPr/>
+          <p:nvPr/>
+        </p:nvSpPr>
+        <p:spPr>
+          <a:xfrm flipV="1">
+            <a:off x="2854807" y="951494"/>
+            <a:ext cx="0" cy="265680"/>
+          </a:xfrm>
+          <a:prstGeom prst="line">
+            <a:avLst/>
+          </a:prstGeom>
+          <a:ln>
+            <a:solidFill>
+              <a:srgbClr val="FF0000"/>
+            </a:solidFill>
+            <a:headEnd type="triangle" w="med" len="med"/>
+            <a:tailEnd type="triangle" w="med" len="med"/>
+          </a:ln>
+        </p:spPr>
+        <p:style>
+          <a:lnRef idx="0">
+            <a:scrgbClr r="0" g="0" b="0"/>
+          </a:lnRef>
+          <a:fillRef idx="0">
+            <a:scrgbClr r="0" g="0" b="0"/>
+          </a:fillRef>
+          <a:effectRef idx="0">
+            <a:scrgbClr r="0" g="0" b="0"/>
+          </a:effectRef>
+          <a:fontRef idx="minor"/>
+        </p:style>
+        <p:txBody>
+          <a:bodyPr/>
+          <a:lstStyle/>
+          <a:p>
+            <a:endParaRPr lang="pt-BR" dirty="0"/>
+          </a:p>
+        </p:txBody>
+      </p:sp>
+      <p:cxnSp>
+        <p:nvCxnSpPr>
+          <p:cNvPr id="24" name="Conector de Seta Reta 23">
+            <a:extLst>
+              <a:ext uri="{FF2B5EF4-FFF2-40B4-BE49-F238E27FC236}">
+                <a16:creationId xmlns:a16="http://schemas.microsoft.com/office/drawing/2014/main" id="{7898D02D-7716-4887-BAE7-AB0C1D335AC6}"/>
+              </a:ext>
+            </a:extLst>
+          </p:cNvPr>
+          <p:cNvCxnSpPr>
+            <a:cxnSpLocks/>
+          </p:cNvCxnSpPr>
+          <p:nvPr/>
+        </p:nvCxnSpPr>
+        <p:spPr>
+          <a:xfrm flipV="1">
+            <a:off x="3274961" y="3469359"/>
+            <a:ext cx="0" cy="717928"/>
+          </a:xfrm>
+          <a:prstGeom prst="straightConnector1">
+            <a:avLst/>
+          </a:prstGeom>
+          <a:ln>
+            <a:tailEnd type="triangle"/>
+          </a:ln>
+        </p:spPr>
+        <p:style>
+          <a:lnRef idx="1">
+            <a:schemeClr val="accent1"/>
+          </a:lnRef>
+          <a:fillRef idx="0">
+            <a:schemeClr val="accent1"/>
+          </a:fillRef>
+          <a:effectRef idx="0">
+            <a:schemeClr val="accent1"/>
+          </a:effectRef>
+          <a:fontRef idx="minor">
+            <a:schemeClr val="tx1"/>
+          </a:fontRef>
+        </p:style>
+      </p:cxnSp>
+      <p:sp>
+        <p:nvSpPr>
+          <p:cNvPr id="3" name="CaixaDeTexto 2">
+            <a:extLst>
+              <a:ext uri="{FF2B5EF4-FFF2-40B4-BE49-F238E27FC236}">
+                <a16:creationId xmlns:a16="http://schemas.microsoft.com/office/drawing/2014/main" id="{89E5F6A8-4C99-469A-B199-66C0FD9DF947}"/>
+              </a:ext>
+            </a:extLst>
+          </p:cNvPr>
+          <p:cNvSpPr txBox="1"/>
+          <p:nvPr/>
+        </p:nvSpPr>
+        <p:spPr>
+          <a:xfrm>
+            <a:off x="1951597" y="4262580"/>
+            <a:ext cx="5189432" cy="646331"/>
+          </a:xfrm>
+          <a:prstGeom prst="rect">
+            <a:avLst/>
+          </a:prstGeom>
+          <a:noFill/>
+        </p:spPr>
+        <p:txBody>
+          <a:bodyPr wrap="square" rtlCol="0">
+            <a:spAutoFit/>
+          </a:bodyPr>
+          <a:lstStyle/>
+          <a:p>
+            <a:r>
+              <a:rPr lang="pt-BR" dirty="0"/>
+              <a:t>Alinhamento da última ocorrência do x ( ‘b’ ),</a:t>
+            </a:r>
+          </a:p>
+          <a:p>
+            <a:r>
+              <a:rPr lang="pt-BR" dirty="0"/>
+              <a:t>Com T[ 7 ];</a:t>
+            </a:r>
+          </a:p>
+        </p:txBody>
+      </p:sp>
+      <p:sp>
+        <p:nvSpPr>
+          <p:cNvPr id="25" name="CaixaDeTexto 24">
+            <a:extLst>
+              <a:ext uri="{FF2B5EF4-FFF2-40B4-BE49-F238E27FC236}">
+                <a16:creationId xmlns:a16="http://schemas.microsoft.com/office/drawing/2014/main" id="{F9433ACE-4FDB-4149-81F7-E40D46676CD4}"/>
+              </a:ext>
+            </a:extLst>
+          </p:cNvPr>
+          <p:cNvSpPr txBox="1"/>
+          <p:nvPr/>
+        </p:nvSpPr>
+        <p:spPr>
+          <a:xfrm>
+            <a:off x="3511247" y="2063758"/>
+            <a:ext cx="890596" cy="369332"/>
+          </a:xfrm>
+          <a:prstGeom prst="rect">
+            <a:avLst/>
+          </a:prstGeom>
+          <a:noFill/>
+        </p:spPr>
+        <p:txBody>
+          <a:bodyPr wrap="square" rtlCol="0">
+            <a:spAutoFit/>
+          </a:bodyPr>
+          <a:lstStyle/>
+          <a:p>
+            <a:r>
+              <a:rPr lang="pt-BR" dirty="0"/>
+              <a:t>i novo</a:t>
+            </a:r>
+          </a:p>
+        </p:txBody>
+      </p:sp>
+      <p:cxnSp>
+        <p:nvCxnSpPr>
+          <p:cNvPr id="26" name="Conector de Seta Reta 25">
+            <a:extLst>
+              <a:ext uri="{FF2B5EF4-FFF2-40B4-BE49-F238E27FC236}">
+                <a16:creationId xmlns:a16="http://schemas.microsoft.com/office/drawing/2014/main" id="{806C3B5E-71B2-46F2-8BD9-A0B53B9741D5}"/>
+              </a:ext>
+            </a:extLst>
+          </p:cNvPr>
+          <p:cNvCxnSpPr>
+            <a:cxnSpLocks/>
+          </p:cNvCxnSpPr>
+          <p:nvPr/>
+        </p:nvCxnSpPr>
+        <p:spPr>
+          <a:xfrm flipH="1">
+            <a:off x="3747533" y="2354643"/>
+            <a:ext cx="57847" cy="300759"/>
+          </a:xfrm>
+          <a:prstGeom prst="straightConnector1">
+            <a:avLst/>
+          </a:prstGeom>
+          <a:ln>
+            <a:tailEnd type="triangle"/>
+          </a:ln>
+        </p:spPr>
+        <p:style>
+          <a:lnRef idx="1">
+            <a:schemeClr val="accent1"/>
+          </a:lnRef>
+          <a:fillRef idx="0">
+            <a:schemeClr val="accent1"/>
+          </a:fillRef>
+          <a:effectRef idx="0">
+            <a:schemeClr val="accent1"/>
+          </a:effectRef>
+          <a:fontRef idx="minor">
+            <a:schemeClr val="tx1"/>
+          </a:fontRef>
+        </p:style>
+      </p:cxnSp>
+      <p:sp>
+        <p:nvSpPr>
+          <p:cNvPr id="27" name="CaixaDeTexto 26">
+            <a:extLst>
+              <a:ext uri="{FF2B5EF4-FFF2-40B4-BE49-F238E27FC236}">
+                <a16:creationId xmlns:a16="http://schemas.microsoft.com/office/drawing/2014/main" id="{C5A79FE9-E259-461E-87D5-576363FD80FF}"/>
+              </a:ext>
+            </a:extLst>
+          </p:cNvPr>
+          <p:cNvSpPr txBox="1"/>
+          <p:nvPr/>
+        </p:nvSpPr>
+        <p:spPr>
+          <a:xfrm>
+            <a:off x="4103905" y="3117251"/>
+            <a:ext cx="918038" cy="369332"/>
+          </a:xfrm>
+          <a:prstGeom prst="rect">
+            <a:avLst/>
+          </a:prstGeom>
+          <a:noFill/>
+        </p:spPr>
+        <p:txBody>
+          <a:bodyPr wrap="square" rtlCol="0">
+            <a:spAutoFit/>
+          </a:bodyPr>
+          <a:lstStyle/>
+          <a:p>
+            <a:r>
+              <a:rPr lang="pt-BR" dirty="0"/>
+              <a:t>j novo</a:t>
+            </a:r>
+          </a:p>
+        </p:txBody>
+      </p:sp>
+      <p:cxnSp>
+        <p:nvCxnSpPr>
+          <p:cNvPr id="28" name="Conector de Seta Reta 27">
+            <a:extLst>
+              <a:ext uri="{FF2B5EF4-FFF2-40B4-BE49-F238E27FC236}">
+                <a16:creationId xmlns:a16="http://schemas.microsoft.com/office/drawing/2014/main" id="{AAFB26A9-4992-4DA2-93D1-7313EA1A22C8}"/>
+              </a:ext>
+            </a:extLst>
+          </p:cNvPr>
+          <p:cNvCxnSpPr>
+            <a:cxnSpLocks/>
+          </p:cNvCxnSpPr>
+          <p:nvPr/>
+        </p:nvCxnSpPr>
+        <p:spPr>
+          <a:xfrm flipH="1" flipV="1">
+            <a:off x="3856990" y="3227401"/>
+            <a:ext cx="265191" cy="74516"/>
+          </a:xfrm>
+          <a:prstGeom prst="straightConnector1">
+            <a:avLst/>
+          </a:prstGeom>
+          <a:ln>
+            <a:tailEnd type="triangle"/>
+          </a:ln>
+        </p:spPr>
+        <p:style>
+          <a:lnRef idx="1">
+            <a:schemeClr val="accent1"/>
+          </a:lnRef>
+          <a:fillRef idx="0">
+            <a:schemeClr val="accent1"/>
+          </a:fillRef>
+          <a:effectRef idx="0">
+            <a:schemeClr val="accent1"/>
+          </a:effectRef>
+          <a:fontRef idx="minor">
+            <a:schemeClr val="tx1"/>
+          </a:fontRef>
+        </p:style>
+      </p:cxnSp>
+    </p:spTree>
+    <p:extLst>
+      <p:ext uri="{BB962C8B-B14F-4D97-AF65-F5344CB8AC3E}">
+        <p14:creationId xmlns:p14="http://schemas.microsoft.com/office/powerpoint/2010/main" val="1079671055"/>
+      </p:ext>
+    </p:extLst>
+  </p:cSld>
+  <p:clrMapOvr>
+    <a:masterClrMapping/>
+  </p:clrMapOvr>
+  <p:timing>
+    <p:tnLst>
+      <p:par>
+        <p:cTn id="1" dur="indefinite" restart="never" nodeType="tmRoot">
+          <p:childTnLst>
+            <p:seq>
+              <p:cTn id="2" nodeType="mainSeq"/>
+              <p:prevCondLst>
+                <p:cond evt="onPrev" delay="0">
+                  <p:tgtEl>
+                    <p:sldTgt/>
+                  </p:tgtEl>
+                </p:cond>
+              </p:prevCondLst>
+              <p:nextCondLst>
+                <p:cond evt="onNext" delay="0">
+                  <p:tgtEl>
+                    <p:sldTgt/>
+                  </p:tgtEl>
+                </p:cond>
+              </p:nextCondLst>
+            </p:seq>
+          </p:childTnLst>
+        </p:cTn>
+      </p:par>
+    </p:tnLst>
+  </p:timing>
+</p:sld>
+</file>
+
+<file path=ppt/slides/slide2.xml><?xml version="1.0" encoding="utf-8"?>
+<p:sld xmlns:a="http://schemas.openxmlformats.org/drawingml/2006/main" xmlns:r="http://schemas.openxmlformats.org/officeDocument/2006/relationships" xmlns:p="http://schemas.openxmlformats.org/presentationml/2006/main">
+  <p:cSld>
+    <p:bg>
+      <p:bgPr>
+        <a:blipFill>
+          <a:blip r:embed="rId2"/>
+          <a:tile/>
+        </a:blipFill>
+        <a:effectLst/>
       </p:bgPr>
     </p:bg>
     <p:spTree>
@@ -2764,45 +7088,95 @@
       </p:grpSpPr>
       <p:pic>
         <p:nvPicPr>
-          <p:cNvPr id="48" name="" descr=""/>
-          <p:cNvPicPr/>
+          <p:cNvPr id="2" name="Imagem 1">
+            <a:extLst>
+              <a:ext uri="{FF2B5EF4-FFF2-40B4-BE49-F238E27FC236}">
+                <a16:creationId xmlns:a16="http://schemas.microsoft.com/office/drawing/2014/main" id="{DDEA9547-DAC9-4B81-BE5D-D9563ABFE1CF}"/>
+              </a:ext>
+            </a:extLst>
+          </p:cNvPr>
+          <p:cNvPicPr>
+            <a:picLocks noChangeAspect="1"/>
+          </p:cNvPicPr>
           <p:nvPr/>
         </p:nvPicPr>
         <p:blipFill>
-          <a:blip r:embed="rId2"/>
-          <a:stretch/>
+          <a:blip r:embed="rId3"/>
+          <a:stretch>
+            <a:fillRect/>
+          </a:stretch>
         </p:blipFill>
         <p:spPr>
           <a:xfrm>
-            <a:off x="1324800" y="2608560"/>
-            <a:ext cx="6581880" cy="1685880"/>
-          </a:xfrm>
-          <a:prstGeom prst="rect">
-            <a:avLst/>
-          </a:prstGeom>
-          <a:ln>
-            <a:noFill/>
-          </a:ln>
+            <a:off x="1828799" y="673230"/>
+            <a:ext cx="4959350" cy="5930769"/>
+          </a:xfrm>
+          <a:prstGeom prst="rect">
+            <a:avLst/>
+          </a:prstGeom>
         </p:spPr>
       </p:pic>
+      <p:sp>
+        <p:nvSpPr>
+          <p:cNvPr id="3" name="CaixaDeTexto 2">
+            <a:extLst>
+              <a:ext uri="{FF2B5EF4-FFF2-40B4-BE49-F238E27FC236}">
+                <a16:creationId xmlns:a16="http://schemas.microsoft.com/office/drawing/2014/main" id="{06D107B8-670D-4892-81CF-A595EF0D9657}"/>
+              </a:ext>
+            </a:extLst>
+          </p:cNvPr>
+          <p:cNvSpPr txBox="1"/>
+          <p:nvPr/>
+        </p:nvSpPr>
+        <p:spPr>
+          <a:xfrm>
+            <a:off x="624114" y="188686"/>
+            <a:ext cx="1556836" cy="369332"/>
+          </a:xfrm>
+          <a:prstGeom prst="rect">
+            <a:avLst/>
+          </a:prstGeom>
+          <a:noFill/>
+        </p:spPr>
+        <p:txBody>
+          <a:bodyPr wrap="none" rtlCol="0">
+            <a:spAutoFit/>
+          </a:bodyPr>
+          <a:lstStyle/>
+          <a:p>
+            <a:r>
+              <a:rPr lang="pt-BR" b="1" dirty="0"/>
+              <a:t>O algoritmo:</a:t>
+            </a:r>
+          </a:p>
+        </p:txBody>
+      </p:sp>
     </p:spTree>
+    <p:extLst>
+      <p:ext uri="{BB962C8B-B14F-4D97-AF65-F5344CB8AC3E}">
+        <p14:creationId xmlns:p14="http://schemas.microsoft.com/office/powerpoint/2010/main" val="3143640072"/>
+      </p:ext>
+    </p:extLst>
   </p:cSld>
+  <p:clrMapOvr>
+    <a:masterClrMapping/>
+  </p:clrMapOvr>
   <p:timing>
     <p:tnLst>
       <p:par>
-        <p:cTn id="7" dur="indefinite" restart="never" nodeType="tmRoot">
+        <p:cTn id="1" dur="indefinite" restart="never" nodeType="tmRoot">
           <p:childTnLst>
             <p:seq>
-              <p:cTn id="8" nodeType="mainSeq"/>
+              <p:cTn id="2" nodeType="mainSeq"/>
               <p:prevCondLst>
-                <p:cond delay="0" evt="onPrev">
+                <p:cond evt="onPrev" delay="0">
                   <p:tgtEl>
                     <p:sldTgt/>
                   </p:tgtEl>
                 </p:cond>
               </p:prevCondLst>
               <p:nextCondLst>
-                <p:cond delay="0" evt="onNext">
+                <p:cond evt="onNext" delay="0">
                   <p:tgtEl>
                     <p:sldTgt/>
                   </p:tgtEl>
@@ -2817,15 +7191,16 @@
 </p:sld>
 </file>
 
-<file path=ppt/slides/slide5.xml><?xml version="1.0" encoding="utf-8"?>
-<p:sld xmlns:a="http://schemas.openxmlformats.org/drawingml/2006/main" xmlns:p="http://schemas.openxmlformats.org/presentationml/2006/main" xmlns:r="http://schemas.openxmlformats.org/officeDocument/2006/relationships" xmlns:p14="http://schemas.microsoft.com/office/powerpoint/2010/main" xmlns:p15="http://schemas.microsoft.com/office/powerpoint/2012/main" xmlns:mc="http://schemas.openxmlformats.org/markup-compatibility/2006">
+<file path=ppt/slides/slide3.xml><?xml version="1.0" encoding="utf-8"?>
+<p:sld xmlns:a="http://schemas.openxmlformats.org/drawingml/2006/main" xmlns:r="http://schemas.openxmlformats.org/officeDocument/2006/relationships" xmlns:p="http://schemas.openxmlformats.org/presentationml/2006/main">
   <p:cSld>
     <p:bg>
       <p:bgPr>
         <a:blipFill>
-          <a:blip r:embed="rId1"/>
+          <a:blip r:embed="rId2"/>
           <a:tile/>
         </a:blipFill>
+        <a:effectLst/>
       </p:bgPr>
     </p:bg>
     <p:spTree>
@@ -2844,14 +7219,14 @@
       </p:grpSpPr>
       <p:sp>
         <p:nvSpPr>
-          <p:cNvPr id="49" name="TextShape 1"/>
+          <p:cNvPr id="44" name="TextShape 1"/>
           <p:cNvSpPr txBox="1"/>
           <p:nvPr/>
         </p:nvSpPr>
         <p:spPr>
           <a:xfrm>
-            <a:off x="936000" y="864000"/>
-            <a:ext cx="1550880" cy="343440"/>
+            <a:off x="1371600" y="3886200"/>
+            <a:ext cx="6400440" cy="1752120"/>
           </a:xfrm>
           <a:prstGeom prst="rect">
             <a:avLst/>
@@ -2862,29 +7237,17 @@
           </a:ln>
         </p:spPr>
         <p:txBody>
-          <a:bodyPr lIns="90000" rIns="90000" tIns="45000" bIns="45000"/>
-          <a:p>
-            <a:r>
-              <a:rPr b="0" lang="pt-BR" sz="1800" spc="-1" strike="noStrike">
-                <a:solidFill>
-                  <a:srgbClr val="000000"/>
-                </a:solidFill>
-                <a:uFill>
-                  <a:solidFill>
-                    <a:srgbClr val="ffffff"/>
-                  </a:solidFill>
-                </a:uFill>
-                <a:latin typeface="Arial"/>
-              </a:rPr>
-              <a:t>Boyer Moore:</a:t>
-            </a:r>
-            <a:endParaRPr b="0" lang="pt-BR" sz="1800" spc="-1" strike="noStrike">
+          <a:bodyPr/>
+          <a:lstStyle/>
+          <a:p>
+            <a:pPr algn="ctr"/>
+            <a:endParaRPr lang="pt-BR" sz="3200" b="0" strike="noStrike" spc="-1">
               <a:solidFill>
                 <a:srgbClr val="000000"/>
               </a:solidFill>
               <a:uFill>
                 <a:solidFill>
-                  <a:srgbClr val="ffffff"/>
+                  <a:srgbClr val="FFFFFF"/>
                 </a:solidFill>
               </a:uFill>
               <a:latin typeface="Arial"/>
@@ -2892,235 +7255,85 @@
           </a:p>
         </p:txBody>
       </p:sp>
-      <p:sp>
-        <p:nvSpPr>
-          <p:cNvPr id="50" name="TextShape 2"/>
-          <p:cNvSpPr txBox="1"/>
+      <p:pic>
+        <p:nvPicPr>
+          <p:cNvPr id="45" name="Imagem 44"/>
+          <p:cNvPicPr/>
           <p:nvPr/>
-        </p:nvSpPr>
-        <p:spPr>
-          <a:xfrm>
-            <a:off x="1008000" y="1440000"/>
-            <a:ext cx="7646760" cy="2115000"/>
-          </a:xfrm>
-          <a:prstGeom prst="rect">
-            <a:avLst/>
-          </a:prstGeom>
-          <a:noFill/>
+        </p:nvPicPr>
+        <p:blipFill>
+          <a:blip r:embed="rId3"/>
+          <a:stretch/>
+        </p:blipFill>
+        <p:spPr>
+          <a:xfrm>
+            <a:off x="1237737" y="558800"/>
+            <a:ext cx="6668166" cy="5994400"/>
+          </a:xfrm>
+          <a:prstGeom prst="rect">
+            <a:avLst/>
+          </a:prstGeom>
           <a:ln>
             <a:noFill/>
           </a:ln>
         </p:spPr>
-        <p:txBody>
-          <a:bodyPr lIns="90000" rIns="90000" tIns="45000" bIns="45000"/>
+      </p:pic>
+      <p:sp>
+        <p:nvSpPr>
+          <p:cNvPr id="2" name="CaixaDeTexto 1">
+            <a:extLst>
+              <a:ext uri="{FF2B5EF4-FFF2-40B4-BE49-F238E27FC236}">
+                <a16:creationId xmlns:a16="http://schemas.microsoft.com/office/drawing/2014/main" id="{17FB7A70-4824-4377-963B-C936D1B11B25}"/>
+              </a:ext>
+            </a:extLst>
+          </p:cNvPr>
+          <p:cNvSpPr txBox="1"/>
+          <p:nvPr/>
+        </p:nvSpPr>
+        <p:spPr>
+          <a:xfrm>
+            <a:off x="783771" y="189468"/>
+            <a:ext cx="2762295" cy="369332"/>
+          </a:xfrm>
+          <a:prstGeom prst="rect">
+            <a:avLst/>
+          </a:prstGeom>
+          <a:noFill/>
+        </p:spPr>
+        <p:txBody>
+          <a:bodyPr wrap="none" rtlCol="0">
+            <a:spAutoFit/>
+          </a:bodyPr>
+          <a:lstStyle/>
           <a:p>
             <a:r>
-              <a:rPr b="0" lang="pt-BR" sz="1800" spc="-1" strike="noStrike">
-                <a:solidFill>
-                  <a:srgbClr val="000000"/>
-                </a:solidFill>
-                <a:uFill>
-                  <a:solidFill>
-                    <a:srgbClr val="ffffff"/>
-                  </a:solidFill>
-                </a:uFill>
-                <a:latin typeface="Arial"/>
-              </a:rPr>
-              <a:t>- Pré-processamento da palavra;</a:t>
+              <a:rPr lang="pt-BR" dirty="0"/>
+              <a:t>Implementação em Java:</a:t>
             </a:r>
-            <a:endParaRPr b="0" lang="pt-BR" sz="1800" spc="-1" strike="noStrike">
-              <a:solidFill>
-                <a:srgbClr val="000000"/>
-              </a:solidFill>
-              <a:uFill>
-                <a:solidFill>
-                  <a:srgbClr val="ffffff"/>
-                </a:solidFill>
-              </a:uFill>
-              <a:latin typeface="Arial"/>
-            </a:endParaRPr>
-          </a:p>
-          <a:p>
-            <a:endParaRPr b="0" lang="pt-BR" sz="1800" spc="-1" strike="noStrike">
-              <a:solidFill>
-                <a:srgbClr val="000000"/>
-              </a:solidFill>
-              <a:uFill>
-                <a:solidFill>
-                  <a:srgbClr val="ffffff"/>
-                </a:solidFill>
-              </a:uFill>
-              <a:latin typeface="Arial"/>
-            </a:endParaRPr>
-          </a:p>
-          <a:p>
-            <a:r>
-              <a:rPr b="0" lang="pt-BR" sz="1800" spc="-1" strike="noStrike">
-                <a:solidFill>
-                  <a:srgbClr val="000000"/>
-                </a:solidFill>
-                <a:uFill>
-                  <a:solidFill>
-                    <a:srgbClr val="ffffff"/>
-                  </a:solidFill>
-                </a:uFill>
-                <a:latin typeface="Arial"/>
-              </a:rPr>
-              <a:t>- Uma aceleração do algoritmo trivial;</a:t>
-            </a:r>
-            <a:endParaRPr b="0" lang="pt-BR" sz="1800" spc="-1" strike="noStrike">
-              <a:solidFill>
-                <a:srgbClr val="000000"/>
-              </a:solidFill>
-              <a:uFill>
-                <a:solidFill>
-                  <a:srgbClr val="ffffff"/>
-                </a:solidFill>
-              </a:uFill>
-              <a:latin typeface="Arial"/>
-            </a:endParaRPr>
-          </a:p>
-          <a:p>
-            <a:endParaRPr b="0" lang="pt-BR" sz="1800" spc="-1" strike="noStrike">
-              <a:solidFill>
-                <a:srgbClr val="000000"/>
-              </a:solidFill>
-              <a:uFill>
-                <a:solidFill>
-                  <a:srgbClr val="ffffff"/>
-                </a:solidFill>
-              </a:uFill>
-              <a:latin typeface="Arial"/>
-            </a:endParaRPr>
-          </a:p>
-          <a:p>
-            <a:r>
-              <a:rPr b="0" lang="pt-BR" sz="1800" spc="-1" strike="noStrike">
-                <a:solidFill>
-                  <a:srgbClr val="000000"/>
-                </a:solidFill>
-                <a:uFill>
-                  <a:solidFill>
-                    <a:srgbClr val="ffffff"/>
-                  </a:solidFill>
-                </a:uFill>
-                <a:latin typeface="Arial"/>
-              </a:rPr>
-              <a:t>- Depende do conhecimento prévio do “alfabeto” do problema, ou seja, do</a:t>
-            </a:r>
-            <a:endParaRPr b="0" lang="pt-BR" sz="1800" spc="-1" strike="noStrike">
-              <a:solidFill>
-                <a:srgbClr val="000000"/>
-              </a:solidFill>
-              <a:uFill>
-                <a:solidFill>
-                  <a:srgbClr val="ffffff"/>
-                </a:solidFill>
-              </a:uFill>
-              <a:latin typeface="Arial"/>
-            </a:endParaRPr>
-          </a:p>
-          <a:p>
-            <a:r>
-              <a:rPr b="0" lang="pt-BR" sz="1800" spc="-1" strike="noStrike">
-                <a:solidFill>
-                  <a:srgbClr val="000000"/>
-                </a:solidFill>
-                <a:uFill>
-                  <a:solidFill>
-                    <a:srgbClr val="ffffff"/>
-                  </a:solidFill>
-                </a:uFill>
-                <a:latin typeface="Arial"/>
-              </a:rPr>
-              <a:t>  </a:t>
-            </a:r>
-            <a:r>
-              <a:rPr b="0" lang="pt-BR" sz="1800" spc="-1" strike="noStrike">
-                <a:solidFill>
-                  <a:srgbClr val="000000"/>
-                </a:solidFill>
-                <a:uFill>
-                  <a:solidFill>
-                    <a:srgbClr val="ffffff"/>
-                  </a:solidFill>
-                </a:uFill>
-                <a:latin typeface="Arial"/>
-              </a:rPr>
-              <a:t>Conjunto de caracteres usado na palavra e no texto;</a:t>
-            </a:r>
-            <a:endParaRPr b="0" lang="pt-BR" sz="1800" spc="-1" strike="noStrike">
-              <a:solidFill>
-                <a:srgbClr val="000000"/>
-              </a:solidFill>
-              <a:uFill>
-                <a:solidFill>
-                  <a:srgbClr val="ffffff"/>
-                </a:solidFill>
-              </a:uFill>
-              <a:latin typeface="Arial"/>
-            </a:endParaRPr>
-          </a:p>
-          <a:p>
-            <a:endParaRPr b="0" lang="pt-BR" sz="1800" spc="-1" strike="noStrike">
-              <a:solidFill>
-                <a:srgbClr val="000000"/>
-              </a:solidFill>
-              <a:uFill>
-                <a:solidFill>
-                  <a:srgbClr val="ffffff"/>
-                </a:solidFill>
-              </a:uFill>
-              <a:latin typeface="Arial"/>
-            </a:endParaRPr>
-          </a:p>
-          <a:p>
-            <a:r>
-              <a:rPr b="0" lang="pt-BR" sz="1800" spc="-1" strike="noStrike">
-                <a:solidFill>
-                  <a:srgbClr val="000000"/>
-                </a:solidFill>
-                <a:uFill>
-                  <a:solidFill>
-                    <a:srgbClr val="ffffff"/>
-                  </a:solidFill>
-                </a:uFill>
-                <a:latin typeface="Arial"/>
-              </a:rPr>
-              <a:t>- Chamaremos palavra de “padrão”;</a:t>
-            </a:r>
-            <a:endParaRPr b="0" lang="pt-BR" sz="1800" spc="-1" strike="noStrike">
-              <a:solidFill>
-                <a:srgbClr val="000000"/>
-              </a:solidFill>
-              <a:uFill>
-                <a:solidFill>
-                  <a:srgbClr val="ffffff"/>
-                </a:solidFill>
-              </a:uFill>
-              <a:latin typeface="Arial"/>
-            </a:endParaRPr>
           </a:p>
         </p:txBody>
       </p:sp>
     </p:spTree>
   </p:cSld>
+  <p:clrMapOvr>
+    <a:masterClrMapping/>
+  </p:clrMapOvr>
   <p:timing>
     <p:tnLst>
       <p:par>
-        <p:cTn id="9" dur="indefinite" restart="never" nodeType="tmRoot">
+        <p:cTn id="1" dur="indefinite" restart="never" nodeType="tmRoot">
           <p:childTnLst>
             <p:seq>
-              <p:cTn id="10" nodeType="mainSeq"/>
+              <p:cTn id="2" nodeType="mainSeq"/>
               <p:prevCondLst>
-                <p:cond delay="0" evt="onPrev">
+                <p:cond evt="onPrev" delay="0">
                   <p:tgtEl>
                     <p:sldTgt/>
                   </p:tgtEl>
                 </p:cond>
               </p:prevCondLst>
               <p:nextCondLst>
-                <p:cond delay="0" evt="onNext">
+                <p:cond evt="onNext" delay="0">
                   <p:tgtEl>
                     <p:sldTgt/>
                   </p:tgtEl>
@@ -3135,15 +7348,16 @@
 </p:sld>
 </file>
 
-<file path=ppt/slides/slide6.xml><?xml version="1.0" encoding="utf-8"?>
-<p:sld xmlns:a="http://schemas.openxmlformats.org/drawingml/2006/main" xmlns:p="http://schemas.openxmlformats.org/presentationml/2006/main" xmlns:r="http://schemas.openxmlformats.org/officeDocument/2006/relationships" xmlns:p14="http://schemas.microsoft.com/office/powerpoint/2010/main" xmlns:p15="http://schemas.microsoft.com/office/powerpoint/2012/main" xmlns:mc="http://schemas.openxmlformats.org/markup-compatibility/2006">
+<file path=ppt/slides/slide4.xml><?xml version="1.0" encoding="utf-8"?>
+<p:sld xmlns:a="http://schemas.openxmlformats.org/drawingml/2006/main" xmlns:r="http://schemas.openxmlformats.org/officeDocument/2006/relationships" xmlns:p="http://schemas.openxmlformats.org/presentationml/2006/main">
   <p:cSld>
     <p:bg>
       <p:bgPr>
         <a:blipFill>
-          <a:blip r:embed="rId1"/>
+          <a:blip r:embed="rId2"/>
           <a:tile/>
         </a:blipFill>
+        <a:effectLst/>
       </p:bgPr>
     </p:bg>
     <p:spTree>
@@ -3162,14 +7376,14 @@
       </p:grpSpPr>
       <p:sp>
         <p:nvSpPr>
-          <p:cNvPr id="51" name="TextShape 1"/>
+          <p:cNvPr id="46" name="TextShape 1"/>
           <p:cNvSpPr txBox="1"/>
           <p:nvPr/>
         </p:nvSpPr>
         <p:spPr>
           <a:xfrm>
-            <a:off x="936000" y="864000"/>
-            <a:ext cx="1550880" cy="343440"/>
+            <a:off x="1371600" y="3886200"/>
+            <a:ext cx="6400440" cy="1752120"/>
           </a:xfrm>
           <a:prstGeom prst="rect">
             <a:avLst/>
@@ -3180,29 +7394,17 @@
           </a:ln>
         </p:spPr>
         <p:txBody>
-          <a:bodyPr lIns="90000" rIns="90000" tIns="45000" bIns="45000"/>
-          <a:p>
-            <a:r>
-              <a:rPr b="0" lang="pt-BR" sz="1800" spc="-1" strike="noStrike">
-                <a:solidFill>
-                  <a:srgbClr val="000000"/>
-                </a:solidFill>
-                <a:uFill>
-                  <a:solidFill>
-                    <a:srgbClr val="ffffff"/>
-                  </a:solidFill>
-                </a:uFill>
-                <a:latin typeface="Arial"/>
-              </a:rPr>
-              <a:t>Boyer Moore:</a:t>
-            </a:r>
-            <a:endParaRPr b="0" lang="pt-BR" sz="1800" spc="-1" strike="noStrike">
+          <a:bodyPr/>
+          <a:lstStyle/>
+          <a:p>
+            <a:pPr algn="ctr"/>
+            <a:endParaRPr lang="pt-BR" sz="3200" b="0" strike="noStrike" spc="-1">
               <a:solidFill>
                 <a:srgbClr val="000000"/>
               </a:solidFill>
               <a:uFill>
                 <a:solidFill>
-                  <a:srgbClr val="ffffff"/>
+                  <a:srgbClr val="FFFFFF"/>
                 </a:solidFill>
               </a:uFill>
               <a:latin typeface="Arial"/>
@@ -3210,253 +7412,9 @@
           </a:p>
         </p:txBody>
       </p:sp>
-      <p:sp>
-        <p:nvSpPr>
-          <p:cNvPr id="52" name="TextShape 2"/>
-          <p:cNvSpPr txBox="1"/>
-          <p:nvPr/>
-        </p:nvSpPr>
-        <p:spPr>
-          <a:xfrm>
-            <a:off x="1008000" y="1440000"/>
-            <a:ext cx="7360200" cy="849600"/>
-          </a:xfrm>
-          <a:prstGeom prst="rect">
-            <a:avLst/>
-          </a:prstGeom>
-          <a:noFill/>
-          <a:ln>
-            <a:noFill/>
-          </a:ln>
-        </p:spPr>
-        <p:txBody>
-          <a:bodyPr lIns="90000" rIns="90000" tIns="45000" bIns="45000"/>
-          <a:p>
-            <a:r>
-              <a:rPr b="0" lang="pt-BR" sz="1800" spc="-1" strike="noStrike">
-                <a:solidFill>
-                  <a:srgbClr val="000000"/>
-                </a:solidFill>
-                <a:uFill>
-                  <a:solidFill>
-                    <a:srgbClr val="ffffff"/>
-                  </a:solidFill>
-                </a:uFill>
-                <a:latin typeface="Arial"/>
-              </a:rPr>
-              <a:t>- Faz a varredura dos caracteres do padrão e do texto da direita para a</a:t>
-            </a:r>
-            <a:endParaRPr b="0" lang="pt-BR" sz="1800" spc="-1" strike="noStrike">
-              <a:solidFill>
-                <a:srgbClr val="000000"/>
-              </a:solidFill>
-              <a:uFill>
-                <a:solidFill>
-                  <a:srgbClr val="ffffff"/>
-                </a:solidFill>
-              </a:uFill>
-              <a:latin typeface="Arial"/>
-            </a:endParaRPr>
-          </a:p>
-          <a:p>
-            <a:r>
-              <a:rPr b="0" lang="pt-BR" sz="1800" spc="-1" strike="noStrike">
-                <a:solidFill>
-                  <a:srgbClr val="000000"/>
-                </a:solidFill>
-                <a:uFill>
-                  <a:solidFill>
-                    <a:srgbClr val="ffffff"/>
-                  </a:solidFill>
-                </a:uFill>
-                <a:latin typeface="Arial"/>
-              </a:rPr>
-              <a:t>  </a:t>
-            </a:r>
-            <a:r>
-              <a:rPr b="0" lang="pt-BR" sz="1800" spc="-1" strike="noStrike">
-                <a:solidFill>
-                  <a:srgbClr val="000000"/>
-                </a:solidFill>
-                <a:uFill>
-                  <a:solidFill>
-                    <a:srgbClr val="ffffff"/>
-                  </a:solidFill>
-                </a:uFill>
-                <a:latin typeface="Arial"/>
-              </a:rPr>
-              <a:t>esquerda:</a:t>
-            </a:r>
-            <a:endParaRPr b="0" lang="pt-BR" sz="1800" spc="-1" strike="noStrike">
-              <a:solidFill>
-                <a:srgbClr val="000000"/>
-              </a:solidFill>
-              <a:uFill>
-                <a:solidFill>
-                  <a:srgbClr val="ffffff"/>
-                </a:solidFill>
-              </a:uFill>
-              <a:latin typeface="Arial"/>
-            </a:endParaRPr>
-          </a:p>
-          <a:p>
-            <a:endParaRPr b="0" lang="pt-BR" sz="1800" spc="-1" strike="noStrike">
-              <a:solidFill>
-                <a:srgbClr val="000000"/>
-              </a:solidFill>
-              <a:uFill>
-                <a:solidFill>
-                  <a:srgbClr val="ffffff"/>
-                </a:solidFill>
-              </a:uFill>
-              <a:latin typeface="Arial"/>
-            </a:endParaRPr>
-          </a:p>
-        </p:txBody>
-      </p:sp>
-      <p:sp>
-        <p:nvSpPr>
-          <p:cNvPr id="53" name="TextShape 3"/>
-          <p:cNvSpPr txBox="1"/>
-          <p:nvPr/>
-        </p:nvSpPr>
-        <p:spPr>
-          <a:xfrm>
-            <a:off x="317880" y="2520000"/>
-            <a:ext cx="6576840" cy="1102680"/>
-          </a:xfrm>
-          <a:prstGeom prst="rect">
-            <a:avLst/>
-          </a:prstGeom>
-          <a:noFill/>
-          <a:ln>
-            <a:noFill/>
-          </a:ln>
-        </p:spPr>
-        <p:txBody>
-          <a:bodyPr lIns="90000" rIns="90000" tIns="45000" bIns="45000"/>
-          <a:p>
-            <a:r>
-              <a:rPr b="0" lang="pt-BR" sz="1800" spc="-1" strike="noStrike">
-                <a:solidFill>
-                  <a:srgbClr val="000000"/>
-                </a:solidFill>
-                <a:uFill>
-                  <a:solidFill>
-                    <a:srgbClr val="ffffff"/>
-                  </a:solidFill>
-                </a:uFill>
-                <a:latin typeface="Arial"/>
-              </a:rPr>
-              <a:t>Ex:</a:t>
-            </a:r>
-            <a:endParaRPr b="0" lang="pt-BR" sz="1800" spc="-1" strike="noStrike">
-              <a:solidFill>
-                <a:srgbClr val="000000"/>
-              </a:solidFill>
-              <a:uFill>
-                <a:solidFill>
-                  <a:srgbClr val="ffffff"/>
-                </a:solidFill>
-              </a:uFill>
-              <a:latin typeface="Arial"/>
-            </a:endParaRPr>
-          </a:p>
-          <a:p>
-            <a:endParaRPr b="0" lang="pt-BR" sz="1800" spc="-1" strike="noStrike">
-              <a:solidFill>
-                <a:srgbClr val="000000"/>
-              </a:solidFill>
-              <a:uFill>
-                <a:solidFill>
-                  <a:srgbClr val="ffffff"/>
-                </a:solidFill>
-              </a:uFill>
-              <a:latin typeface="Arial"/>
-            </a:endParaRPr>
-          </a:p>
-          <a:p>
-            <a:r>
-              <a:rPr b="0" lang="pt-BR" sz="1800" spc="-1" strike="noStrike">
-                <a:solidFill>
-                  <a:srgbClr val="000000"/>
-                </a:solidFill>
-                <a:uFill>
-                  <a:solidFill>
-                    <a:srgbClr val="ffffff"/>
-                  </a:solidFill>
-                </a:uFill>
-                <a:latin typeface="Arial"/>
-              </a:rPr>
-              <a:t>Padrao = a, a, b, c, c</a:t>
-            </a:r>
-            <a:endParaRPr b="0" lang="pt-BR" sz="1800" spc="-1" strike="noStrike">
-              <a:solidFill>
-                <a:srgbClr val="000000"/>
-              </a:solidFill>
-              <a:uFill>
-                <a:solidFill>
-                  <a:srgbClr val="ffffff"/>
-                </a:solidFill>
-              </a:uFill>
-              <a:latin typeface="Arial"/>
-            </a:endParaRPr>
-          </a:p>
-          <a:p>
-            <a:r>
-              <a:rPr b="0" lang="pt-BR" sz="1800" spc="-1" strike="noStrike">
-                <a:solidFill>
-                  <a:srgbClr val="000000"/>
-                </a:solidFill>
-                <a:uFill>
-                  <a:solidFill>
-                    <a:srgbClr val="ffffff"/>
-                  </a:solidFill>
-                </a:uFill>
-                <a:latin typeface="Arial"/>
-              </a:rPr>
-              <a:t>Texto = a, a, b, d, c,a, a, c, a, a, b, c, c, b, b, a, a, b, a, a, b, c, c</a:t>
-            </a:r>
-            <a:endParaRPr b="0" lang="pt-BR" sz="1800" spc="-1" strike="noStrike">
-              <a:solidFill>
-                <a:srgbClr val="000000"/>
-              </a:solidFill>
-              <a:uFill>
-                <a:solidFill>
-                  <a:srgbClr val="ffffff"/>
-                </a:solidFill>
-              </a:uFill>
-              <a:latin typeface="Arial"/>
-            </a:endParaRPr>
-          </a:p>
-        </p:txBody>
-      </p:sp>
       <p:pic>
         <p:nvPicPr>
-          <p:cNvPr id="54" name="" descr=""/>
-          <p:cNvPicPr/>
-          <p:nvPr/>
-        </p:nvPicPr>
-        <p:blipFill>
-          <a:blip r:embed="rId2"/>
-          <a:stretch/>
-        </p:blipFill>
-        <p:spPr>
-          <a:xfrm>
-            <a:off x="2160000" y="5544000"/>
-            <a:ext cx="1296000" cy="238320"/>
-          </a:xfrm>
-          <a:prstGeom prst="rect">
-            <a:avLst/>
-          </a:prstGeom>
-          <a:ln>
-            <a:noFill/>
-          </a:ln>
-        </p:spPr>
-      </p:pic>
-      <p:pic>
-        <p:nvPicPr>
-          <p:cNvPr id="55" name="" descr=""/>
+          <p:cNvPr id="47" name="Imagem 46"/>
           <p:cNvPicPr/>
           <p:nvPr/>
         </p:nvPicPr>
@@ -3466,8 +7424,8 @@
         </p:blipFill>
         <p:spPr>
           <a:xfrm>
-            <a:off x="864000" y="4248000"/>
-            <a:ext cx="6408000" cy="288000"/>
+            <a:off x="1277280" y="279720"/>
+            <a:ext cx="6676920" cy="6343560"/>
           </a:xfrm>
           <a:prstGeom prst="rect">
             <a:avLst/>
@@ -3477,232 +7435,27 @@
           </a:ln>
         </p:spPr>
       </p:pic>
-      <p:sp>
-        <p:nvSpPr>
-          <p:cNvPr id="56" name="Line 4"/>
-          <p:cNvSpPr/>
-          <p:nvPr/>
-        </p:nvSpPr>
-        <p:spPr>
-          <a:xfrm flipV="1">
-            <a:off x="2088000" y="4464000"/>
-            <a:ext cx="0" cy="265680"/>
-          </a:xfrm>
-          <a:prstGeom prst="line">
-            <a:avLst/>
-          </a:prstGeom>
-          <a:ln>
-            <a:solidFill>
-              <a:srgbClr val="7fff00"/>
-            </a:solidFill>
-            <a:headEnd len="med" type="triangle" w="med"/>
-            <a:tailEnd len="med" type="triangle" w="med"/>
-          </a:ln>
-        </p:spPr>
-        <p:style>
-          <a:lnRef idx="0"/>
-          <a:fillRef idx="0"/>
-          <a:effectRef idx="0"/>
-          <a:fontRef idx="minor"/>
-        </p:style>
-      </p:sp>
-      <p:sp>
-        <p:nvSpPr>
-          <p:cNvPr id="57" name="Line 5"/>
-          <p:cNvSpPr/>
-          <p:nvPr/>
-        </p:nvSpPr>
-        <p:spPr>
-          <a:xfrm flipV="1">
-            <a:off x="1800000" y="4464000"/>
-            <a:ext cx="0" cy="265680"/>
-          </a:xfrm>
-          <a:prstGeom prst="line">
-            <a:avLst/>
-          </a:prstGeom>
-          <a:ln>
-            <a:solidFill>
-              <a:srgbClr val="ff0000"/>
-            </a:solidFill>
-            <a:headEnd len="med" type="triangle" w="med"/>
-            <a:tailEnd len="med" type="triangle" w="med"/>
-          </a:ln>
-        </p:spPr>
-        <p:style>
-          <a:lnRef idx="0"/>
-          <a:fillRef idx="0"/>
-          <a:effectRef idx="0"/>
-          <a:fontRef idx="minor"/>
-        </p:style>
-      </p:sp>
-      <p:pic>
-        <p:nvPicPr>
-          <p:cNvPr id="58" name="" descr=""/>
-          <p:cNvPicPr/>
-          <p:nvPr/>
-        </p:nvPicPr>
-        <p:blipFill>
-          <a:blip r:embed="rId4"/>
-          <a:stretch/>
-        </p:blipFill>
-        <p:spPr>
-          <a:xfrm>
-            <a:off x="792000" y="5112000"/>
-            <a:ext cx="6408000" cy="288000"/>
-          </a:xfrm>
-          <a:prstGeom prst="rect">
-            <a:avLst/>
-          </a:prstGeom>
-          <a:ln>
-            <a:noFill/>
-          </a:ln>
-        </p:spPr>
-      </p:pic>
-      <p:sp>
-        <p:nvSpPr>
-          <p:cNvPr id="59" name="Line 6"/>
-          <p:cNvSpPr/>
-          <p:nvPr/>
-        </p:nvSpPr>
-        <p:spPr>
-          <a:xfrm flipV="1">
-            <a:off x="3384000" y="5278320"/>
-            <a:ext cx="0" cy="265680"/>
-          </a:xfrm>
-          <a:prstGeom prst="line">
-            <a:avLst/>
-          </a:prstGeom>
-          <a:ln>
-            <a:solidFill>
-              <a:srgbClr val="ff0000"/>
-            </a:solidFill>
-            <a:headEnd len="med" type="triangle" w="med"/>
-            <a:tailEnd len="med" type="triangle" w="med"/>
-          </a:ln>
-        </p:spPr>
-        <p:style>
-          <a:lnRef idx="0"/>
-          <a:fillRef idx="0"/>
-          <a:effectRef idx="0"/>
-          <a:fontRef idx="minor"/>
-        </p:style>
-      </p:sp>
-      <p:pic>
-        <p:nvPicPr>
-          <p:cNvPr id="60" name="" descr=""/>
-          <p:cNvPicPr/>
-          <p:nvPr/>
-        </p:nvPicPr>
-        <p:blipFill>
-          <a:blip r:embed="rId5"/>
-          <a:stretch/>
-        </p:blipFill>
-        <p:spPr>
-          <a:xfrm>
-            <a:off x="648000" y="5976000"/>
-            <a:ext cx="6408000" cy="288000"/>
-          </a:xfrm>
-          <a:prstGeom prst="rect">
-            <a:avLst/>
-          </a:prstGeom>
-          <a:ln>
-            <a:noFill/>
-          </a:ln>
-        </p:spPr>
-      </p:pic>
-      <p:pic>
-        <p:nvPicPr>
-          <p:cNvPr id="61" name="" descr=""/>
-          <p:cNvPicPr/>
-          <p:nvPr/>
-        </p:nvPicPr>
-        <p:blipFill>
-          <a:blip r:embed="rId6"/>
-          <a:stretch/>
-        </p:blipFill>
-        <p:spPr>
-          <a:xfrm>
-            <a:off x="3456000" y="6408000"/>
-            <a:ext cx="1296000" cy="238320"/>
-          </a:xfrm>
-          <a:prstGeom prst="rect">
-            <a:avLst/>
-          </a:prstGeom>
-          <a:ln>
-            <a:noFill/>
-          </a:ln>
-        </p:spPr>
-      </p:pic>
-      <p:sp>
-        <p:nvSpPr>
-          <p:cNvPr id="62" name="Line 7"/>
-          <p:cNvSpPr/>
-          <p:nvPr/>
-        </p:nvSpPr>
-        <p:spPr>
-          <a:xfrm flipV="1">
-            <a:off x="4680000" y="6192000"/>
-            <a:ext cx="0" cy="265680"/>
-          </a:xfrm>
-          <a:prstGeom prst="line">
-            <a:avLst/>
-          </a:prstGeom>
-          <a:ln>
-            <a:solidFill>
-              <a:srgbClr val="ff0000"/>
-            </a:solidFill>
-            <a:headEnd len="med" type="triangle" w="med"/>
-            <a:tailEnd len="med" type="triangle" w="med"/>
-          </a:ln>
-        </p:spPr>
-        <p:style>
-          <a:lnRef idx="0"/>
-          <a:fillRef idx="0"/>
-          <a:effectRef idx="0"/>
-          <a:fontRef idx="minor"/>
-        </p:style>
-      </p:sp>
-      <p:pic>
-        <p:nvPicPr>
-          <p:cNvPr id="63" name="" descr=""/>
-          <p:cNvPicPr/>
-          <p:nvPr/>
-        </p:nvPicPr>
-        <p:blipFill>
-          <a:blip r:embed="rId7"/>
-          <a:stretch/>
-        </p:blipFill>
-        <p:spPr>
-          <a:xfrm>
-            <a:off x="864000" y="4801680"/>
-            <a:ext cx="1296000" cy="238320"/>
-          </a:xfrm>
-          <a:prstGeom prst="rect">
-            <a:avLst/>
-          </a:prstGeom>
-          <a:ln>
-            <a:noFill/>
-          </a:ln>
-        </p:spPr>
-      </p:pic>
     </p:spTree>
   </p:cSld>
+  <p:clrMapOvr>
+    <a:masterClrMapping/>
+  </p:clrMapOvr>
   <p:timing>
     <p:tnLst>
       <p:par>
-        <p:cTn id="11" dur="indefinite" restart="never" nodeType="tmRoot">
+        <p:cTn id="1" dur="indefinite" restart="never" nodeType="tmRoot">
           <p:childTnLst>
             <p:seq>
-              <p:cTn id="12" nodeType="mainSeq"/>
+              <p:cTn id="2" nodeType="mainSeq"/>
               <p:prevCondLst>
-                <p:cond delay="0" evt="onPrev">
+                <p:cond evt="onPrev" delay="0">
                   <p:tgtEl>
                     <p:sldTgt/>
                   </p:tgtEl>
                 </p:cond>
               </p:prevCondLst>
               <p:nextCondLst>
-                <p:cond delay="0" evt="onNext">
+                <p:cond evt="onNext" delay="0">
                   <p:tgtEl>
                     <p:sldTgt/>
                   </p:tgtEl>
@@ -3717,15 +7470,16 @@
 </p:sld>
 </file>
 
-<file path=ppt/slides/slide7.xml><?xml version="1.0" encoding="utf-8"?>
-<p:sld xmlns:a="http://schemas.openxmlformats.org/drawingml/2006/main" xmlns:p="http://schemas.openxmlformats.org/presentationml/2006/main" xmlns:r="http://schemas.openxmlformats.org/officeDocument/2006/relationships" xmlns:p14="http://schemas.microsoft.com/office/powerpoint/2010/main" xmlns:p15="http://schemas.microsoft.com/office/powerpoint/2012/main" xmlns:mc="http://schemas.openxmlformats.org/markup-compatibility/2006">
+<file path=ppt/slides/slide5.xml><?xml version="1.0" encoding="utf-8"?>
+<p:sld xmlns:a="http://schemas.openxmlformats.org/drawingml/2006/main" xmlns:r="http://schemas.openxmlformats.org/officeDocument/2006/relationships" xmlns:p="http://schemas.openxmlformats.org/presentationml/2006/main">
   <p:cSld>
     <p:bg>
       <p:bgPr>
         <a:blipFill>
-          <a:blip r:embed="rId1"/>
+          <a:blip r:embed="rId2"/>
           <a:tile/>
         </a:blipFill>
+        <a:effectLst/>
       </p:bgPr>
     </p:bg>
     <p:spTree>
@@ -3744,30 +7498,7 @@
       </p:grpSpPr>
       <p:pic>
         <p:nvPicPr>
-          <p:cNvPr id="64" name="" descr=""/>
-          <p:cNvPicPr/>
-          <p:nvPr/>
-        </p:nvPicPr>
-        <p:blipFill>
-          <a:blip r:embed="rId2"/>
-          <a:stretch/>
-        </p:blipFill>
-        <p:spPr>
-          <a:xfrm>
-            <a:off x="504000" y="648000"/>
-            <a:ext cx="6408000" cy="288000"/>
-          </a:xfrm>
-          <a:prstGeom prst="rect">
-            <a:avLst/>
-          </a:prstGeom>
-          <a:ln>
-            <a:noFill/>
-          </a:ln>
-        </p:spPr>
-      </p:pic>
-      <p:pic>
-        <p:nvPicPr>
-          <p:cNvPr id="65" name="" descr=""/>
+          <p:cNvPr id="48" name="Imagem 47"/>
           <p:cNvPicPr/>
           <p:nvPr/>
         </p:nvPicPr>
@@ -3777,8 +7508,8 @@
         </p:blipFill>
         <p:spPr>
           <a:xfrm>
-            <a:off x="3888000" y="1345680"/>
-            <a:ext cx="1296000" cy="238320"/>
+            <a:off x="1324800" y="2608560"/>
+            <a:ext cx="6581880" cy="1685880"/>
           </a:xfrm>
           <a:prstGeom prst="rect">
             <a:avLst/>
@@ -3790,22 +7521,25 @@
       </p:pic>
     </p:spTree>
   </p:cSld>
+  <p:clrMapOvr>
+    <a:masterClrMapping/>
+  </p:clrMapOvr>
   <p:timing>
     <p:tnLst>
       <p:par>
-        <p:cTn id="13" dur="indefinite" restart="never" nodeType="tmRoot">
+        <p:cTn id="1" dur="indefinite" restart="never" nodeType="tmRoot">
           <p:childTnLst>
             <p:seq>
-              <p:cTn id="14" nodeType="mainSeq"/>
+              <p:cTn id="2" nodeType="mainSeq"/>
               <p:prevCondLst>
-                <p:cond delay="0" evt="onPrev">
+                <p:cond evt="onPrev" delay="0">
                   <p:tgtEl>
                     <p:sldTgt/>
                   </p:tgtEl>
                 </p:cond>
               </p:prevCondLst>
               <p:nextCondLst>
-                <p:cond delay="0" evt="onNext">
+                <p:cond evt="onNext" delay="0">
                   <p:tgtEl>
                     <p:sldTgt/>
                   </p:tgtEl>
@@ -3820,15 +7554,16 @@
 </p:sld>
 </file>
 
-<file path=ppt/slides/slide8.xml><?xml version="1.0" encoding="utf-8"?>
-<p:sld xmlns:a="http://schemas.openxmlformats.org/drawingml/2006/main" xmlns:p="http://schemas.openxmlformats.org/presentationml/2006/main" xmlns:r="http://schemas.openxmlformats.org/officeDocument/2006/relationships" xmlns:p14="http://schemas.microsoft.com/office/powerpoint/2010/main" xmlns:p15="http://schemas.microsoft.com/office/powerpoint/2012/main" xmlns:mc="http://schemas.openxmlformats.org/markup-compatibility/2006">
+<file path=ppt/slides/slide6.xml><?xml version="1.0" encoding="utf-8"?>
+<p:sld xmlns:a="http://schemas.openxmlformats.org/drawingml/2006/main" xmlns:r="http://schemas.openxmlformats.org/officeDocument/2006/relationships" xmlns:p="http://schemas.openxmlformats.org/presentationml/2006/main">
   <p:cSld>
     <p:bg>
       <p:bgPr>
         <a:blipFill>
-          <a:blip r:embed="rId1"/>
+          <a:blip r:embed="rId2"/>
           <a:tile/>
         </a:blipFill>
+        <a:effectLst/>
       </p:bgPr>
     </p:bg>
     <p:spTree>
@@ -3847,14 +7582,14 @@
       </p:grpSpPr>
       <p:sp>
         <p:nvSpPr>
-          <p:cNvPr id="66" name="TextShape 1"/>
+          <p:cNvPr id="49" name="TextShape 1"/>
           <p:cNvSpPr txBox="1"/>
           <p:nvPr/>
         </p:nvSpPr>
         <p:spPr>
           <a:xfrm>
-            <a:off x="864000" y="576000"/>
-            <a:ext cx="903240" cy="343440"/>
+            <a:off x="935999" y="864000"/>
+            <a:ext cx="2852229" cy="355834"/>
           </a:xfrm>
           <a:prstGeom prst="rect">
             <a:avLst/>
@@ -3865,170 +7600,1672 @@
           </a:ln>
         </p:spPr>
         <p:txBody>
-          <a:bodyPr lIns="90000" rIns="90000" tIns="45000" bIns="45000"/>
+          <a:bodyPr lIns="90000" tIns="45000" rIns="90000" bIns="45000"/>
+          <a:lstStyle/>
           <a:p>
             <a:r>
-              <a:rPr b="0" lang="pt-BR" sz="1800" spc="-1" strike="noStrike">
+              <a:rPr lang="pt-BR" sz="1800" b="0" strike="noStrike" spc="-1" dirty="0">
                 <a:solidFill>
                   <a:srgbClr val="000000"/>
                 </a:solidFill>
                 <a:uFill>
                   <a:solidFill>
-                    <a:srgbClr val="ffffff"/>
+                    <a:srgbClr val="FFFFFF"/>
                   </a:solidFill>
                 </a:uFill>
                 <a:latin typeface="Arial"/>
               </a:rPr>
-              <a:t>Caso1:</a:t>
+              <a:t>Boyer Moore:</a:t>
             </a:r>
-            <a:endParaRPr b="0" lang="pt-BR" sz="1800" spc="-1" strike="noStrike">
+          </a:p>
+        </p:txBody>
+      </p:sp>
+      <p:sp>
+        <p:nvSpPr>
+          <p:cNvPr id="50" name="TextShape 2"/>
+          <p:cNvSpPr txBox="1"/>
+          <p:nvPr/>
+        </p:nvSpPr>
+        <p:spPr>
+          <a:xfrm>
+            <a:off x="1008000" y="1440000"/>
+            <a:ext cx="7646760" cy="2115000"/>
+          </a:xfrm>
+          <a:prstGeom prst="rect">
+            <a:avLst/>
+          </a:prstGeom>
+          <a:noFill/>
+          <a:ln>
+            <a:noFill/>
+          </a:ln>
+        </p:spPr>
+        <p:txBody>
+          <a:bodyPr lIns="90000" tIns="45000" rIns="90000" bIns="45000"/>
+          <a:lstStyle/>
+          <a:p>
+            <a:pPr marL="285750" indent="-285750">
+              <a:buFontTx/>
+              <a:buChar char="-"/>
+            </a:pPr>
+            <a:r>
+              <a:rPr lang="pt-BR" sz="1800" b="0" strike="noStrike" spc="-1" dirty="0">
+                <a:solidFill>
+                  <a:srgbClr val="000000"/>
+                </a:solidFill>
+                <a:uFill>
+                  <a:solidFill>
+                    <a:srgbClr val="FFFFFF"/>
+                  </a:solidFill>
+                </a:uFill>
+                <a:latin typeface="Arial"/>
+              </a:rPr>
+              <a:t>Pré-processamento da palavra:</a:t>
+            </a:r>
+          </a:p>
+          <a:p>
+            <a:endParaRPr lang="pt-BR" sz="1800" b="0" strike="noStrike" spc="-1" dirty="0">
               <a:solidFill>
                 <a:srgbClr val="000000"/>
               </a:solidFill>
               <a:uFill>
                 <a:solidFill>
-                  <a:srgbClr val="ffffff"/>
+                  <a:srgbClr val="FFFFFF"/>
                 </a:solidFill>
               </a:uFill>
               <a:latin typeface="Arial"/>
             </a:endParaRPr>
           </a:p>
-        </p:txBody>
-      </p:sp>
-      <p:sp>
-        <p:nvSpPr>
-          <p:cNvPr id="67" name="TextShape 2"/>
-          <p:cNvSpPr txBox="1"/>
-          <p:nvPr/>
-        </p:nvSpPr>
-        <p:spPr>
-          <a:xfrm>
-            <a:off x="1008000" y="1368000"/>
-            <a:ext cx="1966680" cy="1355760"/>
-          </a:xfrm>
-          <a:prstGeom prst="rect">
-            <a:avLst/>
-          </a:prstGeom>
-          <a:noFill/>
-          <a:ln>
-            <a:noFill/>
-          </a:ln>
-        </p:spPr>
-        <p:txBody>
-          <a:bodyPr lIns="90000" rIns="90000" tIns="45000" bIns="45000"/>
-          <a:p>
-            <a:r>
-              <a:rPr b="0" lang="pt-BR" sz="1800" spc="-1" strike="noStrike">
-                <a:solidFill>
-                  <a:srgbClr val="000000"/>
-                </a:solidFill>
-                <a:uFill>
-                  <a:solidFill>
-                    <a:srgbClr val="ffffff"/>
-                  </a:solidFill>
-                </a:uFill>
-                <a:latin typeface="Arial"/>
-              </a:rPr>
-              <a:t>- P não contém x.</a:t>
-            </a:r>
-            <a:endParaRPr b="0" lang="pt-BR" sz="1800" spc="-1" strike="noStrike">
+          <a:p>
+            <a:endParaRPr lang="pt-BR" sz="1800" b="0" strike="noStrike" spc="-1" dirty="0">
               <a:solidFill>
                 <a:srgbClr val="000000"/>
               </a:solidFill>
               <a:uFill>
                 <a:solidFill>
-                  <a:srgbClr val="ffffff"/>
+                  <a:srgbClr val="FFFFFF"/>
                 </a:solidFill>
               </a:uFill>
               <a:latin typeface="Arial"/>
             </a:endParaRPr>
           </a:p>
-          <a:p>
-            <a:endParaRPr b="0" lang="pt-BR" sz="1800" spc="-1" strike="noStrike">
-              <a:solidFill>
-                <a:srgbClr val="000000"/>
-              </a:solidFill>
-              <a:uFill>
-                <a:solidFill>
-                  <a:srgbClr val="ffffff"/>
-                </a:solidFill>
-              </a:uFill>
-              <a:latin typeface="Arial"/>
-            </a:endParaRPr>
-          </a:p>
+        </p:txBody>
+      </p:sp>
+      <p:graphicFrame>
+        <p:nvGraphicFramePr>
+          <p:cNvPr id="2" name="Tabela 1">
+            <a:extLst>
+              <a:ext uri="{FF2B5EF4-FFF2-40B4-BE49-F238E27FC236}">
+                <a16:creationId xmlns:a16="http://schemas.microsoft.com/office/drawing/2014/main" id="{DFD4F9D7-39E8-4903-BDDC-71867185EDDA}"/>
+              </a:ext>
+            </a:extLst>
+          </p:cNvPr>
+          <p:cNvGraphicFramePr>
+            <a:graphicFrameLocks noGrp="1"/>
+          </p:cNvGraphicFramePr>
+          <p:nvPr/>
+        </p:nvGraphicFramePr>
+        <p:xfrm>
+          <a:off x="2254420" y="2269700"/>
+          <a:ext cx="6096000" cy="741680"/>
+        </p:xfrm>
+        <a:graphic>
+          <a:graphicData uri="http://schemas.openxmlformats.org/drawingml/2006/table">
+            <a:tbl>
+              <a:tblPr firstRow="1" bandRow="1">
+                <a:tableStyleId>{5C22544A-7EE6-4342-B048-85BDC9FD1C3A}</a:tableStyleId>
+              </a:tblPr>
+              <a:tblGrid>
+                <a:gridCol w="1524000">
+                  <a:extLst>
+                    <a:ext uri="{9D8B030D-6E8A-4147-A177-3AD203B41FA5}">
+                      <a16:colId xmlns:a16="http://schemas.microsoft.com/office/drawing/2014/main" val="2487529331"/>
+                    </a:ext>
+                  </a:extLst>
+                </a:gridCol>
+                <a:gridCol w="1524000">
+                  <a:extLst>
+                    <a:ext uri="{9D8B030D-6E8A-4147-A177-3AD203B41FA5}">
+                      <a16:colId xmlns:a16="http://schemas.microsoft.com/office/drawing/2014/main" val="2869260063"/>
+                    </a:ext>
+                  </a:extLst>
+                </a:gridCol>
+                <a:gridCol w="1524000">
+                  <a:extLst>
+                    <a:ext uri="{9D8B030D-6E8A-4147-A177-3AD203B41FA5}">
+                      <a16:colId xmlns:a16="http://schemas.microsoft.com/office/drawing/2014/main" val="333191759"/>
+                    </a:ext>
+                  </a:extLst>
+                </a:gridCol>
+                <a:gridCol w="1524000">
+                  <a:extLst>
+                    <a:ext uri="{9D8B030D-6E8A-4147-A177-3AD203B41FA5}">
+                      <a16:colId xmlns:a16="http://schemas.microsoft.com/office/drawing/2014/main" val="1904566182"/>
+                    </a:ext>
+                  </a:extLst>
+                </a:gridCol>
+              </a:tblGrid>
+              <a:tr h="370840">
+                <a:tc>
+                  <a:txBody>
+                    <a:bodyPr/>
+                    <a:lstStyle/>
+                    <a:p>
+                      <a:r>
+                        <a:rPr lang="pt-BR" dirty="0">
+                          <a:solidFill>
+                            <a:schemeClr val="tx1"/>
+                          </a:solidFill>
+                        </a:rPr>
+                        <a:t>a</a:t>
+                      </a:r>
+                    </a:p>
+                  </a:txBody>
+                  <a:tcPr/>
+                </a:tc>
+                <a:tc>
+                  <a:txBody>
+                    <a:bodyPr/>
+                    <a:lstStyle/>
+                    <a:p>
+                      <a:r>
+                        <a:rPr lang="pt-BR" dirty="0">
+                          <a:solidFill>
+                            <a:schemeClr val="tx1"/>
+                          </a:solidFill>
+                        </a:rPr>
+                        <a:t>b</a:t>
+                      </a:r>
+                    </a:p>
+                  </a:txBody>
+                  <a:tcPr/>
+                </a:tc>
+                <a:tc>
+                  <a:txBody>
+                    <a:bodyPr/>
+                    <a:lstStyle/>
+                    <a:p>
+                      <a:r>
+                        <a:rPr lang="pt-BR" dirty="0">
+                          <a:solidFill>
+                            <a:schemeClr val="tx1"/>
+                          </a:solidFill>
+                        </a:rPr>
+                        <a:t>c</a:t>
+                      </a:r>
+                    </a:p>
+                  </a:txBody>
+                  <a:tcPr/>
+                </a:tc>
+                <a:tc>
+                  <a:txBody>
+                    <a:bodyPr/>
+                    <a:lstStyle/>
+                    <a:p>
+                      <a:r>
+                        <a:rPr lang="pt-BR" dirty="0">
+                          <a:solidFill>
+                            <a:schemeClr val="tx1"/>
+                          </a:solidFill>
+                        </a:rPr>
+                        <a:t>d</a:t>
+                      </a:r>
+                    </a:p>
+                  </a:txBody>
+                  <a:tcPr/>
+                </a:tc>
+                <a:extLst>
+                  <a:ext uri="{0D108BD9-81ED-4DB2-BD59-A6C34878D82A}">
+                    <a16:rowId xmlns:a16="http://schemas.microsoft.com/office/drawing/2014/main" val="1546058979"/>
+                  </a:ext>
+                </a:extLst>
+              </a:tr>
+              <a:tr h="370840">
+                <a:tc>
+                  <a:txBody>
+                    <a:bodyPr/>
+                    <a:lstStyle/>
+                    <a:p>
+                      <a:endParaRPr lang="pt-BR" dirty="0"/>
+                    </a:p>
+                  </a:txBody>
+                  <a:tcPr/>
+                </a:tc>
+                <a:tc>
+                  <a:txBody>
+                    <a:bodyPr/>
+                    <a:lstStyle/>
+                    <a:p>
+                      <a:endParaRPr lang="pt-BR"/>
+                    </a:p>
+                  </a:txBody>
+                  <a:tcPr/>
+                </a:tc>
+                <a:tc>
+                  <a:txBody>
+                    <a:bodyPr/>
+                    <a:lstStyle/>
+                    <a:p>
+                      <a:endParaRPr lang="pt-BR"/>
+                    </a:p>
+                  </a:txBody>
+                  <a:tcPr/>
+                </a:tc>
+                <a:tc>
+                  <a:txBody>
+                    <a:bodyPr/>
+                    <a:lstStyle/>
+                    <a:p>
+                      <a:endParaRPr lang="pt-BR" dirty="0"/>
+                    </a:p>
+                  </a:txBody>
+                  <a:tcPr/>
+                </a:tc>
+                <a:extLst>
+                  <a:ext uri="{0D108BD9-81ED-4DB2-BD59-A6C34878D82A}">
+                    <a16:rowId xmlns:a16="http://schemas.microsoft.com/office/drawing/2014/main" val="129382698"/>
+                  </a:ext>
+                </a:extLst>
+              </a:tr>
+            </a:tbl>
+          </a:graphicData>
+        </a:graphic>
+      </p:graphicFrame>
+      <mc:AlternateContent xmlns:mc="http://schemas.openxmlformats.org/markup-compatibility/2006" xmlns:a14="http://schemas.microsoft.com/office/drawing/2010/main">
+        <mc:Choice Requires="a14">
+          <p:sp>
+            <p:nvSpPr>
+              <p:cNvPr id="3" name="CaixaDeTexto 2">
+                <a:extLst>
+                  <a:ext uri="{FF2B5EF4-FFF2-40B4-BE49-F238E27FC236}">
+                    <a16:creationId xmlns:a16="http://schemas.microsoft.com/office/drawing/2014/main" id="{6F080448-3806-48B3-9411-2CB4688464CB}"/>
+                  </a:ext>
+                </a:extLst>
+              </p:cNvPr>
+              <p:cNvSpPr txBox="1"/>
+              <p:nvPr/>
+            </p:nvSpPr>
+            <p:spPr>
+              <a:xfrm>
+                <a:off x="46124" y="2249102"/>
+                <a:ext cx="1998823" cy="369332"/>
+              </a:xfrm>
+              <a:prstGeom prst="rect">
+                <a:avLst/>
+              </a:prstGeom>
+              <a:noFill/>
+            </p:spPr>
+            <p:txBody>
+              <a:bodyPr wrap="square" rtlCol="0">
+                <a:spAutoFit/>
+              </a:bodyPr>
+              <a:lstStyle/>
+              <a:p>
+                <a14:m>
+                  <m:oMath xmlns:m="http://schemas.openxmlformats.org/officeDocument/2006/math">
+                    <m:r>
+                      <a:rPr lang="pt-BR" i="1" smtClean="0">
+                        <a:latin typeface="Cambria Math" panose="02040503050406030204" pitchFamily="18" charset="0"/>
+                      </a:rPr>
+                      <m:t>∑</m:t>
+                    </m:r>
+                  </m:oMath>
+                </a14:m>
+                <a:r>
+                  <a:rPr lang="pt-BR" dirty="0"/>
+                  <a:t>( vetor alfabeto)</a:t>
+                </a:r>
+              </a:p>
+            </p:txBody>
+          </p:sp>
+        </mc:Choice>
+        <mc:Fallback xmlns="">
+          <p:sp>
+            <p:nvSpPr>
+              <p:cNvPr id="3" name="CaixaDeTexto 2">
+                <a:extLst>
+                  <a:ext uri="{FF2B5EF4-FFF2-40B4-BE49-F238E27FC236}">
+                    <a16:creationId xmlns:a16="http://schemas.microsoft.com/office/drawing/2014/main" id="{6F080448-3806-48B3-9411-2CB4688464CB}"/>
+                  </a:ext>
+                </a:extLst>
+              </p:cNvPr>
+              <p:cNvSpPr txBox="1">
+                <a:spLocks noRot="1" noChangeAspect="1" noMove="1" noResize="1" noEditPoints="1" noAdjustHandles="1" noChangeArrowheads="1" noChangeShapeType="1" noTextEdit="1"/>
+              </p:cNvSpPr>
+              <p:nvPr/>
+            </p:nvSpPr>
+            <p:spPr>
+              <a:xfrm>
+                <a:off x="46124" y="2249102"/>
+                <a:ext cx="1998823" cy="369332"/>
+              </a:xfrm>
+              <a:prstGeom prst="rect">
+                <a:avLst/>
+              </a:prstGeom>
+              <a:blipFill>
+                <a:blip r:embed="rId3"/>
+                <a:stretch>
+                  <a:fillRect l="-917" t="-9836" r="-917" b="-24590"/>
+                </a:stretch>
+              </a:blipFill>
+            </p:spPr>
+            <p:txBody>
+              <a:bodyPr/>
+              <a:lstStyle/>
+              <a:p>
+                <a:r>
+                  <a:rPr lang="pt-BR">
+                    <a:noFill/>
+                  </a:rPr>
+                  <a:t> </a:t>
+                </a:r>
+              </a:p>
+            </p:txBody>
+          </p:sp>
+        </mc:Fallback>
+      </mc:AlternateContent>
+      <p:sp>
+        <p:nvSpPr>
+          <p:cNvPr id="4" name="CaixaDeTexto 3">
+            <a:extLst>
+              <a:ext uri="{FF2B5EF4-FFF2-40B4-BE49-F238E27FC236}">
+                <a16:creationId xmlns:a16="http://schemas.microsoft.com/office/drawing/2014/main" id="{7BD64892-43A5-4C20-BBA1-6C95103B7AA7}"/>
+              </a:ext>
+            </a:extLst>
+          </p:cNvPr>
+          <p:cNvSpPr txBox="1"/>
+          <p:nvPr/>
+        </p:nvSpPr>
+        <p:spPr>
+          <a:xfrm>
+            <a:off x="404737" y="2619942"/>
+            <a:ext cx="887807" cy="369332"/>
+          </a:xfrm>
+          <a:prstGeom prst="rect">
+            <a:avLst/>
+          </a:prstGeom>
+          <a:noFill/>
+        </p:spPr>
+        <p:txBody>
+          <a:bodyPr wrap="none" rtlCol="0">
+            <a:spAutoFit/>
+          </a:bodyPr>
+          <a:lstStyle/>
           <a:p>
             <a:r>
-              <a:rPr b="0" lang="pt-BR" sz="1800" spc="-1" strike="noStrike">
-                <a:solidFill>
-                  <a:srgbClr val="000000"/>
-                </a:solidFill>
-                <a:uFill>
-                  <a:solidFill>
-                    <a:srgbClr val="ffffff"/>
-                  </a:solidFill>
-                </a:uFill>
-                <a:latin typeface="Arial"/>
-              </a:rPr>
-              <a:t>Ex.:</a:t>
+              <a:rPr lang="pt-BR" dirty="0"/>
+              <a:t>L       =</a:t>
             </a:r>
-            <a:endParaRPr b="0" lang="pt-BR" sz="1800" spc="-1" strike="noStrike">
-              <a:solidFill>
-                <a:srgbClr val="000000"/>
-              </a:solidFill>
-              <a:uFill>
-                <a:solidFill>
-                  <a:srgbClr val="ffffff"/>
-                </a:solidFill>
-              </a:uFill>
-              <a:latin typeface="Arial"/>
-            </a:endParaRPr>
-          </a:p>
-          <a:p>
-            <a:endParaRPr b="0" lang="pt-BR" sz="1800" spc="-1" strike="noStrike">
-              <a:solidFill>
-                <a:srgbClr val="000000"/>
-              </a:solidFill>
-              <a:uFill>
-                <a:solidFill>
-                  <a:srgbClr val="ffffff"/>
-                </a:solidFill>
-              </a:uFill>
-              <a:latin typeface="Arial"/>
-            </a:endParaRPr>
-          </a:p>
-          <a:p>
-            <a:endParaRPr b="0" lang="pt-BR" sz="1800" spc="-1" strike="noStrike">
-              <a:solidFill>
-                <a:srgbClr val="000000"/>
-              </a:solidFill>
-              <a:uFill>
-                <a:solidFill>
-                  <a:srgbClr val="ffffff"/>
-                </a:solidFill>
-              </a:uFill>
-              <a:latin typeface="Arial"/>
-            </a:endParaRPr>
-          </a:p>
-        </p:txBody>
-      </p:sp>
+          </a:p>
+        </p:txBody>
+      </p:sp>
+      <mc:AlternateContent xmlns:mc="http://schemas.openxmlformats.org/markup-compatibility/2006" xmlns:a14="http://schemas.microsoft.com/office/drawing/2010/main">
+        <mc:Choice Requires="a14">
+          <p:sp>
+            <p:nvSpPr>
+              <p:cNvPr id="6" name="CaixaDeTexto 5">
+                <a:extLst>
+                  <a:ext uri="{FF2B5EF4-FFF2-40B4-BE49-F238E27FC236}">
+                    <a16:creationId xmlns:a16="http://schemas.microsoft.com/office/drawing/2014/main" id="{CFA9A9C4-DA5D-4515-9DBA-5E9ABA6792E9}"/>
+                  </a:ext>
+                </a:extLst>
+              </p:cNvPr>
+              <p:cNvSpPr txBox="1"/>
+              <p:nvPr/>
+            </p:nvSpPr>
+            <p:spPr>
+              <a:xfrm>
+                <a:off x="404737" y="3775166"/>
+                <a:ext cx="8071440" cy="1754326"/>
+              </a:xfrm>
+              <a:prstGeom prst="rect">
+                <a:avLst/>
+              </a:prstGeom>
+              <a:noFill/>
+            </p:spPr>
+            <p:txBody>
+              <a:bodyPr wrap="none" rtlCol="0">
+                <a:spAutoFit/>
+              </a:bodyPr>
+              <a:lstStyle/>
+              <a:p>
+                <a14:m>
+                  <m:oMath xmlns:m="http://schemas.openxmlformats.org/officeDocument/2006/math">
+                    <m:r>
+                      <a:rPr lang="pt-BR" i="1" smtClean="0">
+                        <a:latin typeface="Cambria Math" panose="02040503050406030204" pitchFamily="18" charset="0"/>
+                      </a:rPr>
+                      <m:t>∑</m:t>
+                    </m:r>
+                  </m:oMath>
+                </a14:m>
+                <a:r>
+                  <a:rPr lang="pt-BR" dirty="0"/>
+                  <a:t>: O alfabeto que aparecerá tanto no padrão, como no Texto.</a:t>
+                </a:r>
+              </a:p>
+              <a:p>
+                <a:endParaRPr lang="pt-BR" dirty="0"/>
+              </a:p>
+              <a:p>
+                <a:r>
+                  <a:rPr lang="pt-BR" dirty="0"/>
+                  <a:t>Em L, ficam os números que representam a posição mais à direita no padrão</a:t>
+                </a:r>
+              </a:p>
+              <a:p>
+                <a:r>
+                  <a:rPr lang="pt-BR" dirty="0"/>
+                  <a:t>Em que aparece a letra do alfabeto. Cada letra tem um índice.</a:t>
+                </a:r>
+              </a:p>
+              <a:p>
+                <a:endParaRPr lang="pt-BR" dirty="0"/>
+              </a:p>
+              <a:p>
+                <a:r>
+                  <a:rPr lang="pt-BR" dirty="0"/>
+                  <a:t>A letra que não ocorrer no padrão, receberá um -1.</a:t>
+                </a:r>
+              </a:p>
+            </p:txBody>
+          </p:sp>
+        </mc:Choice>
+        <mc:Fallback xmlns="">
+          <p:sp>
+            <p:nvSpPr>
+              <p:cNvPr id="6" name="CaixaDeTexto 5">
+                <a:extLst>
+                  <a:ext uri="{FF2B5EF4-FFF2-40B4-BE49-F238E27FC236}">
+                    <a16:creationId xmlns:a16="http://schemas.microsoft.com/office/drawing/2014/main" id="{CFA9A9C4-DA5D-4515-9DBA-5E9ABA6792E9}"/>
+                  </a:ext>
+                </a:extLst>
+              </p:cNvPr>
+              <p:cNvSpPr txBox="1">
+                <a:spLocks noRot="1" noChangeAspect="1" noMove="1" noResize="1" noEditPoints="1" noAdjustHandles="1" noChangeArrowheads="1" noChangeShapeType="1" noTextEdit="1"/>
+              </p:cNvSpPr>
+              <p:nvPr/>
+            </p:nvSpPr>
+            <p:spPr>
+              <a:xfrm>
+                <a:off x="404737" y="3775166"/>
+                <a:ext cx="8071440" cy="1754326"/>
+              </a:xfrm>
+              <a:prstGeom prst="rect">
+                <a:avLst/>
+              </a:prstGeom>
+              <a:blipFill>
+                <a:blip r:embed="rId4"/>
+                <a:stretch>
+                  <a:fillRect l="-604" t="-1736" b="-4514"/>
+                </a:stretch>
+              </a:blipFill>
+            </p:spPr>
+            <p:txBody>
+              <a:bodyPr/>
+              <a:lstStyle/>
+              <a:p>
+                <a:r>
+                  <a:rPr lang="pt-BR">
+                    <a:noFill/>
+                  </a:rPr>
+                  <a:t> </a:t>
+                </a:r>
+              </a:p>
+            </p:txBody>
+          </p:sp>
+        </mc:Fallback>
+      </mc:AlternateContent>
     </p:spTree>
+    <p:extLst>
+      <p:ext uri="{BB962C8B-B14F-4D97-AF65-F5344CB8AC3E}">
+        <p14:creationId xmlns:p14="http://schemas.microsoft.com/office/powerpoint/2010/main" val="3026864285"/>
+      </p:ext>
+    </p:extLst>
   </p:cSld>
+  <p:clrMapOvr>
+    <a:masterClrMapping/>
+  </p:clrMapOvr>
   <p:timing>
     <p:tnLst>
       <p:par>
-        <p:cTn id="15" dur="indefinite" restart="never" nodeType="tmRoot">
+        <p:cTn id="1" dur="indefinite" restart="never" nodeType="tmRoot">
           <p:childTnLst>
             <p:seq>
-              <p:cTn id="16" nodeType="mainSeq"/>
+              <p:cTn id="2" nodeType="mainSeq"/>
               <p:prevCondLst>
-                <p:cond delay="0" evt="onPrev">
+                <p:cond evt="onPrev" delay="0">
                   <p:tgtEl>
                     <p:sldTgt/>
                   </p:tgtEl>
                 </p:cond>
               </p:prevCondLst>
               <p:nextCondLst>
-                <p:cond delay="0" evt="onNext">
+                <p:cond evt="onNext" delay="0">
+                  <p:tgtEl>
+                    <p:sldTgt/>
+                  </p:tgtEl>
+                </p:cond>
+              </p:nextCondLst>
+            </p:seq>
+          </p:childTnLst>
+        </p:cTn>
+      </p:par>
+    </p:tnLst>
+  </p:timing>
+</p:sld>
+</file>
+
+<file path=ppt/slides/slide7.xml><?xml version="1.0" encoding="utf-8"?>
+<p:sld xmlns:a="http://schemas.openxmlformats.org/drawingml/2006/main" xmlns:r="http://schemas.openxmlformats.org/officeDocument/2006/relationships" xmlns:p="http://schemas.openxmlformats.org/presentationml/2006/main">
+  <p:cSld>
+    <p:bg>
+      <p:bgPr>
+        <a:blipFill>
+          <a:blip r:embed="rId2"/>
+          <a:tile/>
+        </a:blipFill>
+        <a:effectLst/>
+      </p:bgPr>
+    </p:bg>
+    <p:spTree>
+      <p:nvGrpSpPr>
+        <p:cNvPr id="1" name=""/>
+        <p:cNvGrpSpPr/>
+        <p:nvPr/>
+      </p:nvGrpSpPr>
+      <p:grpSpPr>
+        <a:xfrm>
+          <a:off x="0" y="0"/>
+          <a:ext cx="0" cy="0"/>
+          <a:chOff x="0" y="0"/>
+          <a:chExt cx="0" cy="0"/>
+        </a:xfrm>
+      </p:grpSpPr>
+      <p:sp>
+        <p:nvSpPr>
+          <p:cNvPr id="49" name="TextShape 1"/>
+          <p:cNvSpPr txBox="1"/>
+          <p:nvPr/>
+        </p:nvSpPr>
+        <p:spPr>
+          <a:xfrm>
+            <a:off x="935999" y="864000"/>
+            <a:ext cx="2852229" cy="355834"/>
+          </a:xfrm>
+          <a:prstGeom prst="rect">
+            <a:avLst/>
+          </a:prstGeom>
+          <a:noFill/>
+          <a:ln>
+            <a:noFill/>
+          </a:ln>
+        </p:spPr>
+        <p:txBody>
+          <a:bodyPr lIns="90000" tIns="45000" rIns="90000" bIns="45000"/>
+          <a:lstStyle/>
+          <a:p>
+            <a:r>
+              <a:rPr lang="pt-BR" sz="1800" b="0" strike="noStrike" spc="-1" dirty="0">
+                <a:solidFill>
+                  <a:srgbClr val="000000"/>
+                </a:solidFill>
+                <a:uFill>
+                  <a:solidFill>
+                    <a:srgbClr val="FFFFFF"/>
+                  </a:solidFill>
+                </a:uFill>
+                <a:latin typeface="Arial"/>
+              </a:rPr>
+              <a:t>Boyer Moore:</a:t>
+            </a:r>
+          </a:p>
+        </p:txBody>
+      </p:sp>
+      <p:sp>
+        <p:nvSpPr>
+          <p:cNvPr id="50" name="TextShape 2"/>
+          <p:cNvSpPr txBox="1"/>
+          <p:nvPr/>
+        </p:nvSpPr>
+        <p:spPr>
+          <a:xfrm>
+            <a:off x="1008000" y="1440000"/>
+            <a:ext cx="7646760" cy="2115000"/>
+          </a:xfrm>
+          <a:prstGeom prst="rect">
+            <a:avLst/>
+          </a:prstGeom>
+          <a:noFill/>
+          <a:ln>
+            <a:noFill/>
+          </a:ln>
+        </p:spPr>
+        <p:txBody>
+          <a:bodyPr lIns="90000" tIns="45000" rIns="90000" bIns="45000"/>
+          <a:lstStyle/>
+          <a:p>
+            <a:pPr marL="285750" indent="-285750">
+              <a:buFontTx/>
+              <a:buChar char="-"/>
+            </a:pPr>
+            <a:r>
+              <a:rPr lang="pt-BR" sz="1800" b="0" strike="noStrike" spc="-1" dirty="0">
+                <a:solidFill>
+                  <a:srgbClr val="000000"/>
+                </a:solidFill>
+                <a:uFill>
+                  <a:solidFill>
+                    <a:srgbClr val="FFFFFF"/>
+                  </a:solidFill>
+                </a:uFill>
+                <a:latin typeface="Arial"/>
+              </a:rPr>
+              <a:t>Pré-processamento da palavra:</a:t>
+            </a:r>
+          </a:p>
+          <a:p>
+            <a:endParaRPr lang="pt-BR" sz="1800" b="0" strike="noStrike" spc="-1" dirty="0">
+              <a:solidFill>
+                <a:srgbClr val="000000"/>
+              </a:solidFill>
+              <a:uFill>
+                <a:solidFill>
+                  <a:srgbClr val="FFFFFF"/>
+                </a:solidFill>
+              </a:uFill>
+              <a:latin typeface="Arial"/>
+            </a:endParaRPr>
+          </a:p>
+          <a:p>
+            <a:endParaRPr lang="pt-BR" sz="1800" b="0" strike="noStrike" spc="-1" dirty="0">
+              <a:solidFill>
+                <a:srgbClr val="000000"/>
+              </a:solidFill>
+              <a:uFill>
+                <a:solidFill>
+                  <a:srgbClr val="FFFFFF"/>
+                </a:solidFill>
+              </a:uFill>
+              <a:latin typeface="Arial"/>
+            </a:endParaRPr>
+          </a:p>
+        </p:txBody>
+      </p:sp>
+      <p:graphicFrame>
+        <p:nvGraphicFramePr>
+          <p:cNvPr id="2" name="Tabela 1">
+            <a:extLst>
+              <a:ext uri="{FF2B5EF4-FFF2-40B4-BE49-F238E27FC236}">
+                <a16:creationId xmlns:a16="http://schemas.microsoft.com/office/drawing/2014/main" id="{DFD4F9D7-39E8-4903-BDDC-71867185EDDA}"/>
+              </a:ext>
+            </a:extLst>
+          </p:cNvPr>
+          <p:cNvGraphicFramePr>
+            <a:graphicFrameLocks noGrp="1"/>
+          </p:cNvGraphicFramePr>
+          <p:nvPr/>
+        </p:nvGraphicFramePr>
+        <p:xfrm>
+          <a:off x="2254420" y="2269700"/>
+          <a:ext cx="6096000" cy="741680"/>
+        </p:xfrm>
+        <a:graphic>
+          <a:graphicData uri="http://schemas.openxmlformats.org/drawingml/2006/table">
+            <a:tbl>
+              <a:tblPr firstRow="1" bandRow="1">
+                <a:tableStyleId>{5C22544A-7EE6-4342-B048-85BDC9FD1C3A}</a:tableStyleId>
+              </a:tblPr>
+              <a:tblGrid>
+                <a:gridCol w="1524000">
+                  <a:extLst>
+                    <a:ext uri="{9D8B030D-6E8A-4147-A177-3AD203B41FA5}">
+                      <a16:colId xmlns:a16="http://schemas.microsoft.com/office/drawing/2014/main" val="2487529331"/>
+                    </a:ext>
+                  </a:extLst>
+                </a:gridCol>
+                <a:gridCol w="1524000">
+                  <a:extLst>
+                    <a:ext uri="{9D8B030D-6E8A-4147-A177-3AD203B41FA5}">
+                      <a16:colId xmlns:a16="http://schemas.microsoft.com/office/drawing/2014/main" val="2869260063"/>
+                    </a:ext>
+                  </a:extLst>
+                </a:gridCol>
+                <a:gridCol w="1524000">
+                  <a:extLst>
+                    <a:ext uri="{9D8B030D-6E8A-4147-A177-3AD203B41FA5}">
+                      <a16:colId xmlns:a16="http://schemas.microsoft.com/office/drawing/2014/main" val="333191759"/>
+                    </a:ext>
+                  </a:extLst>
+                </a:gridCol>
+                <a:gridCol w="1524000">
+                  <a:extLst>
+                    <a:ext uri="{9D8B030D-6E8A-4147-A177-3AD203B41FA5}">
+                      <a16:colId xmlns:a16="http://schemas.microsoft.com/office/drawing/2014/main" val="1904566182"/>
+                    </a:ext>
+                  </a:extLst>
+                </a:gridCol>
+              </a:tblGrid>
+              <a:tr h="370840">
+                <a:tc>
+                  <a:txBody>
+                    <a:bodyPr/>
+                    <a:lstStyle/>
+                    <a:p>
+                      <a:r>
+                        <a:rPr lang="pt-BR" dirty="0">
+                          <a:solidFill>
+                            <a:schemeClr val="tx1"/>
+                          </a:solidFill>
+                        </a:rPr>
+                        <a:t>a</a:t>
+                      </a:r>
+                    </a:p>
+                  </a:txBody>
+                  <a:tcPr/>
+                </a:tc>
+                <a:tc>
+                  <a:txBody>
+                    <a:bodyPr/>
+                    <a:lstStyle/>
+                    <a:p>
+                      <a:r>
+                        <a:rPr lang="pt-BR" dirty="0">
+                          <a:solidFill>
+                            <a:schemeClr val="tx1"/>
+                          </a:solidFill>
+                        </a:rPr>
+                        <a:t>b</a:t>
+                      </a:r>
+                    </a:p>
+                  </a:txBody>
+                  <a:tcPr/>
+                </a:tc>
+                <a:tc>
+                  <a:txBody>
+                    <a:bodyPr/>
+                    <a:lstStyle/>
+                    <a:p>
+                      <a:r>
+                        <a:rPr lang="pt-BR" dirty="0">
+                          <a:solidFill>
+                            <a:schemeClr val="tx1"/>
+                          </a:solidFill>
+                        </a:rPr>
+                        <a:t>c</a:t>
+                      </a:r>
+                    </a:p>
+                  </a:txBody>
+                  <a:tcPr/>
+                </a:tc>
+                <a:tc>
+                  <a:txBody>
+                    <a:bodyPr/>
+                    <a:lstStyle/>
+                    <a:p>
+                      <a:r>
+                        <a:rPr lang="pt-BR" dirty="0">
+                          <a:solidFill>
+                            <a:schemeClr val="tx1"/>
+                          </a:solidFill>
+                        </a:rPr>
+                        <a:t>d</a:t>
+                      </a:r>
+                    </a:p>
+                  </a:txBody>
+                  <a:tcPr/>
+                </a:tc>
+                <a:extLst>
+                  <a:ext uri="{0D108BD9-81ED-4DB2-BD59-A6C34878D82A}">
+                    <a16:rowId xmlns:a16="http://schemas.microsoft.com/office/drawing/2014/main" val="1546058979"/>
+                  </a:ext>
+                </a:extLst>
+              </a:tr>
+              <a:tr h="370840">
+                <a:tc>
+                  <a:txBody>
+                    <a:bodyPr/>
+                    <a:lstStyle/>
+                    <a:p>
+                      <a:endParaRPr lang="pt-BR" dirty="0"/>
+                    </a:p>
+                  </a:txBody>
+                  <a:tcPr/>
+                </a:tc>
+                <a:tc>
+                  <a:txBody>
+                    <a:bodyPr/>
+                    <a:lstStyle/>
+                    <a:p>
+                      <a:endParaRPr lang="pt-BR"/>
+                    </a:p>
+                  </a:txBody>
+                  <a:tcPr/>
+                </a:tc>
+                <a:tc>
+                  <a:txBody>
+                    <a:bodyPr/>
+                    <a:lstStyle/>
+                    <a:p>
+                      <a:endParaRPr lang="pt-BR"/>
+                    </a:p>
+                  </a:txBody>
+                  <a:tcPr/>
+                </a:tc>
+                <a:tc>
+                  <a:txBody>
+                    <a:bodyPr/>
+                    <a:lstStyle/>
+                    <a:p>
+                      <a:endParaRPr lang="pt-BR" dirty="0"/>
+                    </a:p>
+                  </a:txBody>
+                  <a:tcPr/>
+                </a:tc>
+                <a:extLst>
+                  <a:ext uri="{0D108BD9-81ED-4DB2-BD59-A6C34878D82A}">
+                    <a16:rowId xmlns:a16="http://schemas.microsoft.com/office/drawing/2014/main" val="129382698"/>
+                  </a:ext>
+                </a:extLst>
+              </a:tr>
+            </a:tbl>
+          </a:graphicData>
+        </a:graphic>
+      </p:graphicFrame>
+      <mc:AlternateContent xmlns:mc="http://schemas.openxmlformats.org/markup-compatibility/2006" xmlns:a14="http://schemas.microsoft.com/office/drawing/2010/main">
+        <mc:Choice Requires="a14">
+          <p:sp>
+            <p:nvSpPr>
+              <p:cNvPr id="3" name="CaixaDeTexto 2">
+                <a:extLst>
+                  <a:ext uri="{FF2B5EF4-FFF2-40B4-BE49-F238E27FC236}">
+                    <a16:creationId xmlns:a16="http://schemas.microsoft.com/office/drawing/2014/main" id="{6F080448-3806-48B3-9411-2CB4688464CB}"/>
+                  </a:ext>
+                </a:extLst>
+              </p:cNvPr>
+              <p:cNvSpPr txBox="1"/>
+              <p:nvPr/>
+            </p:nvSpPr>
+            <p:spPr>
+              <a:xfrm>
+                <a:off x="46124" y="2249102"/>
+                <a:ext cx="1998823" cy="369332"/>
+              </a:xfrm>
+              <a:prstGeom prst="rect">
+                <a:avLst/>
+              </a:prstGeom>
+              <a:noFill/>
+            </p:spPr>
+            <p:txBody>
+              <a:bodyPr wrap="square" rtlCol="0">
+                <a:spAutoFit/>
+              </a:bodyPr>
+              <a:lstStyle/>
+              <a:p>
+                <a14:m>
+                  <m:oMath xmlns:m="http://schemas.openxmlformats.org/officeDocument/2006/math">
+                    <m:r>
+                      <a:rPr lang="pt-BR" i="1" smtClean="0">
+                        <a:latin typeface="Cambria Math" panose="02040503050406030204" pitchFamily="18" charset="0"/>
+                      </a:rPr>
+                      <m:t>∑</m:t>
+                    </m:r>
+                  </m:oMath>
+                </a14:m>
+                <a:r>
+                  <a:rPr lang="pt-BR" dirty="0"/>
+                  <a:t>( vetor alfabeto)</a:t>
+                </a:r>
+              </a:p>
+            </p:txBody>
+          </p:sp>
+        </mc:Choice>
+        <mc:Fallback xmlns="">
+          <p:sp>
+            <p:nvSpPr>
+              <p:cNvPr id="3" name="CaixaDeTexto 2">
+                <a:extLst>
+                  <a:ext uri="{FF2B5EF4-FFF2-40B4-BE49-F238E27FC236}">
+                    <a16:creationId xmlns:a16="http://schemas.microsoft.com/office/drawing/2014/main" id="{6F080448-3806-48B3-9411-2CB4688464CB}"/>
+                  </a:ext>
+                </a:extLst>
+              </p:cNvPr>
+              <p:cNvSpPr txBox="1">
+                <a:spLocks noRot="1" noChangeAspect="1" noMove="1" noResize="1" noEditPoints="1" noAdjustHandles="1" noChangeArrowheads="1" noChangeShapeType="1" noTextEdit="1"/>
+              </p:cNvSpPr>
+              <p:nvPr/>
+            </p:nvSpPr>
+            <p:spPr>
+              <a:xfrm>
+                <a:off x="46124" y="2249102"/>
+                <a:ext cx="1998823" cy="369332"/>
+              </a:xfrm>
+              <a:prstGeom prst="rect">
+                <a:avLst/>
+              </a:prstGeom>
+              <a:blipFill>
+                <a:blip r:embed="rId3"/>
+                <a:stretch>
+                  <a:fillRect l="-917" t="-9836" r="-917" b="-24590"/>
+                </a:stretch>
+              </a:blipFill>
+            </p:spPr>
+            <p:txBody>
+              <a:bodyPr/>
+              <a:lstStyle/>
+              <a:p>
+                <a:r>
+                  <a:rPr lang="pt-BR">
+                    <a:noFill/>
+                  </a:rPr>
+                  <a:t> </a:t>
+                </a:r>
+              </a:p>
+            </p:txBody>
+          </p:sp>
+        </mc:Fallback>
+      </mc:AlternateContent>
+      <p:sp>
+        <p:nvSpPr>
+          <p:cNvPr id="4" name="CaixaDeTexto 3">
+            <a:extLst>
+              <a:ext uri="{FF2B5EF4-FFF2-40B4-BE49-F238E27FC236}">
+                <a16:creationId xmlns:a16="http://schemas.microsoft.com/office/drawing/2014/main" id="{7BD64892-43A5-4C20-BBA1-6C95103B7AA7}"/>
+              </a:ext>
+            </a:extLst>
+          </p:cNvPr>
+          <p:cNvSpPr txBox="1"/>
+          <p:nvPr/>
+        </p:nvSpPr>
+        <p:spPr>
+          <a:xfrm>
+            <a:off x="404737" y="2619942"/>
+            <a:ext cx="887807" cy="369332"/>
+          </a:xfrm>
+          <a:prstGeom prst="rect">
+            <a:avLst/>
+          </a:prstGeom>
+          <a:noFill/>
+        </p:spPr>
+        <p:txBody>
+          <a:bodyPr wrap="none" rtlCol="0">
+            <a:spAutoFit/>
+          </a:bodyPr>
+          <a:lstStyle/>
+          <a:p>
+            <a:r>
+              <a:rPr lang="pt-BR" dirty="0"/>
+              <a:t>L       =</a:t>
+            </a:r>
+          </a:p>
+        </p:txBody>
+      </p:sp>
+      <mc:AlternateContent xmlns:mc="http://schemas.openxmlformats.org/markup-compatibility/2006" xmlns:a14="http://schemas.microsoft.com/office/drawing/2010/main">
+        <mc:Choice Requires="a14">
+          <p:sp>
+            <p:nvSpPr>
+              <p:cNvPr id="6" name="CaixaDeTexto 5">
+                <a:extLst>
+                  <a:ext uri="{FF2B5EF4-FFF2-40B4-BE49-F238E27FC236}">
+                    <a16:creationId xmlns:a16="http://schemas.microsoft.com/office/drawing/2014/main" id="{CFA9A9C4-DA5D-4515-9DBA-5E9ABA6792E9}"/>
+                  </a:ext>
+                </a:extLst>
+              </p:cNvPr>
+              <p:cNvSpPr txBox="1"/>
+              <p:nvPr/>
+            </p:nvSpPr>
+            <p:spPr>
+              <a:xfrm>
+                <a:off x="404737" y="3775166"/>
+                <a:ext cx="8071440" cy="1754326"/>
+              </a:xfrm>
+              <a:prstGeom prst="rect">
+                <a:avLst/>
+              </a:prstGeom>
+              <a:noFill/>
+            </p:spPr>
+            <p:txBody>
+              <a:bodyPr wrap="none" rtlCol="0">
+                <a:spAutoFit/>
+              </a:bodyPr>
+              <a:lstStyle/>
+              <a:p>
+                <a14:m>
+                  <m:oMath xmlns:m="http://schemas.openxmlformats.org/officeDocument/2006/math">
+                    <m:r>
+                      <a:rPr lang="pt-BR" i="1" smtClean="0">
+                        <a:latin typeface="Cambria Math" panose="02040503050406030204" pitchFamily="18" charset="0"/>
+                      </a:rPr>
+                      <m:t>∑</m:t>
+                    </m:r>
+                  </m:oMath>
+                </a14:m>
+                <a:r>
+                  <a:rPr lang="pt-BR" dirty="0"/>
+                  <a:t>: O alfabeto que aparecerá tanto no padrão, como no Texto.</a:t>
+                </a:r>
+              </a:p>
+              <a:p>
+                <a:endParaRPr lang="pt-BR" dirty="0"/>
+              </a:p>
+              <a:p>
+                <a:r>
+                  <a:rPr lang="pt-BR" dirty="0"/>
+                  <a:t>Em L, ficam os números que representam a posição mais à direita no padrão</a:t>
+                </a:r>
+              </a:p>
+              <a:p>
+                <a:r>
+                  <a:rPr lang="pt-BR" dirty="0"/>
+                  <a:t>Em que aparece a letra do alfabeto. Cada letra tem um índice.</a:t>
+                </a:r>
+              </a:p>
+              <a:p>
+                <a:endParaRPr lang="pt-BR" dirty="0"/>
+              </a:p>
+              <a:p>
+                <a:r>
+                  <a:rPr lang="pt-BR" dirty="0"/>
+                  <a:t>A letra que não ocorrer no padrão, receberá um -1.</a:t>
+                </a:r>
+              </a:p>
+            </p:txBody>
+          </p:sp>
+        </mc:Choice>
+        <mc:Fallback xmlns="">
+          <p:sp>
+            <p:nvSpPr>
+              <p:cNvPr id="6" name="CaixaDeTexto 5">
+                <a:extLst>
+                  <a:ext uri="{FF2B5EF4-FFF2-40B4-BE49-F238E27FC236}">
+                    <a16:creationId xmlns:a16="http://schemas.microsoft.com/office/drawing/2014/main" id="{CFA9A9C4-DA5D-4515-9DBA-5E9ABA6792E9}"/>
+                  </a:ext>
+                </a:extLst>
+              </p:cNvPr>
+              <p:cNvSpPr txBox="1">
+                <a:spLocks noRot="1" noChangeAspect="1" noMove="1" noResize="1" noEditPoints="1" noAdjustHandles="1" noChangeArrowheads="1" noChangeShapeType="1" noTextEdit="1"/>
+              </p:cNvSpPr>
+              <p:nvPr/>
+            </p:nvSpPr>
+            <p:spPr>
+              <a:xfrm>
+                <a:off x="404737" y="3775166"/>
+                <a:ext cx="8071440" cy="1754326"/>
+              </a:xfrm>
+              <a:prstGeom prst="rect">
+                <a:avLst/>
+              </a:prstGeom>
+              <a:blipFill>
+                <a:blip r:embed="rId4"/>
+                <a:stretch>
+                  <a:fillRect l="-604" t="-1736" b="-4514"/>
+                </a:stretch>
+              </a:blipFill>
+            </p:spPr>
+            <p:txBody>
+              <a:bodyPr/>
+              <a:lstStyle/>
+              <a:p>
+                <a:r>
+                  <a:rPr lang="pt-BR">
+                    <a:noFill/>
+                  </a:rPr>
+                  <a:t> </a:t>
+                </a:r>
+              </a:p>
+            </p:txBody>
+          </p:sp>
+        </mc:Fallback>
+      </mc:AlternateContent>
+    </p:spTree>
+    <p:extLst>
+      <p:ext uri="{BB962C8B-B14F-4D97-AF65-F5344CB8AC3E}">
+        <p14:creationId xmlns:p14="http://schemas.microsoft.com/office/powerpoint/2010/main" val="487409307"/>
+      </p:ext>
+    </p:extLst>
+  </p:cSld>
+  <p:clrMapOvr>
+    <a:masterClrMapping/>
+  </p:clrMapOvr>
+  <p:timing>
+    <p:tnLst>
+      <p:par>
+        <p:cTn id="1" dur="indefinite" restart="never" nodeType="tmRoot">
+          <p:childTnLst>
+            <p:seq>
+              <p:cTn id="2" nodeType="mainSeq"/>
+              <p:prevCondLst>
+                <p:cond evt="onPrev" delay="0">
+                  <p:tgtEl>
+                    <p:sldTgt/>
+                  </p:tgtEl>
+                </p:cond>
+              </p:prevCondLst>
+              <p:nextCondLst>
+                <p:cond evt="onNext" delay="0">
+                  <p:tgtEl>
+                    <p:sldTgt/>
+                  </p:tgtEl>
+                </p:cond>
+              </p:nextCondLst>
+            </p:seq>
+          </p:childTnLst>
+        </p:cTn>
+      </p:par>
+    </p:tnLst>
+  </p:timing>
+</p:sld>
+</file>
+
+<file path=ppt/slides/slide8.xml><?xml version="1.0" encoding="utf-8"?>
+<p:sld xmlns:a="http://schemas.openxmlformats.org/drawingml/2006/main" xmlns:r="http://schemas.openxmlformats.org/officeDocument/2006/relationships" xmlns:p="http://schemas.openxmlformats.org/presentationml/2006/main">
+  <p:cSld>
+    <p:bg>
+      <p:bgPr>
+        <a:blipFill>
+          <a:blip r:embed="rId2"/>
+          <a:tile/>
+        </a:blipFill>
+        <a:effectLst/>
+      </p:bgPr>
+    </p:bg>
+    <p:spTree>
+      <p:nvGrpSpPr>
+        <p:cNvPr id="1" name=""/>
+        <p:cNvGrpSpPr/>
+        <p:nvPr/>
+      </p:nvGrpSpPr>
+      <p:grpSpPr>
+        <a:xfrm>
+          <a:off x="0" y="0"/>
+          <a:ext cx="0" cy="0"/>
+          <a:chOff x="0" y="0"/>
+          <a:chExt cx="0" cy="0"/>
+        </a:xfrm>
+      </p:grpSpPr>
+      <p:pic>
+        <p:nvPicPr>
+          <p:cNvPr id="8" name="Imagem 7">
+            <a:extLst>
+              <a:ext uri="{FF2B5EF4-FFF2-40B4-BE49-F238E27FC236}">
+                <a16:creationId xmlns:a16="http://schemas.microsoft.com/office/drawing/2014/main" id="{0F85C5E2-3853-4A31-8358-FF38DE1F4D5A}"/>
+              </a:ext>
+            </a:extLst>
+          </p:cNvPr>
+          <p:cNvPicPr>
+            <a:picLocks noChangeAspect="1"/>
+          </p:cNvPicPr>
+          <p:nvPr/>
+        </p:nvPicPr>
+        <p:blipFill>
+          <a:blip r:embed="rId3"/>
+          <a:stretch>
+            <a:fillRect/>
+          </a:stretch>
+        </p:blipFill>
+        <p:spPr>
+          <a:xfrm>
+            <a:off x="1828799" y="571631"/>
+            <a:ext cx="4959350" cy="5930769"/>
+          </a:xfrm>
+          <a:prstGeom prst="rect">
+            <a:avLst/>
+          </a:prstGeom>
+        </p:spPr>
+      </p:pic>
+      <p:cxnSp>
+        <p:nvCxnSpPr>
+          <p:cNvPr id="9" name="Conector de Seta Reta 8">
+            <a:extLst>
+              <a:ext uri="{FF2B5EF4-FFF2-40B4-BE49-F238E27FC236}">
+                <a16:creationId xmlns:a16="http://schemas.microsoft.com/office/drawing/2014/main" id="{6C86DC0E-30CA-4EEA-8164-4482965B5E7A}"/>
+              </a:ext>
+            </a:extLst>
+          </p:cNvPr>
+          <p:cNvCxnSpPr>
+            <a:cxnSpLocks/>
+          </p:cNvCxnSpPr>
+          <p:nvPr/>
+        </p:nvCxnSpPr>
+        <p:spPr>
+          <a:xfrm>
+            <a:off x="1313542" y="1393372"/>
+            <a:ext cx="1030514" cy="0"/>
+          </a:xfrm>
+          <a:prstGeom prst="straightConnector1">
+            <a:avLst/>
+          </a:prstGeom>
+          <a:ln>
+            <a:tailEnd type="triangle"/>
+          </a:ln>
+        </p:spPr>
+        <p:style>
+          <a:lnRef idx="1">
+            <a:schemeClr val="accent1"/>
+          </a:lnRef>
+          <a:fillRef idx="0">
+            <a:schemeClr val="accent1"/>
+          </a:fillRef>
+          <a:effectRef idx="0">
+            <a:schemeClr val="accent1"/>
+          </a:effectRef>
+          <a:fontRef idx="minor">
+            <a:schemeClr val="tx1"/>
+          </a:fontRef>
+        </p:style>
+      </p:cxnSp>
+    </p:spTree>
+    <p:extLst>
+      <p:ext uri="{BB962C8B-B14F-4D97-AF65-F5344CB8AC3E}">
+        <p14:creationId xmlns:p14="http://schemas.microsoft.com/office/powerpoint/2010/main" val="710164481"/>
+      </p:ext>
+    </p:extLst>
+  </p:cSld>
+  <p:clrMapOvr>
+    <a:masterClrMapping/>
+  </p:clrMapOvr>
+  <p:timing>
+    <p:tnLst>
+      <p:par>
+        <p:cTn id="1" dur="indefinite" restart="never" nodeType="tmRoot">
+          <p:childTnLst>
+            <p:seq>
+              <p:cTn id="2" nodeType="mainSeq"/>
+              <p:prevCondLst>
+                <p:cond evt="onPrev" delay="0">
+                  <p:tgtEl>
+                    <p:sldTgt/>
+                  </p:tgtEl>
+                </p:cond>
+              </p:prevCondLst>
+              <p:nextCondLst>
+                <p:cond evt="onNext" delay="0">
+                  <p:tgtEl>
+                    <p:sldTgt/>
+                  </p:tgtEl>
+                </p:cond>
+              </p:nextCondLst>
+            </p:seq>
+          </p:childTnLst>
+        </p:cTn>
+      </p:par>
+    </p:tnLst>
+  </p:timing>
+</p:sld>
+</file>
+
+<file path=ppt/slides/slide9.xml><?xml version="1.0" encoding="utf-8"?>
+<p:sld xmlns:a="http://schemas.openxmlformats.org/drawingml/2006/main" xmlns:r="http://schemas.openxmlformats.org/officeDocument/2006/relationships" xmlns:p="http://schemas.openxmlformats.org/presentationml/2006/main">
+  <p:cSld>
+    <p:bg>
+      <p:bgPr>
+        <a:blipFill>
+          <a:blip r:embed="rId2"/>
+          <a:tile/>
+        </a:blipFill>
+        <a:effectLst/>
+      </p:bgPr>
+    </p:bg>
+    <p:spTree>
+      <p:nvGrpSpPr>
+        <p:cNvPr id="1" name=""/>
+        <p:cNvGrpSpPr/>
+        <p:nvPr/>
+      </p:nvGrpSpPr>
+      <p:grpSpPr>
+        <a:xfrm>
+          <a:off x="0" y="0"/>
+          <a:ext cx="0" cy="0"/>
+          <a:chOff x="0" y="0"/>
+          <a:chExt cx="0" cy="0"/>
+        </a:xfrm>
+      </p:grpSpPr>
+      <p:graphicFrame>
+        <p:nvGraphicFramePr>
+          <p:cNvPr id="2" name="Tabela 1">
+            <a:extLst>
+              <a:ext uri="{FF2B5EF4-FFF2-40B4-BE49-F238E27FC236}">
+                <a16:creationId xmlns:a16="http://schemas.microsoft.com/office/drawing/2014/main" id="{DFD4F9D7-39E8-4903-BDDC-71867185EDDA}"/>
+              </a:ext>
+            </a:extLst>
+          </p:cNvPr>
+          <p:cNvGraphicFramePr>
+            <a:graphicFrameLocks noGrp="1"/>
+          </p:cNvGraphicFramePr>
+          <p:nvPr>
+            <p:extLst>
+              <p:ext uri="{D42A27DB-BD31-4B8C-83A1-F6EECF244321}">
+                <p14:modId xmlns:p14="http://schemas.microsoft.com/office/powerpoint/2010/main" val="3621556236"/>
+              </p:ext>
+            </p:extLst>
+          </p:nvPr>
+        </p:nvGraphicFramePr>
+        <p:xfrm>
+          <a:off x="2254420" y="2269700"/>
+          <a:ext cx="6096000" cy="741680"/>
+        </p:xfrm>
+        <a:graphic>
+          <a:graphicData uri="http://schemas.openxmlformats.org/drawingml/2006/table">
+            <a:tbl>
+              <a:tblPr firstRow="1" bandRow="1">
+                <a:tableStyleId>{5C22544A-7EE6-4342-B048-85BDC9FD1C3A}</a:tableStyleId>
+              </a:tblPr>
+              <a:tblGrid>
+                <a:gridCol w="1524000">
+                  <a:extLst>
+                    <a:ext uri="{9D8B030D-6E8A-4147-A177-3AD203B41FA5}">
+                      <a16:colId xmlns:a16="http://schemas.microsoft.com/office/drawing/2014/main" val="2487529331"/>
+                    </a:ext>
+                  </a:extLst>
+                </a:gridCol>
+                <a:gridCol w="1524000">
+                  <a:extLst>
+                    <a:ext uri="{9D8B030D-6E8A-4147-A177-3AD203B41FA5}">
+                      <a16:colId xmlns:a16="http://schemas.microsoft.com/office/drawing/2014/main" val="2869260063"/>
+                    </a:ext>
+                  </a:extLst>
+                </a:gridCol>
+                <a:gridCol w="1524000">
+                  <a:extLst>
+                    <a:ext uri="{9D8B030D-6E8A-4147-A177-3AD203B41FA5}">
+                      <a16:colId xmlns:a16="http://schemas.microsoft.com/office/drawing/2014/main" val="333191759"/>
+                    </a:ext>
+                  </a:extLst>
+                </a:gridCol>
+                <a:gridCol w="1524000">
+                  <a:extLst>
+                    <a:ext uri="{9D8B030D-6E8A-4147-A177-3AD203B41FA5}">
+                      <a16:colId xmlns:a16="http://schemas.microsoft.com/office/drawing/2014/main" val="1904566182"/>
+                    </a:ext>
+                  </a:extLst>
+                </a:gridCol>
+              </a:tblGrid>
+              <a:tr h="370840">
+                <a:tc>
+                  <a:txBody>
+                    <a:bodyPr/>
+                    <a:lstStyle/>
+                    <a:p>
+                      <a:r>
+                        <a:rPr lang="pt-BR" dirty="0">
+                          <a:solidFill>
+                            <a:schemeClr val="tx1"/>
+                          </a:solidFill>
+                        </a:rPr>
+                        <a:t>a</a:t>
+                      </a:r>
+                    </a:p>
+                  </a:txBody>
+                  <a:tcPr/>
+                </a:tc>
+                <a:tc>
+                  <a:txBody>
+                    <a:bodyPr/>
+                    <a:lstStyle/>
+                    <a:p>
+                      <a:r>
+                        <a:rPr lang="pt-BR" dirty="0">
+                          <a:solidFill>
+                            <a:schemeClr val="tx1"/>
+                          </a:solidFill>
+                        </a:rPr>
+                        <a:t>b</a:t>
+                      </a:r>
+                    </a:p>
+                  </a:txBody>
+                  <a:tcPr/>
+                </a:tc>
+                <a:tc>
+                  <a:txBody>
+                    <a:bodyPr/>
+                    <a:lstStyle/>
+                    <a:p>
+                      <a:r>
+                        <a:rPr lang="pt-BR" dirty="0">
+                          <a:solidFill>
+                            <a:schemeClr val="tx1"/>
+                          </a:solidFill>
+                        </a:rPr>
+                        <a:t>c</a:t>
+                      </a:r>
+                    </a:p>
+                  </a:txBody>
+                  <a:tcPr/>
+                </a:tc>
+                <a:tc>
+                  <a:txBody>
+                    <a:bodyPr/>
+                    <a:lstStyle/>
+                    <a:p>
+                      <a:r>
+                        <a:rPr lang="pt-BR" dirty="0">
+                          <a:solidFill>
+                            <a:schemeClr val="tx1"/>
+                          </a:solidFill>
+                        </a:rPr>
+                        <a:t>d</a:t>
+                      </a:r>
+                    </a:p>
+                  </a:txBody>
+                  <a:tcPr/>
+                </a:tc>
+                <a:extLst>
+                  <a:ext uri="{0D108BD9-81ED-4DB2-BD59-A6C34878D82A}">
+                    <a16:rowId xmlns:a16="http://schemas.microsoft.com/office/drawing/2014/main" val="1546058979"/>
+                  </a:ext>
+                </a:extLst>
+              </a:tr>
+              <a:tr h="370840">
+                <a:tc>
+                  <a:txBody>
+                    <a:bodyPr/>
+                    <a:lstStyle/>
+                    <a:p>
+                      <a:r>
+                        <a:rPr lang="pt-BR" dirty="0"/>
+                        <a:t>-1</a:t>
+                      </a:r>
+                    </a:p>
+                  </a:txBody>
+                  <a:tcPr/>
+                </a:tc>
+                <a:tc>
+                  <a:txBody>
+                    <a:bodyPr/>
+                    <a:lstStyle/>
+                    <a:p>
+                      <a:r>
+                        <a:rPr lang="pt-BR" dirty="0"/>
+                        <a:t>-1</a:t>
+                      </a:r>
+                    </a:p>
+                  </a:txBody>
+                  <a:tcPr/>
+                </a:tc>
+                <a:tc>
+                  <a:txBody>
+                    <a:bodyPr/>
+                    <a:lstStyle/>
+                    <a:p>
+                      <a:r>
+                        <a:rPr lang="pt-BR" dirty="0"/>
+                        <a:t>-1</a:t>
+                      </a:r>
+                    </a:p>
+                  </a:txBody>
+                  <a:tcPr/>
+                </a:tc>
+                <a:tc>
+                  <a:txBody>
+                    <a:bodyPr/>
+                    <a:lstStyle/>
+                    <a:p>
+                      <a:r>
+                        <a:rPr lang="pt-BR" dirty="0"/>
+                        <a:t>-1</a:t>
+                      </a:r>
+                    </a:p>
+                  </a:txBody>
+                  <a:tcPr/>
+                </a:tc>
+                <a:extLst>
+                  <a:ext uri="{0D108BD9-81ED-4DB2-BD59-A6C34878D82A}">
+                    <a16:rowId xmlns:a16="http://schemas.microsoft.com/office/drawing/2014/main" val="129382698"/>
+                  </a:ext>
+                </a:extLst>
+              </a:tr>
+            </a:tbl>
+          </a:graphicData>
+        </a:graphic>
+      </p:graphicFrame>
+      <mc:AlternateContent xmlns:mc="http://schemas.openxmlformats.org/markup-compatibility/2006" xmlns:a14="http://schemas.microsoft.com/office/drawing/2010/main">
+        <mc:Choice Requires="a14">
+          <p:sp>
+            <p:nvSpPr>
+              <p:cNvPr id="3" name="CaixaDeTexto 2">
+                <a:extLst>
+                  <a:ext uri="{FF2B5EF4-FFF2-40B4-BE49-F238E27FC236}">
+                    <a16:creationId xmlns:a16="http://schemas.microsoft.com/office/drawing/2014/main" id="{6F080448-3806-48B3-9411-2CB4688464CB}"/>
+                  </a:ext>
+                </a:extLst>
+              </p:cNvPr>
+              <p:cNvSpPr txBox="1"/>
+              <p:nvPr/>
+            </p:nvSpPr>
+            <p:spPr>
+              <a:xfrm>
+                <a:off x="46124" y="2249102"/>
+                <a:ext cx="1998823" cy="369332"/>
+              </a:xfrm>
+              <a:prstGeom prst="rect">
+                <a:avLst/>
+              </a:prstGeom>
+              <a:noFill/>
+            </p:spPr>
+            <p:txBody>
+              <a:bodyPr wrap="square" rtlCol="0">
+                <a:spAutoFit/>
+              </a:bodyPr>
+              <a:lstStyle/>
+              <a:p>
+                <a14:m>
+                  <m:oMath xmlns:m="http://schemas.openxmlformats.org/officeDocument/2006/math">
+                    <m:r>
+                      <a:rPr lang="pt-BR" i="1" smtClean="0">
+                        <a:latin typeface="Cambria Math" panose="02040503050406030204" pitchFamily="18" charset="0"/>
+                      </a:rPr>
+                      <m:t>∑</m:t>
+                    </m:r>
+                  </m:oMath>
+                </a14:m>
+                <a:r>
+                  <a:rPr lang="pt-BR" dirty="0"/>
+                  <a:t>( vetor alfabeto)</a:t>
+                </a:r>
+              </a:p>
+            </p:txBody>
+          </p:sp>
+        </mc:Choice>
+        <mc:Fallback xmlns="">
+          <p:sp>
+            <p:nvSpPr>
+              <p:cNvPr id="3" name="CaixaDeTexto 2">
+                <a:extLst>
+                  <a:ext uri="{FF2B5EF4-FFF2-40B4-BE49-F238E27FC236}">
+                    <a16:creationId xmlns:a16="http://schemas.microsoft.com/office/drawing/2014/main" id="{6F080448-3806-48B3-9411-2CB4688464CB}"/>
+                  </a:ext>
+                </a:extLst>
+              </p:cNvPr>
+              <p:cNvSpPr txBox="1">
+                <a:spLocks noRot="1" noChangeAspect="1" noMove="1" noResize="1" noEditPoints="1" noAdjustHandles="1" noChangeArrowheads="1" noChangeShapeType="1" noTextEdit="1"/>
+              </p:cNvSpPr>
+              <p:nvPr/>
+            </p:nvSpPr>
+            <p:spPr>
+              <a:xfrm>
+                <a:off x="46124" y="2249102"/>
+                <a:ext cx="1998823" cy="369332"/>
+              </a:xfrm>
+              <a:prstGeom prst="rect">
+                <a:avLst/>
+              </a:prstGeom>
+              <a:blipFill>
+                <a:blip r:embed="rId3"/>
+                <a:stretch>
+                  <a:fillRect l="-917" t="-9836" r="-917" b="-24590"/>
+                </a:stretch>
+              </a:blipFill>
+            </p:spPr>
+            <p:txBody>
+              <a:bodyPr/>
+              <a:lstStyle/>
+              <a:p>
+                <a:r>
+                  <a:rPr lang="pt-BR">
+                    <a:noFill/>
+                  </a:rPr>
+                  <a:t> </a:t>
+                </a:r>
+              </a:p>
+            </p:txBody>
+          </p:sp>
+        </mc:Fallback>
+      </mc:AlternateContent>
+      <p:sp>
+        <p:nvSpPr>
+          <p:cNvPr id="4" name="CaixaDeTexto 3">
+            <a:extLst>
+              <a:ext uri="{FF2B5EF4-FFF2-40B4-BE49-F238E27FC236}">
+                <a16:creationId xmlns:a16="http://schemas.microsoft.com/office/drawing/2014/main" id="{7BD64892-43A5-4C20-BBA1-6C95103B7AA7}"/>
+              </a:ext>
+            </a:extLst>
+          </p:cNvPr>
+          <p:cNvSpPr txBox="1"/>
+          <p:nvPr/>
+        </p:nvSpPr>
+        <p:spPr>
+          <a:xfrm>
+            <a:off x="404737" y="2619942"/>
+            <a:ext cx="887807" cy="369332"/>
+          </a:xfrm>
+          <a:prstGeom prst="rect">
+            <a:avLst/>
+          </a:prstGeom>
+          <a:noFill/>
+        </p:spPr>
+        <p:txBody>
+          <a:bodyPr wrap="none" rtlCol="0">
+            <a:spAutoFit/>
+          </a:bodyPr>
+          <a:lstStyle/>
+          <a:p>
+            <a:r>
+              <a:rPr lang="pt-BR" dirty="0"/>
+              <a:t>L       =</a:t>
+            </a:r>
+          </a:p>
+        </p:txBody>
+      </p:sp>
+    </p:spTree>
+  </p:cSld>
+  <p:clrMapOvr>
+    <a:masterClrMapping/>
+  </p:clrMapOvr>
+  <p:timing>
+    <p:tnLst>
+      <p:par>
+        <p:cTn id="1" dur="indefinite" restart="never" nodeType="tmRoot">
+          <p:childTnLst>
+            <p:seq>
+              <p:cTn id="2" nodeType="mainSeq"/>
+              <p:prevCondLst>
+                <p:cond evt="onPrev" delay="0">
+                  <p:tgtEl>
+                    <p:sldTgt/>
+                  </p:tgtEl>
+                </p:cond>
+              </p:prevCondLst>
+              <p:nextCondLst>
+                <p:cond evt="onNext" delay="0">
                   <p:tgtEl>
                     <p:sldTgt/>
                   </p:tgtEl>
@@ -4263,5 +9500,7 @@
       </a:bgFillStyleLst>
     </a:fmtScheme>
   </a:themeElements>
+  <a:objectDefaults/>
+  <a:extraClrSchemeLst/>
 </a:theme>
 </file>